--- a/types/Illia_Olenchenko_Presentation.pptx
+++ b/types/Illia_Olenchenko_Presentation.pptx
@@ -20,10 +20,10 @@
     <p:sldId id="267" r:id="rId14"/>
     <p:sldId id="269" r:id="rId15"/>
     <p:sldId id="271" r:id="rId16"/>
-    <p:sldId id="274" r:id="rId17"/>
-    <p:sldId id="277" r:id="rId18"/>
-    <p:sldId id="275" r:id="rId19"/>
-    <p:sldId id="276" r:id="rId20"/>
+    <p:sldId id="277" r:id="rId17"/>
+    <p:sldId id="276" r:id="rId18"/>
+    <p:sldId id="274" r:id="rId19"/>
+    <p:sldId id="275" r:id="rId20"/>
     <p:sldId id="270" r:id="rId21"/>
   </p:sldIdLst>
   <p:sldSz cx="12192000" cy="6858000"/>
@@ -181,728 +181,6 @@
               <c:strCache>
                 <c:ptCount val="1"/>
                 <c:pt idx="0">
-                  <c:v>1 CPU</c:v>
-                </c:pt>
-              </c:strCache>
-            </c:strRef>
-          </c:tx>
-          <c:marker>
-            <c:symbol val="none"/>
-          </c:marker>
-          <c:cat>
-            <c:numRef>
-              <c:f>Лист1!$A$2:$A$4</c:f>
-              <c:numCache>
-                <c:formatCode>General</c:formatCode>
-                <c:ptCount val="3"/>
-                <c:pt idx="0">
-                  <c:v>5</c:v>
-                </c:pt>
-                <c:pt idx="1">
-                  <c:v>10</c:v>
-                </c:pt>
-                <c:pt idx="2">
-                  <c:v>25</c:v>
-                </c:pt>
-              </c:numCache>
-            </c:numRef>
-          </c:cat>
-          <c:val>
-            <c:numRef>
-              <c:f>Лист1!$B$2:$B$4</c:f>
-              <c:numCache>
-                <c:formatCode>General</c:formatCode>
-                <c:ptCount val="3"/>
-                <c:pt idx="0">
-                  <c:v>1.5E-3</c:v>
-                </c:pt>
-                <c:pt idx="1">
-                  <c:v>1.355E-2</c:v>
-                </c:pt>
-                <c:pt idx="2">
-                  <c:v>0.73404499999999995</c:v>
-                </c:pt>
-              </c:numCache>
-            </c:numRef>
-          </c:val>
-          <c:smooth val="0"/>
-        </c:ser>
-        <c:ser>
-          <c:idx val="1"/>
-          <c:order val="1"/>
-          <c:tx>
-            <c:strRef>
-              <c:f>Лист1!$C$1</c:f>
-              <c:strCache>
-                <c:ptCount val="1"/>
-                <c:pt idx="0">
-                  <c:v>1 GPU</c:v>
-                </c:pt>
-              </c:strCache>
-            </c:strRef>
-          </c:tx>
-          <c:marker>
-            <c:symbol val="none"/>
-          </c:marker>
-          <c:cat>
-            <c:numRef>
-              <c:f>Лист1!$A$2:$A$4</c:f>
-              <c:numCache>
-                <c:formatCode>General</c:formatCode>
-                <c:ptCount val="3"/>
-                <c:pt idx="0">
-                  <c:v>5</c:v>
-                </c:pt>
-                <c:pt idx="1">
-                  <c:v>10</c:v>
-                </c:pt>
-                <c:pt idx="2">
-                  <c:v>25</c:v>
-                </c:pt>
-              </c:numCache>
-            </c:numRef>
-          </c:cat>
-          <c:val>
-            <c:numRef>
-              <c:f>Лист1!$C$2:$C$4</c:f>
-              <c:numCache>
-                <c:formatCode>General</c:formatCode>
-                <c:ptCount val="3"/>
-                <c:pt idx="0">
-                  <c:v>2.2000000000000001E-4</c:v>
-                </c:pt>
-                <c:pt idx="1">
-                  <c:v>0</c:v>
-                </c:pt>
-                <c:pt idx="2">
-                  <c:v>1.4319999999999999E-3</c:v>
-                </c:pt>
-              </c:numCache>
-            </c:numRef>
-          </c:val>
-          <c:smooth val="0"/>
-        </c:ser>
-        <c:dLbls>
-          <c:showLegendKey val="0"/>
-          <c:showVal val="0"/>
-          <c:showCatName val="0"/>
-          <c:showSerName val="0"/>
-          <c:showPercent val="0"/>
-          <c:showBubbleSize val="0"/>
-        </c:dLbls>
-        <c:smooth val="0"/>
-        <c:axId val="215287640"/>
-        <c:axId val="215292736"/>
-      </c:lineChart>
-      <c:catAx>
-        <c:axId val="215287640"/>
-        <c:scaling>
-          <c:orientation val="minMax"/>
-        </c:scaling>
-        <c:delete val="0"/>
-        <c:axPos val="b"/>
-        <c:numFmt formatCode="General" sourceLinked="1"/>
-        <c:majorTickMark val="out"/>
-        <c:minorTickMark val="none"/>
-        <c:tickLblPos val="nextTo"/>
-        <c:crossAx val="215292736"/>
-        <c:crosses val="autoZero"/>
-        <c:auto val="1"/>
-        <c:lblAlgn val="ctr"/>
-        <c:lblOffset val="100"/>
-        <c:noMultiLvlLbl val="0"/>
-      </c:catAx>
-      <c:valAx>
-        <c:axId val="215292736"/>
-        <c:scaling>
-          <c:logBase val="2"/>
-          <c:orientation val="minMax"/>
-        </c:scaling>
-        <c:delete val="0"/>
-        <c:axPos val="l"/>
-        <c:majorGridlines/>
-        <c:numFmt formatCode="General" sourceLinked="1"/>
-        <c:majorTickMark val="out"/>
-        <c:minorTickMark val="none"/>
-        <c:tickLblPos val="nextTo"/>
-        <c:crossAx val="215287640"/>
-        <c:crosses val="autoZero"/>
-        <c:crossBetween val="between"/>
-      </c:valAx>
-    </c:plotArea>
-    <c:legend>
-      <c:legendPos val="r"/>
-      <c:layout/>
-      <c:overlay val="0"/>
-    </c:legend>
-    <c:plotVisOnly val="1"/>
-    <c:dispBlanksAs val="gap"/>
-    <c:showDLblsOverMax val="0"/>
-  </c:chart>
-  <c:txPr>
-    <a:bodyPr/>
-    <a:lstStyle/>
-    <a:p>
-      <a:pPr>
-        <a:defRPr sz="1800"/>
-      </a:pPr>
-      <a:endParaRPr lang="ru-RU"/>
-    </a:p>
-  </c:txPr>
-  <c:externalData r:id="rId1">
-    <c:autoUpdate val="0"/>
-  </c:externalData>
-</c:chartSpace>
-</file>
-
-<file path=ppt/charts/chart2.xml><?xml version="1.0" encoding="utf-8"?>
-<c:chartSpace xmlns:c="http://schemas.openxmlformats.org/drawingml/2006/chart" xmlns:a="http://schemas.openxmlformats.org/drawingml/2006/main" xmlns:r="http://schemas.openxmlformats.org/officeDocument/2006/relationships">
-  <c:date1904 val="0"/>
-  <c:lang val="ru-RU"/>
-  <c:roundedCorners val="0"/>
-  <mc:AlternateContent xmlns:mc="http://schemas.openxmlformats.org/markup-compatibility/2006">
-    <mc:Choice xmlns:c14="http://schemas.microsoft.com/office/drawing/2007/8/2/chart" Requires="c14">
-      <c14:style val="102"/>
-    </mc:Choice>
-    <mc:Fallback>
-      <c:style val="2"/>
-    </mc:Fallback>
-  </mc:AlternateContent>
-  <c:chart>
-    <c:autoTitleDeleted val="1"/>
-    <c:plotArea>
-      <c:layout/>
-      <c:lineChart>
-        <c:grouping val="standard"/>
-        <c:varyColors val="0"/>
-        <c:ser>
-          <c:idx val="2"/>
-          <c:order val="0"/>
-          <c:tx>
-            <c:strRef>
-              <c:f>Лист1!$D$1</c:f>
-              <c:strCache>
-                <c:ptCount val="1"/>
-                <c:pt idx="0">
-                  <c:v>2 GPU</c:v>
-                </c:pt>
-              </c:strCache>
-            </c:strRef>
-          </c:tx>
-          <c:marker>
-            <c:symbol val="none"/>
-          </c:marker>
-          <c:cat>
-            <c:numRef>
-              <c:f>Лист1!$A$2:$A$4</c:f>
-              <c:numCache>
-                <c:formatCode>General</c:formatCode>
-                <c:ptCount val="3"/>
-                <c:pt idx="0">
-                  <c:v>5</c:v>
-                </c:pt>
-                <c:pt idx="1">
-                  <c:v>10</c:v>
-                </c:pt>
-                <c:pt idx="2">
-                  <c:v>25</c:v>
-                </c:pt>
-              </c:numCache>
-            </c:numRef>
-          </c:cat>
-          <c:val>
-            <c:numRef>
-              <c:f>Лист1!$D$2:$D$4</c:f>
-              <c:numCache>
-                <c:formatCode>General</c:formatCode>
-                <c:ptCount val="3"/>
-                <c:pt idx="0">
-                  <c:v>6.8181818181818183</c:v>
-                </c:pt>
-                <c:pt idx="1">
-                  <c:v>27.653061224489797</c:v>
-                </c:pt>
-                <c:pt idx="2">
-                  <c:v>512.60125698324021</c:v>
-                </c:pt>
-              </c:numCache>
-            </c:numRef>
-          </c:val>
-          <c:smooth val="0"/>
-        </c:ser>
-        <c:dLbls>
-          <c:showLegendKey val="0"/>
-          <c:showVal val="0"/>
-          <c:showCatName val="0"/>
-          <c:showSerName val="0"/>
-          <c:showPercent val="0"/>
-          <c:showBubbleSize val="0"/>
-        </c:dLbls>
-        <c:smooth val="0"/>
-        <c:axId val="215285288"/>
-        <c:axId val="215285680"/>
-      </c:lineChart>
-      <c:catAx>
-        <c:axId val="215285288"/>
-        <c:scaling>
-          <c:orientation val="minMax"/>
-        </c:scaling>
-        <c:delete val="0"/>
-        <c:axPos val="b"/>
-        <c:numFmt formatCode="General" sourceLinked="1"/>
-        <c:majorTickMark val="out"/>
-        <c:minorTickMark val="none"/>
-        <c:tickLblPos val="nextTo"/>
-        <c:crossAx val="215285680"/>
-        <c:crosses val="autoZero"/>
-        <c:auto val="1"/>
-        <c:lblAlgn val="ctr"/>
-        <c:lblOffset val="100"/>
-        <c:noMultiLvlLbl val="0"/>
-      </c:catAx>
-      <c:valAx>
-        <c:axId val="215285680"/>
-        <c:scaling>
-          <c:logBase val="2"/>
-          <c:orientation val="minMax"/>
-        </c:scaling>
-        <c:delete val="0"/>
-        <c:axPos val="l"/>
-        <c:majorGridlines/>
-        <c:numFmt formatCode="General" sourceLinked="1"/>
-        <c:majorTickMark val="out"/>
-        <c:minorTickMark val="none"/>
-        <c:tickLblPos val="nextTo"/>
-        <c:crossAx val="215285288"/>
-        <c:crosses val="autoZero"/>
-        <c:crossBetween val="between"/>
-      </c:valAx>
-    </c:plotArea>
-    <c:legend>
-      <c:legendPos val="r"/>
-      <c:layout/>
-      <c:overlay val="0"/>
-    </c:legend>
-    <c:plotVisOnly val="1"/>
-    <c:dispBlanksAs val="gap"/>
-    <c:showDLblsOverMax val="0"/>
-  </c:chart>
-  <c:txPr>
-    <a:bodyPr/>
-    <a:lstStyle/>
-    <a:p>
-      <a:pPr>
-        <a:defRPr sz="1800"/>
-      </a:pPr>
-      <a:endParaRPr lang="ru-RU"/>
-    </a:p>
-  </c:txPr>
-  <c:externalData r:id="rId1">
-    <c:autoUpdate val="0"/>
-  </c:externalData>
-</c:chartSpace>
-</file>
-
-<file path=ppt/charts/chart3.xml><?xml version="1.0" encoding="utf-8"?>
-<c:chartSpace xmlns:c="http://schemas.openxmlformats.org/drawingml/2006/chart" xmlns:a="http://schemas.openxmlformats.org/drawingml/2006/main" xmlns:r="http://schemas.openxmlformats.org/officeDocument/2006/relationships">
-  <c:date1904 val="0"/>
-  <c:lang val="ru-RU"/>
-  <c:roundedCorners val="0"/>
-  <mc:AlternateContent xmlns:mc="http://schemas.openxmlformats.org/markup-compatibility/2006">
-    <mc:Choice xmlns:c14="http://schemas.microsoft.com/office/drawing/2007/8/2/chart" Requires="c14">
-      <c14:style val="102"/>
-    </mc:Choice>
-    <mc:Fallback>
-      <c:style val="2"/>
-    </mc:Fallback>
-  </mc:AlternateContent>
-  <c:chart>
-    <c:autoTitleDeleted val="0"/>
-    <c:plotArea>
-      <c:layout>
-        <c:manualLayout>
-          <c:layoutTarget val="inner"/>
-          <c:xMode val="edge"/>
-          <c:yMode val="edge"/>
-          <c:x val="0.14870172014382696"/>
-          <c:y val="3.6141885280251709E-2"/>
-          <c:w val="0.70835274226241518"/>
-          <c:h val="0.89182281704698629"/>
-        </c:manualLayout>
-      </c:layout>
-      <c:lineChart>
-        <c:grouping val="standard"/>
-        <c:varyColors val="0"/>
-        <c:ser>
-          <c:idx val="0"/>
-          <c:order val="0"/>
-          <c:tx>
-            <c:strRef>
-              <c:f>Лист1!$B$1</c:f>
-              <c:strCache>
-                <c:ptCount val="1"/>
-                <c:pt idx="0">
-                  <c:v>1 CPU</c:v>
-                </c:pt>
-              </c:strCache>
-            </c:strRef>
-          </c:tx>
-          <c:marker>
-            <c:symbol val="none"/>
-          </c:marker>
-          <c:cat>
-            <c:numRef>
-              <c:f>Лист1!$A$2:$A$4</c:f>
-              <c:numCache>
-                <c:formatCode>General</c:formatCode>
-                <c:ptCount val="3"/>
-                <c:pt idx="0">
-                  <c:v>5</c:v>
-                </c:pt>
-                <c:pt idx="1">
-                  <c:v>10</c:v>
-                </c:pt>
-                <c:pt idx="2">
-                  <c:v>25</c:v>
-                </c:pt>
-              </c:numCache>
-            </c:numRef>
-          </c:cat>
-          <c:val>
-            <c:numRef>
-              <c:f>Лист1!$B$2:$B$4</c:f>
-              <c:numCache>
-                <c:formatCode>General</c:formatCode>
-                <c:ptCount val="3"/>
-                <c:pt idx="0">
-                  <c:v>1.7399999999999999E-2</c:v>
-                </c:pt>
-                <c:pt idx="1">
-                  <c:v>1.7267100000000001E-2</c:v>
-                </c:pt>
-                <c:pt idx="2">
-                  <c:v>0.87492999999999999</c:v>
-                </c:pt>
-              </c:numCache>
-            </c:numRef>
-          </c:val>
-          <c:smooth val="0"/>
-        </c:ser>
-        <c:ser>
-          <c:idx val="1"/>
-          <c:order val="1"/>
-          <c:tx>
-            <c:strRef>
-              <c:f>Лист1!$C$1</c:f>
-              <c:strCache>
-                <c:ptCount val="1"/>
-                <c:pt idx="0">
-                  <c:v>1 GPU</c:v>
-                </c:pt>
-              </c:strCache>
-            </c:strRef>
-          </c:tx>
-          <c:marker>
-            <c:symbol val="none"/>
-          </c:marker>
-          <c:cat>
-            <c:numRef>
-              <c:f>Лист1!$A$2:$A$4</c:f>
-              <c:numCache>
-                <c:formatCode>General</c:formatCode>
-                <c:ptCount val="3"/>
-                <c:pt idx="0">
-                  <c:v>5</c:v>
-                </c:pt>
-                <c:pt idx="1">
-                  <c:v>10</c:v>
-                </c:pt>
-                <c:pt idx="2">
-                  <c:v>25</c:v>
-                </c:pt>
-              </c:numCache>
-            </c:numRef>
-          </c:cat>
-          <c:val>
-            <c:numRef>
-              <c:f>Лист1!$C$2:$C$4</c:f>
-              <c:numCache>
-                <c:formatCode>General</c:formatCode>
-                <c:ptCount val="3"/>
-                <c:pt idx="0">
-                  <c:v>1.8E-3</c:v>
-                </c:pt>
-                <c:pt idx="1">
-                  <c:v>3.8649999999999999E-3</c:v>
-                </c:pt>
-                <c:pt idx="2">
-                  <c:v>1.33061E-2</c:v>
-                </c:pt>
-              </c:numCache>
-            </c:numRef>
-          </c:val>
-          <c:smooth val="0"/>
-        </c:ser>
-        <c:dLbls>
-          <c:showLegendKey val="0"/>
-          <c:showVal val="0"/>
-          <c:showCatName val="0"/>
-          <c:showSerName val="0"/>
-          <c:showPercent val="0"/>
-          <c:showBubbleSize val="0"/>
-        </c:dLbls>
-        <c:smooth val="0"/>
-        <c:axId val="190925368"/>
-        <c:axId val="190926936"/>
-      </c:lineChart>
-      <c:catAx>
-        <c:axId val="190925368"/>
-        <c:scaling>
-          <c:orientation val="minMax"/>
-        </c:scaling>
-        <c:delete val="0"/>
-        <c:axPos val="b"/>
-        <c:numFmt formatCode="General" sourceLinked="1"/>
-        <c:majorTickMark val="out"/>
-        <c:minorTickMark val="none"/>
-        <c:tickLblPos val="nextTo"/>
-        <c:crossAx val="190926936"/>
-        <c:crosses val="autoZero"/>
-        <c:auto val="1"/>
-        <c:lblAlgn val="ctr"/>
-        <c:lblOffset val="100"/>
-        <c:noMultiLvlLbl val="0"/>
-      </c:catAx>
-      <c:valAx>
-        <c:axId val="190926936"/>
-        <c:scaling>
-          <c:logBase val="2"/>
-          <c:orientation val="minMax"/>
-        </c:scaling>
-        <c:delete val="0"/>
-        <c:axPos val="l"/>
-        <c:majorGridlines/>
-        <c:numFmt formatCode="General" sourceLinked="1"/>
-        <c:majorTickMark val="out"/>
-        <c:minorTickMark val="none"/>
-        <c:tickLblPos val="nextTo"/>
-        <c:crossAx val="190925368"/>
-        <c:crosses val="autoZero"/>
-        <c:crossBetween val="between"/>
-      </c:valAx>
-    </c:plotArea>
-    <c:legend>
-      <c:legendPos val="r"/>
-      <c:layout/>
-      <c:overlay val="0"/>
-    </c:legend>
-    <c:plotVisOnly val="1"/>
-    <c:dispBlanksAs val="gap"/>
-    <c:showDLblsOverMax val="0"/>
-  </c:chart>
-  <c:txPr>
-    <a:bodyPr/>
-    <a:lstStyle/>
-    <a:p>
-      <a:pPr>
-        <a:defRPr sz="1800"/>
-      </a:pPr>
-      <a:endParaRPr lang="ru-RU"/>
-    </a:p>
-  </c:txPr>
-  <c:externalData r:id="rId1">
-    <c:autoUpdate val="0"/>
-  </c:externalData>
-</c:chartSpace>
-</file>
-
-<file path=ppt/charts/chart4.xml><?xml version="1.0" encoding="utf-8"?>
-<c:chartSpace xmlns:c="http://schemas.openxmlformats.org/drawingml/2006/chart" xmlns:a="http://schemas.openxmlformats.org/drawingml/2006/main" xmlns:r="http://schemas.openxmlformats.org/officeDocument/2006/relationships">
-  <c:date1904 val="0"/>
-  <c:lang val="ru-RU"/>
-  <c:roundedCorners val="0"/>
-  <mc:AlternateContent xmlns:mc="http://schemas.openxmlformats.org/markup-compatibility/2006">
-    <mc:Choice xmlns:c14="http://schemas.microsoft.com/office/drawing/2007/8/2/chart" Requires="c14">
-      <c14:style val="102"/>
-    </mc:Choice>
-    <mc:Fallback>
-      <c:style val="2"/>
-    </mc:Fallback>
-  </mc:AlternateContent>
-  <c:chart>
-    <c:autoTitleDeleted val="1"/>
-    <c:plotArea>
-      <c:layout/>
-      <c:lineChart>
-        <c:grouping val="standard"/>
-        <c:varyColors val="0"/>
-        <c:ser>
-          <c:idx val="2"/>
-          <c:order val="0"/>
-          <c:tx>
-            <c:strRef>
-              <c:f>Лист1!$D$1</c:f>
-              <c:strCache>
-                <c:ptCount val="1"/>
-                <c:pt idx="0">
-                  <c:v>2 GPU</c:v>
-                </c:pt>
-              </c:strCache>
-            </c:strRef>
-          </c:tx>
-          <c:marker>
-            <c:symbol val="none"/>
-          </c:marker>
-          <c:cat>
-            <c:numRef>
-              <c:f>Лист1!$A$2:$A$4</c:f>
-              <c:numCache>
-                <c:formatCode>General</c:formatCode>
-                <c:ptCount val="3"/>
-                <c:pt idx="0">
-                  <c:v>5</c:v>
-                </c:pt>
-                <c:pt idx="1">
-                  <c:v>10</c:v>
-                </c:pt>
-                <c:pt idx="2">
-                  <c:v>25</c:v>
-                </c:pt>
-              </c:numCache>
-            </c:numRef>
-          </c:cat>
-          <c:val>
-            <c:numRef>
-              <c:f>Лист1!$D$2:$D$4</c:f>
-              <c:numCache>
-                <c:formatCode>General</c:formatCode>
-                <c:ptCount val="3"/>
-                <c:pt idx="0">
-                  <c:v>2.2307692307692308</c:v>
-                </c:pt>
-                <c:pt idx="1">
-                  <c:v>4.467554980595084</c:v>
-                </c:pt>
-                <c:pt idx="2">
-                  <c:v>65.754052652542825</c:v>
-                </c:pt>
-              </c:numCache>
-            </c:numRef>
-          </c:val>
-          <c:smooth val="0"/>
-        </c:ser>
-        <c:dLbls>
-          <c:showLegendKey val="0"/>
-          <c:showVal val="0"/>
-          <c:showCatName val="0"/>
-          <c:showSerName val="0"/>
-          <c:showPercent val="0"/>
-          <c:showBubbleSize val="0"/>
-        </c:dLbls>
-        <c:smooth val="0"/>
-        <c:axId val="366222544"/>
-        <c:axId val="366217840"/>
-      </c:lineChart>
-      <c:catAx>
-        <c:axId val="366222544"/>
-        <c:scaling>
-          <c:orientation val="minMax"/>
-        </c:scaling>
-        <c:delete val="0"/>
-        <c:axPos val="b"/>
-        <c:numFmt formatCode="General" sourceLinked="1"/>
-        <c:majorTickMark val="out"/>
-        <c:minorTickMark val="none"/>
-        <c:tickLblPos val="nextTo"/>
-        <c:crossAx val="366217840"/>
-        <c:crosses val="autoZero"/>
-        <c:auto val="1"/>
-        <c:lblAlgn val="ctr"/>
-        <c:lblOffset val="100"/>
-        <c:noMultiLvlLbl val="0"/>
-      </c:catAx>
-      <c:valAx>
-        <c:axId val="366217840"/>
-        <c:scaling>
-          <c:logBase val="2"/>
-          <c:orientation val="minMax"/>
-        </c:scaling>
-        <c:delete val="0"/>
-        <c:axPos val="l"/>
-        <c:majorGridlines/>
-        <c:numFmt formatCode="General" sourceLinked="1"/>
-        <c:majorTickMark val="out"/>
-        <c:minorTickMark val="none"/>
-        <c:tickLblPos val="nextTo"/>
-        <c:crossAx val="366222544"/>
-        <c:crosses val="autoZero"/>
-        <c:crossBetween val="between"/>
-      </c:valAx>
-    </c:plotArea>
-    <c:legend>
-      <c:legendPos val="r"/>
-      <c:layout/>
-      <c:overlay val="0"/>
-    </c:legend>
-    <c:plotVisOnly val="1"/>
-    <c:dispBlanksAs val="gap"/>
-    <c:showDLblsOverMax val="0"/>
-  </c:chart>
-  <c:txPr>
-    <a:bodyPr/>
-    <a:lstStyle/>
-    <a:p>
-      <a:pPr>
-        <a:defRPr sz="1800"/>
-      </a:pPr>
-      <a:endParaRPr lang="ru-RU"/>
-    </a:p>
-  </c:txPr>
-  <c:externalData r:id="rId1">
-    <c:autoUpdate val="0"/>
-  </c:externalData>
-</c:chartSpace>
-</file>
-
-<file path=ppt/charts/chart5.xml><?xml version="1.0" encoding="utf-8"?>
-<c:chartSpace xmlns:c="http://schemas.openxmlformats.org/drawingml/2006/chart" xmlns:a="http://schemas.openxmlformats.org/drawingml/2006/main" xmlns:r="http://schemas.openxmlformats.org/officeDocument/2006/relationships">
-  <c:date1904 val="0"/>
-  <c:lang val="ru-RU"/>
-  <c:roundedCorners val="0"/>
-  <mc:AlternateContent xmlns:mc="http://schemas.openxmlformats.org/markup-compatibility/2006">
-    <mc:Choice xmlns:c14="http://schemas.microsoft.com/office/drawing/2007/8/2/chart" Requires="c14">
-      <c14:style val="102"/>
-    </mc:Choice>
-    <mc:Fallback>
-      <c:style val="2"/>
-    </mc:Fallback>
-  </mc:AlternateContent>
-  <c:chart>
-    <c:autoTitleDeleted val="0"/>
-    <c:plotArea>
-      <c:layout>
-        <c:manualLayout>
-          <c:layoutTarget val="inner"/>
-          <c:xMode val="edge"/>
-          <c:yMode val="edge"/>
-          <c:x val="0.14870171318312933"/>
-          <c:y val="3.7172670264740831E-2"/>
-          <c:w val="0.70835274226241518"/>
-          <c:h val="0.89182281704698629"/>
-        </c:manualLayout>
-      </c:layout>
-      <c:lineChart>
-        <c:grouping val="standard"/>
-        <c:varyColors val="0"/>
-        <c:ser>
-          <c:idx val="0"/>
-          <c:order val="0"/>
-          <c:tx>
-            <c:strRef>
-              <c:f>Лист1!$B$1</c:f>
-              <c:strCache>
-                <c:ptCount val="1"/>
-                <c:pt idx="0">
                   <c:v>Річардсон</c:v>
                 </c:pt>
               </c:strCache>
@@ -1013,11 +291,11 @@
           <c:showBubbleSize val="0"/>
         </c:dLbls>
         <c:smooth val="0"/>
-        <c:axId val="366218624"/>
-        <c:axId val="366223328"/>
+        <c:axId val="240086848"/>
+        <c:axId val="240083320"/>
       </c:lineChart>
       <c:catAx>
-        <c:axId val="366218624"/>
+        <c:axId val="240086848"/>
         <c:scaling>
           <c:orientation val="minMax"/>
         </c:scaling>
@@ -1027,7 +305,7 @@
         <c:majorTickMark val="out"/>
         <c:minorTickMark val="none"/>
         <c:tickLblPos val="nextTo"/>
-        <c:crossAx val="366223328"/>
+        <c:crossAx val="240083320"/>
         <c:crosses val="autoZero"/>
         <c:auto val="1"/>
         <c:lblAlgn val="ctr"/>
@@ -1035,7 +313,7 @@
         <c:noMultiLvlLbl val="0"/>
       </c:catAx>
       <c:valAx>
-        <c:axId val="366223328"/>
+        <c:axId val="240083320"/>
         <c:scaling>
           <c:logBase val="2"/>
           <c:orientation val="minMax"/>
@@ -1047,7 +325,7 @@
         <c:majorTickMark val="out"/>
         <c:minorTickMark val="none"/>
         <c:tickLblPos val="nextTo"/>
-        <c:crossAx val="366218624"/>
+        <c:crossAx val="240086848"/>
         <c:crosses val="autoZero"/>
         <c:crossBetween val="between"/>
       </c:valAx>
@@ -1064,6 +342,154 @@
           <c:h val="0.29511107762247424"/>
         </c:manualLayout>
       </c:layout>
+      <c:overlay val="0"/>
+    </c:legend>
+    <c:plotVisOnly val="1"/>
+    <c:dispBlanksAs val="gap"/>
+    <c:showDLblsOverMax val="0"/>
+  </c:chart>
+  <c:txPr>
+    <a:bodyPr/>
+    <a:lstStyle/>
+    <a:p>
+      <a:pPr>
+        <a:defRPr sz="1800"/>
+      </a:pPr>
+      <a:endParaRPr lang="ru-RU"/>
+    </a:p>
+  </c:txPr>
+  <c:externalData r:id="rId1">
+    <c:autoUpdate val="0"/>
+  </c:externalData>
+</c:chartSpace>
+</file>
+
+<file path=ppt/charts/chart2.xml><?xml version="1.0" encoding="utf-8"?>
+<c:chartSpace xmlns:c="http://schemas.openxmlformats.org/drawingml/2006/chart" xmlns:a="http://schemas.openxmlformats.org/drawingml/2006/main" xmlns:r="http://schemas.openxmlformats.org/officeDocument/2006/relationships">
+  <c:date1904 val="0"/>
+  <c:lang val="ru-RU"/>
+  <c:roundedCorners val="0"/>
+  <mc:AlternateContent xmlns:mc="http://schemas.openxmlformats.org/markup-compatibility/2006">
+    <mc:Choice xmlns:c14="http://schemas.microsoft.com/office/drawing/2007/8/2/chart" Requires="c14">
+      <c14:style val="102"/>
+    </mc:Choice>
+    <mc:Fallback>
+      <c:style val="2"/>
+    </mc:Fallback>
+  </mc:AlternateContent>
+  <c:chart>
+    <c:autoTitleDeleted val="1"/>
+    <c:plotArea>
+      <c:layout/>
+      <c:lineChart>
+        <c:grouping val="standard"/>
+        <c:varyColors val="0"/>
+        <c:ser>
+          <c:idx val="2"/>
+          <c:order val="0"/>
+          <c:tx>
+            <c:strRef>
+              <c:f>Лист1!$D$1</c:f>
+              <c:strCache>
+                <c:ptCount val="1"/>
+                <c:pt idx="0">
+                  <c:v>2 GPU</c:v>
+                </c:pt>
+              </c:strCache>
+            </c:strRef>
+          </c:tx>
+          <c:marker>
+            <c:symbol val="none"/>
+          </c:marker>
+          <c:cat>
+            <c:numRef>
+              <c:f>Лист1!$A$2:$A$4</c:f>
+              <c:numCache>
+                <c:formatCode>General</c:formatCode>
+                <c:ptCount val="3"/>
+                <c:pt idx="0">
+                  <c:v>5</c:v>
+                </c:pt>
+                <c:pt idx="1">
+                  <c:v>10</c:v>
+                </c:pt>
+                <c:pt idx="2">
+                  <c:v>25</c:v>
+                </c:pt>
+              </c:numCache>
+            </c:numRef>
+          </c:cat>
+          <c:val>
+            <c:numRef>
+              <c:f>Лист1!$D$2:$D$4</c:f>
+              <c:numCache>
+                <c:formatCode>General</c:formatCode>
+                <c:ptCount val="3"/>
+                <c:pt idx="0">
+                  <c:v>2.2307692307692308</c:v>
+                </c:pt>
+                <c:pt idx="1">
+                  <c:v>4.467554980595084</c:v>
+                </c:pt>
+                <c:pt idx="2">
+                  <c:v>65.754052652542825</c:v>
+                </c:pt>
+              </c:numCache>
+            </c:numRef>
+          </c:val>
+          <c:smooth val="0"/>
+        </c:ser>
+        <c:dLbls>
+          <c:showLegendKey val="0"/>
+          <c:showVal val="0"/>
+          <c:showCatName val="0"/>
+          <c:showSerName val="0"/>
+          <c:showPercent val="0"/>
+          <c:showBubbleSize val="0"/>
+        </c:dLbls>
+        <c:smooth val="0"/>
+        <c:axId val="240083712"/>
+        <c:axId val="240084104"/>
+      </c:lineChart>
+      <c:catAx>
+        <c:axId val="240083712"/>
+        <c:scaling>
+          <c:orientation val="minMax"/>
+        </c:scaling>
+        <c:delete val="0"/>
+        <c:axPos val="b"/>
+        <c:numFmt formatCode="General" sourceLinked="1"/>
+        <c:majorTickMark val="out"/>
+        <c:minorTickMark val="none"/>
+        <c:tickLblPos val="nextTo"/>
+        <c:crossAx val="240084104"/>
+        <c:crosses val="autoZero"/>
+        <c:auto val="1"/>
+        <c:lblAlgn val="ctr"/>
+        <c:lblOffset val="100"/>
+        <c:noMultiLvlLbl val="0"/>
+      </c:catAx>
+      <c:valAx>
+        <c:axId val="240084104"/>
+        <c:scaling>
+          <c:logBase val="2"/>
+          <c:orientation val="minMax"/>
+        </c:scaling>
+        <c:delete val="0"/>
+        <c:axPos val="l"/>
+        <c:majorGridlines/>
+        <c:numFmt formatCode="General" sourceLinked="1"/>
+        <c:majorTickMark val="out"/>
+        <c:minorTickMark val="none"/>
+        <c:tickLblPos val="nextTo"/>
+        <c:crossAx val="240083712"/>
+        <c:crosses val="autoZero"/>
+        <c:crossBetween val="between"/>
+      </c:valAx>
+    </c:plotArea>
+    <c:legend>
+      <c:legendPos val="r"/>
+      <c:layout/>
       <c:overlay val="0"/>
     </c:legend>
     <c:plotVisOnly val="1"/>
@@ -4842,45 +4268,12 @@
       </p:sp>
       <p:pic>
         <p:nvPicPr>
-          <p:cNvPr id="24" name="Рисунок 23" descr="\omega_{opt}=\frac {2}{1+\sqrt{1-\rho^2(D^{-1}(R+L))}"/>
+          <p:cNvPr id="25" name="Рисунок 24" descr="http://old.math.tsu.ru/EEResources/cm/text/5.files/image407.gif"/>
           <p:cNvPicPr/>
           <p:nvPr/>
         </p:nvPicPr>
         <p:blipFill>
           <a:blip r:embed="rId5">
-            <a:extLst>
-              <a:ext uri="{28A0092B-C50C-407E-A947-70E740481C1C}">
-                <a14:useLocalDpi xmlns:a14="http://schemas.microsoft.com/office/drawing/2010/main" val="0"/>
-              </a:ext>
-            </a:extLst>
-          </a:blip>
-          <a:srcRect/>
-          <a:stretch>
-            <a:fillRect/>
-          </a:stretch>
-        </p:blipFill>
-        <p:spPr bwMode="auto">
-          <a:xfrm>
-            <a:off x="355693" y="4530819"/>
-            <a:ext cx="4333538" cy="787916"/>
-          </a:xfrm>
-          <a:prstGeom prst="rect">
-            <a:avLst/>
-          </a:prstGeom>
-          <a:noFill/>
-          <a:ln>
-            <a:noFill/>
-          </a:ln>
-        </p:spPr>
-      </p:pic>
-      <p:pic>
-        <p:nvPicPr>
-          <p:cNvPr id="25" name="Рисунок 24" descr="http://old.math.tsu.ru/EEResources/cm/text/5.files/image407.gif"/>
-          <p:cNvPicPr/>
-          <p:nvPr/>
-        </p:nvPicPr>
-        <p:blipFill>
-          <a:blip r:embed="rId6">
             <a:extLst>
               <a:ext uri="{28A0092B-C50C-407E-A947-70E740481C1C}">
                 <a14:useLocalDpi xmlns:a14="http://schemas.microsoft.com/office/drawing/2010/main" val="0"/>
@@ -4949,7 +4342,7 @@
           <p:nvPr/>
         </p:nvPicPr>
         <p:blipFill>
-          <a:blip r:embed="rId7">
+          <a:blip r:embed="rId6">
             <a:extLst>
               <a:ext uri="{28A0092B-C50C-407E-A947-70E740481C1C}">
                 <a14:useLocalDpi xmlns:a14="http://schemas.microsoft.com/office/drawing/2010/main" val="0"/>
@@ -4973,6 +4366,60 @@
           <a:ln>
             <a:noFill/>
           </a:ln>
+        </p:spPr>
+      </p:pic>
+      <p:pic>
+        <p:nvPicPr>
+          <p:cNvPr id="1026" name="Рисунок 11" descr="\omega_{opt}\approx 2-O(h)"/>
+          <p:cNvPicPr>
+            <a:picLocks noChangeAspect="1" noChangeArrowheads="1"/>
+          </p:cNvPicPr>
+          <p:nvPr/>
+        </p:nvPicPr>
+        <p:blipFill>
+          <a:blip r:embed="rId7">
+            <a:extLst>
+              <a:ext uri="{28A0092B-C50C-407E-A947-70E740481C1C}">
+                <a14:useLocalDpi xmlns:a14="http://schemas.microsoft.com/office/drawing/2010/main" val="0"/>
+              </a:ext>
+            </a:extLst>
+          </a:blip>
+          <a:srcRect/>
+          <a:stretch>
+            <a:fillRect/>
+          </a:stretch>
+        </p:blipFill>
+        <p:spPr bwMode="auto">
+          <a:xfrm>
+            <a:off x="355693" y="4647684"/>
+            <a:ext cx="2281027" cy="428001"/>
+          </a:xfrm>
+          <a:prstGeom prst="rect">
+            <a:avLst/>
+          </a:prstGeom>
+          <a:noFill/>
+          <a:ln>
+            <a:noFill/>
+          </a:ln>
+          <a:extLst>
+            <a:ext uri="{909E8E84-426E-40DD-AFC4-6F175D3DCCD1}">
+              <a14:hiddenFill xmlns:a14="http://schemas.microsoft.com/office/drawing/2010/main">
+                <a:solidFill>
+                  <a:srgbClr val="FFFFFF"/>
+                </a:solidFill>
+              </a14:hiddenFill>
+            </a:ext>
+            <a:ext uri="{91240B29-F687-4F45-9708-019B960494DF}">
+              <a14:hiddenLine xmlns:a14="http://schemas.microsoft.com/office/drawing/2010/main" w="9525">
+                <a:solidFill>
+                  <a:srgbClr val="000000"/>
+                </a:solidFill>
+                <a:miter lim="800000"/>
+                <a:headEnd/>
+                <a:tailEnd/>
+              </a14:hiddenLine>
+            </a:ext>
+          </a:extLst>
         </p:spPr>
       </p:pic>
     </p:spTree>
@@ -5266,634 +4713,104 @@
           </a:bodyPr>
           <a:lstStyle/>
           <a:p>
-            <a:pPr marL="342900" lvl="0" indent="-342900">
-              <a:buFont typeface="Wingdings" panose="05000000000000000000" pitchFamily="2" charset="2"/>
-              <a:buChar char="§"/>
+            <a:pPr marL="285750" lvl="0" indent="-285750">
+              <a:buFont typeface="Arial" panose="020B0604020202020204" pitchFamily="34" charset="0"/>
+              <a:buChar char="•"/>
             </a:pPr>
             <a:r>
-              <a:rPr lang="uk-UA" sz="2000" dirty="0" smtClean="0">
-                <a:latin typeface="Times New Roman" panose="02020603050405020304" pitchFamily="18" charset="0"/>
-                <a:cs typeface="Times New Roman" panose="02020603050405020304" pitchFamily="18" charset="0"/>
-              </a:rPr>
-              <a:t>Задаємо </a:t>
-            </a:r>
-            <a:r>
-              <a:rPr lang="uk-UA" sz="2000" dirty="0">
-                <a:latin typeface="Times New Roman" panose="02020603050405020304" pitchFamily="18" charset="0"/>
-                <a:cs typeface="Times New Roman" panose="02020603050405020304" pitchFamily="18" charset="0"/>
-              </a:rPr>
-              <a:t>початкове наближення у кожну підобласть. Вводимо в кожний ПП величину бажаної похибки, який детермінує закінчення ітеративного процесу. Обчислюємо і зберігаємо в усіх ПП вектор оптимальних параметрів.</a:t>
-            </a:r>
+              <a:rPr lang="uk-UA" dirty="0">
+                <a:latin typeface="Times New Roman" panose="02020603050405020304" pitchFamily="18" charset="0"/>
+                <a:cs typeface="Times New Roman" panose="02020603050405020304" pitchFamily="18" charset="0"/>
+              </a:rPr>
+              <a:t>Задаємо початкове наближення у кожну підобласть. Вводимо в кожний процес величину бажаної похибки, яка детермінує закінчення ітеративного процесу. Обчислюємо і зберігаємо в усіх процесах вектор оптимальних параметрів</a:t>
+            </a:r>
+            <a:r>
+              <a:rPr lang="uk-UA" dirty="0" smtClean="0">
+                <a:latin typeface="Times New Roman" panose="02020603050405020304" pitchFamily="18" charset="0"/>
+                <a:cs typeface="Times New Roman" panose="02020603050405020304" pitchFamily="18" charset="0"/>
+              </a:rPr>
+              <a:t>.</a:t>
+            </a:r>
+          </a:p>
+          <a:p>
+            <a:pPr marL="285750" lvl="0" indent="-285750">
+              <a:buFont typeface="Arial" panose="020B0604020202020204" pitchFamily="34" charset="0"/>
+              <a:buChar char="•"/>
+            </a:pPr>
+            <a:endParaRPr lang="ru-RU" dirty="0">
+              <a:latin typeface="Times New Roman" panose="02020603050405020304" pitchFamily="18" charset="0"/>
+              <a:cs typeface="Times New Roman" panose="02020603050405020304" pitchFamily="18" charset="0"/>
+            </a:endParaRPr>
+          </a:p>
+          <a:p>
+            <a:pPr marL="285750" lvl="0" indent="-285750">
+              <a:buFont typeface="Arial" panose="020B0604020202020204" pitchFamily="34" charset="0"/>
+              <a:buChar char="•"/>
+            </a:pPr>
+            <a:r>
+              <a:rPr lang="uk-UA" dirty="0">
+                <a:latin typeface="Times New Roman" panose="02020603050405020304" pitchFamily="18" charset="0"/>
+                <a:cs typeface="Times New Roman" panose="02020603050405020304" pitchFamily="18" charset="0"/>
+              </a:rPr>
+              <a:t>У кожному процесі у вузлах сітки одночасно й незалежно знаходимо наступну ітерацію. На цьому ж кроці перевіряємо умову закінчення методу. Якщо вона не виконується то переходимо на наступний крок</a:t>
+            </a:r>
+            <a:r>
+              <a:rPr lang="uk-UA" dirty="0" smtClean="0">
+                <a:latin typeface="Times New Roman" panose="02020603050405020304" pitchFamily="18" charset="0"/>
+                <a:cs typeface="Times New Roman" panose="02020603050405020304" pitchFamily="18" charset="0"/>
+              </a:rPr>
+              <a:t>.</a:t>
+            </a:r>
+          </a:p>
+          <a:p>
+            <a:pPr marL="285750" lvl="0" indent="-285750">
+              <a:buFont typeface="Arial" panose="020B0604020202020204" pitchFamily="34" charset="0"/>
+              <a:buChar char="•"/>
+            </a:pPr>
+            <a:endParaRPr lang="ru-RU" dirty="0">
+              <a:latin typeface="Times New Roman" panose="02020603050405020304" pitchFamily="18" charset="0"/>
+              <a:cs typeface="Times New Roman" panose="02020603050405020304" pitchFamily="18" charset="0"/>
+            </a:endParaRPr>
+          </a:p>
+          <a:p>
+            <a:pPr marL="285750" lvl="0" indent="-285750">
+              <a:buFont typeface="Arial" panose="020B0604020202020204" pitchFamily="34" charset="0"/>
+              <a:buChar char="•"/>
+            </a:pPr>
+            <a:r>
+              <a:rPr lang="uk-UA" dirty="0">
+                <a:latin typeface="Times New Roman" panose="02020603050405020304" pitchFamily="18" charset="0"/>
+                <a:cs typeface="Times New Roman" panose="02020603050405020304" pitchFamily="18" charset="0"/>
+              </a:rPr>
+              <a:t>Послідовно встановлюємо два рази зв’язок між процесами таким чином, щоб у результаті цього процеси, які містить у собі сусідні </a:t>
+            </a:r>
+            <a:r>
+              <a:rPr lang="uk-UA" dirty="0" err="1">
+                <a:latin typeface="Times New Roman" panose="02020603050405020304" pitchFamily="18" charset="0"/>
+                <a:cs typeface="Times New Roman" panose="02020603050405020304" pitchFamily="18" charset="0"/>
+              </a:rPr>
+              <a:t>підобласті</a:t>
+            </a:r>
+            <a:r>
+              <a:rPr lang="uk-UA" dirty="0">
+                <a:latin typeface="Times New Roman" panose="02020603050405020304" pitchFamily="18" charset="0"/>
+                <a:cs typeface="Times New Roman" panose="02020603050405020304" pitchFamily="18" charset="0"/>
+              </a:rPr>
+              <a:t>, з’єдналися кожен раз попарно між собою. Після кожного такту встановлюємо зв’язок між процесами щоб вони обмінялися додатковими значеннями.</a:t>
+            </a:r>
+            <a:endParaRPr lang="ru-RU" dirty="0">
+              <a:latin typeface="Times New Roman" panose="02020603050405020304" pitchFamily="18" charset="0"/>
+              <a:cs typeface="Times New Roman" panose="02020603050405020304" pitchFamily="18" charset="0"/>
+            </a:endParaRPr>
+          </a:p>
+          <a:p>
             <a:endParaRPr lang="ru-RU" sz="2000" dirty="0">
               <a:latin typeface="Times New Roman" panose="02020603050405020304" pitchFamily="18" charset="0"/>
               <a:cs typeface="Times New Roman" panose="02020603050405020304" pitchFamily="18" charset="0"/>
             </a:endParaRPr>
           </a:p>
-          <a:p>
-            <a:pPr marL="342900" lvl="0" indent="-342900">
-              <a:buFont typeface="Wingdings" panose="05000000000000000000" pitchFamily="2" charset="2"/>
-              <a:buChar char="§"/>
-            </a:pPr>
-            <a:r>
-              <a:rPr lang="uk-UA" sz="2000" dirty="0">
-                <a:latin typeface="Times New Roman" panose="02020603050405020304" pitchFamily="18" charset="0"/>
-                <a:cs typeface="Times New Roman" panose="02020603050405020304" pitchFamily="18" charset="0"/>
-              </a:rPr>
-              <a:t>У кожному ПП у вузлах сітки одночасно й незалежно знаходимо наступну ітерацію. На цьому ж кроці перевіряємо умову закінчення процесу. Якщо воно не виконується то переходимо на наступний крок.</a:t>
-            </a:r>
-            <a:endParaRPr lang="ru-RU" sz="2000" dirty="0">
-              <a:latin typeface="Times New Roman" panose="02020603050405020304" pitchFamily="18" charset="0"/>
-              <a:cs typeface="Times New Roman" panose="02020603050405020304" pitchFamily="18" charset="0"/>
-            </a:endParaRPr>
-          </a:p>
-          <a:p>
-            <a:pPr marL="342900" lvl="0" indent="-342900">
-              <a:buFont typeface="Wingdings" panose="05000000000000000000" pitchFamily="2" charset="2"/>
-              <a:buChar char="§"/>
-            </a:pPr>
-            <a:r>
-              <a:rPr lang="uk-UA" sz="2000" dirty="0">
-                <a:latin typeface="Times New Roman" panose="02020603050405020304" pitchFamily="18" charset="0"/>
-                <a:cs typeface="Times New Roman" panose="02020603050405020304" pitchFamily="18" charset="0"/>
-              </a:rPr>
-              <a:t>Послідовно встановлюємо два рази зв’язок між ПП таким чином, щоб у результаті цього ПП, який містить у собі сусідні </a:t>
-            </a:r>
-            <a:r>
-              <a:rPr lang="uk-UA" sz="2000" dirty="0" err="1">
-                <a:latin typeface="Times New Roman" panose="02020603050405020304" pitchFamily="18" charset="0"/>
-                <a:cs typeface="Times New Roman" panose="02020603050405020304" pitchFamily="18" charset="0"/>
-              </a:rPr>
-              <a:t>підобласті</a:t>
-            </a:r>
-            <a:r>
-              <a:rPr lang="uk-UA" sz="2000" dirty="0">
-                <a:latin typeface="Times New Roman" panose="02020603050405020304" pitchFamily="18" charset="0"/>
-                <a:cs typeface="Times New Roman" panose="02020603050405020304" pitchFamily="18" charset="0"/>
-              </a:rPr>
-              <a:t>, з’єдналися кожен раз попарно між собою. Після кожного такту встановлюємо зв’язок між ПП щоб вони обмінялися додатковими значеннями.</a:t>
-            </a:r>
-            <a:endParaRPr lang="ru-RU" sz="2000" dirty="0">
-              <a:latin typeface="Times New Roman" panose="02020603050405020304" pitchFamily="18" charset="0"/>
-              <a:cs typeface="Times New Roman" panose="02020603050405020304" pitchFamily="18" charset="0"/>
-            </a:endParaRPr>
-          </a:p>
-          <a:p>
-            <a:endParaRPr lang="ru-RU" sz="2000" dirty="0">
-              <a:latin typeface="Times New Roman" panose="02020603050405020304" pitchFamily="18" charset="0"/>
-              <a:cs typeface="Times New Roman" panose="02020603050405020304" pitchFamily="18" charset="0"/>
-            </a:endParaRPr>
-          </a:p>
         </p:txBody>
       </p:sp>
-      <mc:AlternateContent xmlns:mc="http://schemas.openxmlformats.org/markup-compatibility/2006" xmlns:a14="http://schemas.microsoft.com/office/drawing/2010/main">
-        <mc:Choice Requires="a14">
-          <p:sp>
-            <p:nvSpPr>
-              <p:cNvPr id="7" name="Прямоугольник 6"/>
-              <p:cNvSpPr/>
-              <p:nvPr/>
-            </p:nvSpPr>
-            <p:spPr>
-              <a:xfrm>
-                <a:off x="3147646" y="5060655"/>
-                <a:ext cx="6096000" cy="1508683"/>
-              </a:xfrm>
-              <a:prstGeom prst="rect">
-                <a:avLst/>
-              </a:prstGeom>
-            </p:spPr>
-            <p:txBody>
-              <a:bodyPr>
-                <a:spAutoFit/>
-              </a:bodyPr>
-              <a:lstStyle/>
-              <a:p>
-                <a:pPr indent="228600">
-                  <a:lnSpc>
-                    <a:spcPct val="150000"/>
-                  </a:lnSpc>
-                  <a:spcAft>
-                    <a:spcPts val="0"/>
-                  </a:spcAft>
-                </a:pPr>
-                <a14:m>
-                  <m:oMathPara xmlns:m="http://schemas.openxmlformats.org/officeDocument/2006/math">
-                    <m:oMathParaPr>
-                      <m:jc m:val="centerGroup"/>
-                    </m:oMathParaPr>
-                    <m:oMath xmlns:m="http://schemas.openxmlformats.org/officeDocument/2006/math">
-                      <m:sSub>
-                        <m:sSubPr>
-                          <m:ctrlPr>
-                            <a:rPr lang="ru-RU" i="1" smtClean="0">
-                              <a:effectLst/>
-                              <a:latin typeface="Cambria Math" panose="02040503050406030204" pitchFamily="18" charset="0"/>
-                              <a:ea typeface="Times New Roman" panose="02020603050405020304" pitchFamily="18" charset="0"/>
-                            </a:rPr>
-                          </m:ctrlPr>
-                        </m:sSubPr>
-                        <m:e>
-                          <m:r>
-                            <a:rPr lang="uk-UA" i="1">
-                              <a:effectLst/>
-                              <a:latin typeface="Cambria Math" panose="02040503050406030204" pitchFamily="18" charset="0"/>
-                              <a:ea typeface="Times New Roman" panose="02020603050405020304" pitchFamily="18" charset="0"/>
-                            </a:rPr>
-                            <m:t>𝑇</m:t>
-                          </m:r>
-                        </m:e>
-                        <m:sub>
-                          <m:r>
-                            <a:rPr lang="en-US" i="1">
-                              <a:effectLst/>
-                              <a:latin typeface="Cambria Math" panose="02040503050406030204" pitchFamily="18" charset="0"/>
-                              <a:ea typeface="Times New Roman" panose="02020603050405020304" pitchFamily="18" charset="0"/>
-                            </a:rPr>
-                            <m:t>𝑝</m:t>
-                          </m:r>
-                        </m:sub>
-                      </m:sSub>
-                      <m:r>
-                        <a:rPr lang="uk-UA" i="1">
-                          <a:effectLst/>
-                          <a:latin typeface="Cambria Math" panose="02040503050406030204" pitchFamily="18" charset="0"/>
-                          <a:ea typeface="Times New Roman" panose="02020603050405020304" pitchFamily="18" charset="0"/>
-                        </a:rPr>
-                        <m:t>=</m:t>
-                      </m:r>
-                      <m:f>
-                        <m:fPr>
-                          <m:ctrlPr>
-                            <a:rPr lang="ru-RU" i="1">
-                              <a:effectLst/>
-                              <a:latin typeface="Cambria Math" panose="02040503050406030204" pitchFamily="18" charset="0"/>
-                              <a:ea typeface="Times New Roman" panose="02020603050405020304" pitchFamily="18" charset="0"/>
-                            </a:rPr>
-                          </m:ctrlPr>
-                        </m:fPr>
-                        <m:num>
-                          <m:r>
-                            <a:rPr lang="uk-UA" i="1">
-                              <a:effectLst/>
-                              <a:latin typeface="Cambria Math" panose="02040503050406030204" pitchFamily="18" charset="0"/>
-                              <a:ea typeface="Times New Roman" panose="02020603050405020304" pitchFamily="18" charset="0"/>
-                            </a:rPr>
-                            <m:t>𝑀𝑄𝑡</m:t>
-                          </m:r>
-                        </m:num>
-                        <m:den>
-                          <m:r>
-                            <a:rPr lang="uk-UA" i="1">
-                              <a:effectLst/>
-                              <a:latin typeface="Cambria Math" panose="02040503050406030204" pitchFamily="18" charset="0"/>
-                              <a:ea typeface="Times New Roman" panose="02020603050405020304" pitchFamily="18" charset="0"/>
-                            </a:rPr>
-                            <m:t>𝑝</m:t>
-                          </m:r>
-                        </m:den>
-                      </m:f>
-                      <m:r>
-                        <a:rPr lang="uk-UA" i="1">
-                          <a:effectLst/>
-                          <a:latin typeface="Cambria Math" panose="02040503050406030204" pitchFamily="18" charset="0"/>
-                          <a:ea typeface="Times New Roman" panose="02020603050405020304" pitchFamily="18" charset="0"/>
-                        </a:rPr>
-                        <m:t>+4</m:t>
-                      </m:r>
-                      <m:sSub>
-                        <m:sSubPr>
-                          <m:ctrlPr>
-                            <a:rPr lang="ru-RU" i="1">
-                              <a:effectLst/>
-                              <a:latin typeface="Cambria Math" panose="02040503050406030204" pitchFamily="18" charset="0"/>
-                              <a:ea typeface="Times New Roman" panose="02020603050405020304" pitchFamily="18" charset="0"/>
-                            </a:rPr>
-                          </m:ctrlPr>
-                        </m:sSubPr>
-                        <m:e>
-                          <m:r>
-                            <a:rPr lang="uk-UA" i="1">
-                              <a:effectLst/>
-                              <a:latin typeface="Cambria Math" panose="02040503050406030204" pitchFamily="18" charset="0"/>
-                              <a:ea typeface="Times New Roman" panose="02020603050405020304" pitchFamily="18" charset="0"/>
-                            </a:rPr>
-                            <m:t>𝑄</m:t>
-                          </m:r>
-                        </m:e>
-                        <m:sub>
-                          <m:r>
-                            <a:rPr lang="uk-UA" i="1">
-                              <a:effectLst/>
-                              <a:latin typeface="Cambria Math" panose="02040503050406030204" pitchFamily="18" charset="0"/>
-                              <a:ea typeface="Times New Roman" panose="02020603050405020304" pitchFamily="18" charset="0"/>
-                            </a:rPr>
-                            <m:t>1</m:t>
-                          </m:r>
-                        </m:sub>
-                      </m:sSub>
-                      <m:sSub>
-                        <m:sSubPr>
-                          <m:ctrlPr>
-                            <a:rPr lang="ru-RU" i="1">
-                              <a:effectLst/>
-                              <a:latin typeface="Cambria Math" panose="02040503050406030204" pitchFamily="18" charset="0"/>
-                              <a:ea typeface="Times New Roman" panose="02020603050405020304" pitchFamily="18" charset="0"/>
-                            </a:rPr>
-                          </m:ctrlPr>
-                        </m:sSubPr>
-                        <m:e>
-                          <m:r>
-                            <a:rPr lang="uk-UA" i="1">
-                              <a:effectLst/>
-                              <a:latin typeface="Cambria Math" panose="02040503050406030204" pitchFamily="18" charset="0"/>
-                              <a:ea typeface="Times New Roman" panose="02020603050405020304" pitchFamily="18" charset="0"/>
-                            </a:rPr>
-                            <m:t>𝑡</m:t>
-                          </m:r>
-                        </m:e>
-                        <m:sub>
-                          <m:r>
-                            <a:rPr lang="uk-UA" i="1">
-                              <a:effectLst/>
-                              <a:latin typeface="Cambria Math" panose="02040503050406030204" pitchFamily="18" charset="0"/>
-                              <a:ea typeface="Times New Roman" panose="02020603050405020304" pitchFamily="18" charset="0"/>
-                            </a:rPr>
-                            <m:t>0</m:t>
-                          </m:r>
-                        </m:sub>
-                      </m:sSub>
-                      <m:r>
-                        <a:rPr lang="uk-UA" i="1">
-                          <a:effectLst/>
-                          <a:latin typeface="Cambria Math" panose="02040503050406030204" pitchFamily="18" charset="0"/>
-                          <a:ea typeface="Times New Roman" panose="02020603050405020304" pitchFamily="18" charset="0"/>
-                        </a:rPr>
-                        <m:t>+2</m:t>
-                      </m:r>
-                      <m:sSub>
-                        <m:sSubPr>
-                          <m:ctrlPr>
-                            <a:rPr lang="ru-RU" i="1">
-                              <a:effectLst/>
-                              <a:latin typeface="Cambria Math" panose="02040503050406030204" pitchFamily="18" charset="0"/>
-                              <a:ea typeface="Times New Roman" panose="02020603050405020304" pitchFamily="18" charset="0"/>
-                            </a:rPr>
-                          </m:ctrlPr>
-                        </m:sSubPr>
-                        <m:e>
-                          <m:r>
-                            <a:rPr lang="uk-UA" i="1">
-                              <a:effectLst/>
-                              <a:latin typeface="Cambria Math" panose="02040503050406030204" pitchFamily="18" charset="0"/>
-                              <a:ea typeface="Times New Roman" panose="02020603050405020304" pitchFamily="18" charset="0"/>
-                            </a:rPr>
-                            <m:t>𝑡</m:t>
-                          </m:r>
-                        </m:e>
-                        <m:sub>
-                          <m:r>
-                            <a:rPr lang="uk-UA" i="1">
-                              <a:effectLst/>
-                              <a:latin typeface="Cambria Math" panose="02040503050406030204" pitchFamily="18" charset="0"/>
-                              <a:ea typeface="Times New Roman" panose="02020603050405020304" pitchFamily="18" charset="0"/>
-                            </a:rPr>
-                            <m:t>0</m:t>
-                          </m:r>
-                        </m:sub>
-                      </m:sSub>
-                    </m:oMath>
-                  </m:oMathPara>
-                </a14:m>
-                <a:endParaRPr lang="ru-RU" dirty="0">
-                  <a:effectLst/>
-                  <a:latin typeface="Times New Roman" panose="02020603050405020304" pitchFamily="18" charset="0"/>
-                  <a:ea typeface="Times New Roman" panose="02020603050405020304" pitchFamily="18" charset="0"/>
-                </a:endParaRPr>
-              </a:p>
-              <a:p>
-                <a:pPr/>
-                <a14:m>
-                  <m:oMathPara xmlns:m="http://schemas.openxmlformats.org/officeDocument/2006/math">
-                    <m:oMathParaPr>
-                      <m:jc m:val="centerGroup"/>
-                    </m:oMathParaPr>
-                    <m:oMath xmlns:m="http://schemas.openxmlformats.org/officeDocument/2006/math">
-                      <m:sSub>
-                        <m:sSubPr>
-                          <m:ctrlPr>
-                            <a:rPr lang="ru-RU" i="1">
-                              <a:effectLst/>
-                              <a:latin typeface="Cambria Math" panose="02040503050406030204" pitchFamily="18" charset="0"/>
-                            </a:rPr>
-                          </m:ctrlPr>
-                        </m:sSubPr>
-                        <m:e>
-                          <m:r>
-                            <a:rPr lang="uk-UA" i="1">
-                              <a:effectLst/>
-                              <a:latin typeface="Cambria Math" panose="02040503050406030204" pitchFamily="18" charset="0"/>
-                              <a:ea typeface="Times New Roman" panose="02020603050405020304" pitchFamily="18" charset="0"/>
-                              <a:cs typeface="Times New Roman" panose="02020603050405020304" pitchFamily="18" charset="0"/>
-                            </a:rPr>
-                            <m:t>𝐾</m:t>
-                          </m:r>
-                        </m:e>
-                        <m:sub>
-                          <m:r>
-                            <a:rPr lang="uk-UA" i="1">
-                              <a:effectLst/>
-                              <a:latin typeface="Cambria Math" panose="02040503050406030204" pitchFamily="18" charset="0"/>
-                              <a:ea typeface="Times New Roman" panose="02020603050405020304" pitchFamily="18" charset="0"/>
-                              <a:cs typeface="Times New Roman" panose="02020603050405020304" pitchFamily="18" charset="0"/>
-                            </a:rPr>
-                            <m:t>𝑒</m:t>
-                          </m:r>
-                        </m:sub>
-                      </m:sSub>
-                      <m:r>
-                        <a:rPr lang="uk-UA" i="1">
-                          <a:effectLst/>
-                          <a:latin typeface="Cambria Math" panose="02040503050406030204" pitchFamily="18" charset="0"/>
-                          <a:ea typeface="Times New Roman" panose="02020603050405020304" pitchFamily="18" charset="0"/>
-                          <a:cs typeface="Times New Roman" panose="02020603050405020304" pitchFamily="18" charset="0"/>
-                        </a:rPr>
-                        <m:t>=[</m:t>
-                      </m:r>
-                      <m:sSup>
-                        <m:sSupPr>
-                          <m:ctrlPr>
-                            <a:rPr lang="ru-RU" i="1">
-                              <a:effectLst/>
-                              <a:latin typeface="Cambria Math" panose="02040503050406030204" pitchFamily="18" charset="0"/>
-                            </a:rPr>
-                          </m:ctrlPr>
-                        </m:sSupPr>
-                        <m:e>
-                          <m:r>
-                            <a:rPr lang="uk-UA" i="1">
-                              <a:effectLst/>
-                              <a:latin typeface="Cambria Math" panose="02040503050406030204" pitchFamily="18" charset="0"/>
-                              <a:ea typeface="Times New Roman" panose="02020603050405020304" pitchFamily="18" charset="0"/>
-                              <a:cs typeface="Times New Roman" panose="02020603050405020304" pitchFamily="18" charset="0"/>
-                            </a:rPr>
-                            <m:t>1+ </m:t>
-                          </m:r>
-                          <m:f>
-                            <m:fPr>
-                              <m:ctrlPr>
-                                <a:rPr lang="ru-RU" i="1">
-                                  <a:effectLst/>
-                                  <a:latin typeface="Cambria Math" panose="02040503050406030204" pitchFamily="18" charset="0"/>
-                                </a:rPr>
-                              </m:ctrlPr>
-                            </m:fPr>
-                            <m:num>
-                              <m:r>
-                                <a:rPr lang="uk-UA" i="1">
-                                  <a:effectLst/>
-                                  <a:latin typeface="Cambria Math" panose="02040503050406030204" pitchFamily="18" charset="0"/>
-                                  <a:ea typeface="Times New Roman" panose="02020603050405020304" pitchFamily="18" charset="0"/>
-                                  <a:cs typeface="Times New Roman" panose="02020603050405020304" pitchFamily="18" charset="0"/>
-                                </a:rPr>
-                                <m:t>4</m:t>
-                              </m:r>
-                              <m:r>
-                                <a:rPr lang="uk-UA" i="1">
-                                  <a:effectLst/>
-                                  <a:latin typeface="Cambria Math" panose="02040503050406030204" pitchFamily="18" charset="0"/>
-                                  <a:ea typeface="Times New Roman" panose="02020603050405020304" pitchFamily="18" charset="0"/>
-                                  <a:cs typeface="Times New Roman" panose="02020603050405020304" pitchFamily="18" charset="0"/>
-                                </a:rPr>
-                                <m:t>𝑝</m:t>
-                              </m:r>
-                              <m:sSub>
-                                <m:sSubPr>
-                                  <m:ctrlPr>
-                                    <a:rPr lang="ru-RU" i="1">
-                                      <a:effectLst/>
-                                      <a:latin typeface="Cambria Math" panose="02040503050406030204" pitchFamily="18" charset="0"/>
-                                    </a:rPr>
-                                  </m:ctrlPr>
-                                </m:sSubPr>
-                                <m:e>
-                                  <m:r>
-                                    <a:rPr lang="uk-UA" i="1">
-                                      <a:effectLst/>
-                                      <a:latin typeface="Cambria Math" panose="02040503050406030204" pitchFamily="18" charset="0"/>
-                                      <a:ea typeface="Times New Roman" panose="02020603050405020304" pitchFamily="18" charset="0"/>
-                                      <a:cs typeface="Times New Roman" panose="02020603050405020304" pitchFamily="18" charset="0"/>
-                                    </a:rPr>
-                                    <m:t>𝑡</m:t>
-                                  </m:r>
-                                </m:e>
-                                <m:sub>
-                                  <m:r>
-                                    <a:rPr lang="uk-UA" i="1">
-                                      <a:effectLst/>
-                                      <a:latin typeface="Cambria Math" panose="02040503050406030204" pitchFamily="18" charset="0"/>
-                                      <a:ea typeface="Times New Roman" panose="02020603050405020304" pitchFamily="18" charset="0"/>
-                                      <a:cs typeface="Times New Roman" panose="02020603050405020304" pitchFamily="18" charset="0"/>
-                                    </a:rPr>
-                                    <m:t>0</m:t>
-                                  </m:r>
-                                </m:sub>
-                              </m:sSub>
-                            </m:num>
-                            <m:den>
-                              <m:r>
-                                <a:rPr lang="uk-UA" i="1">
-                                  <a:effectLst/>
-                                  <a:latin typeface="Cambria Math" panose="02040503050406030204" pitchFamily="18" charset="0"/>
-                                  <a:ea typeface="Times New Roman" panose="02020603050405020304" pitchFamily="18" charset="0"/>
-                                  <a:cs typeface="Times New Roman" panose="02020603050405020304" pitchFamily="18" charset="0"/>
-                                </a:rPr>
-                                <m:t>𝑀</m:t>
-                              </m:r>
-                              <m:sSub>
-                                <m:sSubPr>
-                                  <m:ctrlPr>
-                                    <a:rPr lang="ru-RU" i="1">
-                                      <a:effectLst/>
-                                      <a:latin typeface="Cambria Math" panose="02040503050406030204" pitchFamily="18" charset="0"/>
-                                    </a:rPr>
-                                  </m:ctrlPr>
-                                </m:sSubPr>
-                                <m:e>
-                                  <m:r>
-                                    <a:rPr lang="uk-UA" i="1">
-                                      <a:effectLst/>
-                                      <a:latin typeface="Cambria Math" panose="02040503050406030204" pitchFamily="18" charset="0"/>
-                                      <a:ea typeface="Times New Roman" panose="02020603050405020304" pitchFamily="18" charset="0"/>
-                                      <a:cs typeface="Times New Roman" panose="02020603050405020304" pitchFamily="18" charset="0"/>
-                                    </a:rPr>
-                                    <m:t>𝑄</m:t>
-                                  </m:r>
-                                </m:e>
-                                <m:sub>
-                                  <m:r>
-                                    <a:rPr lang="uk-UA" i="1">
-                                      <a:effectLst/>
-                                      <a:latin typeface="Cambria Math" panose="02040503050406030204" pitchFamily="18" charset="0"/>
-                                      <a:ea typeface="Times New Roman" panose="02020603050405020304" pitchFamily="18" charset="0"/>
-                                      <a:cs typeface="Times New Roman" panose="02020603050405020304" pitchFamily="18" charset="0"/>
-                                    </a:rPr>
-                                    <m:t>2</m:t>
-                                  </m:r>
-                                </m:sub>
-                              </m:sSub>
-                            </m:den>
-                          </m:f>
-                          <m:r>
-                            <a:rPr lang="uk-UA" i="1">
-                              <a:effectLst/>
-                              <a:latin typeface="Cambria Math" panose="02040503050406030204" pitchFamily="18" charset="0"/>
-                              <a:ea typeface="Times New Roman" panose="02020603050405020304" pitchFamily="18" charset="0"/>
-                              <a:cs typeface="Times New Roman" panose="02020603050405020304" pitchFamily="18" charset="0"/>
-                            </a:rPr>
-                            <m:t>+ </m:t>
-                          </m:r>
-                          <m:f>
-                            <m:fPr>
-                              <m:ctrlPr>
-                                <a:rPr lang="ru-RU" i="1">
-                                  <a:effectLst/>
-                                  <a:latin typeface="Cambria Math" panose="02040503050406030204" pitchFamily="18" charset="0"/>
-                                </a:rPr>
-                              </m:ctrlPr>
-                            </m:fPr>
-                            <m:num>
-                              <m:r>
-                                <a:rPr lang="uk-UA" i="1">
-                                  <a:effectLst/>
-                                  <a:latin typeface="Cambria Math" panose="02040503050406030204" pitchFamily="18" charset="0"/>
-                                  <a:ea typeface="Times New Roman" panose="02020603050405020304" pitchFamily="18" charset="0"/>
-                                  <a:cs typeface="Times New Roman" panose="02020603050405020304" pitchFamily="18" charset="0"/>
-                                </a:rPr>
-                                <m:t>2</m:t>
-                              </m:r>
-                              <m:r>
-                                <a:rPr lang="uk-UA" i="1">
-                                  <a:effectLst/>
-                                  <a:latin typeface="Cambria Math" panose="02040503050406030204" pitchFamily="18" charset="0"/>
-                                  <a:ea typeface="Times New Roman" panose="02020603050405020304" pitchFamily="18" charset="0"/>
-                                  <a:cs typeface="Times New Roman" panose="02020603050405020304" pitchFamily="18" charset="0"/>
-                                </a:rPr>
-                                <m:t>𝑝</m:t>
-                              </m:r>
-                              <m:sSub>
-                                <m:sSubPr>
-                                  <m:ctrlPr>
-                                    <a:rPr lang="ru-RU" i="1">
-                                      <a:effectLst/>
-                                      <a:latin typeface="Cambria Math" panose="02040503050406030204" pitchFamily="18" charset="0"/>
-                                    </a:rPr>
-                                  </m:ctrlPr>
-                                </m:sSubPr>
-                                <m:e>
-                                  <m:r>
-                                    <a:rPr lang="uk-UA" i="1">
-                                      <a:effectLst/>
-                                      <a:latin typeface="Cambria Math" panose="02040503050406030204" pitchFamily="18" charset="0"/>
-                                      <a:ea typeface="Times New Roman" panose="02020603050405020304" pitchFamily="18" charset="0"/>
-                                      <a:cs typeface="Times New Roman" panose="02020603050405020304" pitchFamily="18" charset="0"/>
-                                    </a:rPr>
-                                    <m:t>𝑡</m:t>
-                                  </m:r>
-                                </m:e>
-                                <m:sub>
-                                  <m:r>
-                                    <a:rPr lang="uk-UA" i="1">
-                                      <a:effectLst/>
-                                      <a:latin typeface="Cambria Math" panose="02040503050406030204" pitchFamily="18" charset="0"/>
-                                      <a:ea typeface="Times New Roman" panose="02020603050405020304" pitchFamily="18" charset="0"/>
-                                      <a:cs typeface="Times New Roman" panose="02020603050405020304" pitchFamily="18" charset="0"/>
-                                    </a:rPr>
-                                    <m:t>0</m:t>
-                                  </m:r>
-                                </m:sub>
-                              </m:sSub>
-                            </m:num>
-                            <m:den>
-                              <m:r>
-                                <a:rPr lang="uk-UA" i="1">
-                                  <a:effectLst/>
-                                  <a:latin typeface="Cambria Math" panose="02040503050406030204" pitchFamily="18" charset="0"/>
-                                  <a:ea typeface="Times New Roman" panose="02020603050405020304" pitchFamily="18" charset="0"/>
-                                  <a:cs typeface="Times New Roman" panose="02020603050405020304" pitchFamily="18" charset="0"/>
-                                </a:rPr>
-                                <m:t>𝑀𝑄</m:t>
-                              </m:r>
-                            </m:den>
-                          </m:f>
-                          <m:r>
-                            <a:rPr lang="uk-UA" i="1">
-                              <a:effectLst/>
-                              <a:latin typeface="Cambria Math" panose="02040503050406030204" pitchFamily="18" charset="0"/>
-                              <a:ea typeface="Times New Roman" panose="02020603050405020304" pitchFamily="18" charset="0"/>
-                              <a:cs typeface="Times New Roman" panose="02020603050405020304" pitchFamily="18" charset="0"/>
-                            </a:rPr>
-                            <m:t>]</m:t>
-                          </m:r>
-                        </m:e>
-                        <m:sup>
-                          <m:r>
-                            <a:rPr lang="uk-UA" i="1">
-                              <a:effectLst/>
-                              <a:latin typeface="Cambria Math" panose="02040503050406030204" pitchFamily="18" charset="0"/>
-                              <a:ea typeface="Times New Roman" panose="02020603050405020304" pitchFamily="18" charset="0"/>
-                              <a:cs typeface="Times New Roman" panose="02020603050405020304" pitchFamily="18" charset="0"/>
-                            </a:rPr>
-                            <m:t>−1</m:t>
-                          </m:r>
-                        </m:sup>
-                      </m:sSup>
-                    </m:oMath>
-                  </m:oMathPara>
-                </a14:m>
-                <a:endParaRPr lang="ru-RU" dirty="0"/>
-              </a:p>
-            </p:txBody>
-          </p:sp>
-        </mc:Choice>
-        <mc:Fallback xmlns="">
-          <p:sp>
-            <p:nvSpPr>
-              <p:cNvPr id="7" name="Прямоугольник 6"/>
-              <p:cNvSpPr>
-                <a:spLocks noRot="1" noChangeAspect="1" noMove="1" noResize="1" noEditPoints="1" noAdjustHandles="1" noChangeArrowheads="1" noChangeShapeType="1" noTextEdit="1"/>
-              </p:cNvSpPr>
-              <p:nvPr/>
-            </p:nvSpPr>
-            <p:spPr>
-              <a:xfrm>
-                <a:off x="3147646" y="5060655"/>
-                <a:ext cx="6096000" cy="1508683"/>
-              </a:xfrm>
-              <a:prstGeom prst="rect">
-                <a:avLst/>
-              </a:prstGeom>
-              <a:blipFill rotWithShape="0">
-                <a:blip r:embed="rId4"/>
-                <a:stretch>
-                  <a:fillRect/>
-                </a:stretch>
-              </a:blipFill>
-            </p:spPr>
-            <p:txBody>
-              <a:bodyPr/>
-              <a:lstStyle/>
-              <a:p>
-                <a:r>
-                  <a:rPr lang="ru-RU">
-                    <a:noFill/>
-                  </a:rPr>
-                  <a:t> </a:t>
-                </a:r>
-              </a:p>
-            </p:txBody>
-          </p:sp>
-        </mc:Fallback>
-      </mc:AlternateContent>
     </p:spTree>
     <p:extLst>
       <p:ext uri="{BB962C8B-B14F-4D97-AF65-F5344CB8AC3E}">
@@ -6147,7 +5064,21 @@
                 <a:latin typeface="Times New Roman" panose="02020603050405020304" pitchFamily="18" charset="0"/>
                 <a:cs typeface="Times New Roman" panose="02020603050405020304" pitchFamily="18" charset="0"/>
               </a:rPr>
-              <a:t>Метод верхніх релаксацій</a:t>
+              <a:t>Метод </a:t>
+            </a:r>
+            <a:r>
+              <a:rPr lang="uk-UA" sz="2400" b="1" dirty="0" smtClean="0">
+                <a:effectLst>
+                  <a:outerShdw blurRad="38100" dist="38100" dir="2700000" algn="tl">
+                    <a:srgbClr val="000000">
+                      <a:alpha val="43137"/>
+                    </a:srgbClr>
+                  </a:outerShdw>
+                </a:effectLst>
+                <a:latin typeface="Times New Roman" panose="02020603050405020304" pitchFamily="18" charset="0"/>
+                <a:cs typeface="Times New Roman" panose="02020603050405020304" pitchFamily="18" charset="0"/>
+              </a:rPr>
+              <a:t>верхньої релаксації</a:t>
             </a:r>
             <a:endParaRPr lang="ru-RU" sz="2400" b="1" dirty="0">
               <a:effectLst>
@@ -6918,8 +5849,8 @@
         </p:nvSpPr>
         <p:spPr bwMode="auto">
           <a:xfrm>
-            <a:off x="1213336" y="2190116"/>
-            <a:ext cx="11435863" cy="707886"/>
+            <a:off x="2013436" y="2290716"/>
+            <a:ext cx="7825154" cy="646331"/>
           </a:xfrm>
           <a:prstGeom prst="rect">
             <a:avLst/>
@@ -6967,71 +5898,23 @@
           </a:bodyPr>
           <a:lstStyle/>
           <a:p>
-            <a:pPr marL="0" marR="0" lvl="0" indent="0" algn="l" defTabSz="914400" rtl="0" eaLnBrk="0" fontAlgn="base" latinLnBrk="0" hangingPunct="0">
-              <a:lnSpc>
-                <a:spcPct val="100000"/>
-              </a:lnSpc>
+            <a:pPr lvl="0" eaLnBrk="0" fontAlgn="base" hangingPunct="0">
               <a:spcBef>
                 <a:spcPct val="0"/>
               </a:spcBef>
               <a:spcAft>
                 <a:spcPct val="0"/>
               </a:spcAft>
-              <a:buClrTx/>
-              <a:buSzTx/>
-              <a:buFontTx/>
-              <a:buNone/>
-              <a:tabLst/>
             </a:pPr>
             <a:r>
-              <a:rPr kumimoji="0" lang="uk-UA" sz="2000" b="0" i="0" u="none" strike="noStrike" cap="none" normalizeH="0" baseline="0" dirty="0" smtClean="0">
-                <a:ln>
-                  <a:noFill/>
-                </a:ln>
-                <a:solidFill>
-                  <a:schemeClr val="tx1"/>
-                </a:solidFill>
-                <a:effectLst/>
+              <a:rPr lang="uk-UA" dirty="0" smtClean="0">
                 <a:latin typeface="Times New Roman" panose="02020603050405020304" pitchFamily="18" charset="0"/>
                 <a:ea typeface="Times New Roman" panose="02020603050405020304" pitchFamily="18" charset="0"/>
                 <a:cs typeface="Times New Roman" panose="02020603050405020304" pitchFamily="18" charset="0"/>
               </a:rPr>
-              <a:t>Аби надати максимальну паралелізацію такому доволі послідовному алгоритму </a:t>
-            </a:r>
-          </a:p>
-          <a:p>
-            <a:pPr marL="0" marR="0" lvl="0" indent="0" algn="l" defTabSz="914400" rtl="0" eaLnBrk="0" fontAlgn="base" latinLnBrk="0" hangingPunct="0">
-              <a:lnSpc>
-                <a:spcPct val="100000"/>
-              </a:lnSpc>
-              <a:spcBef>
-                <a:spcPct val="0"/>
-              </a:spcBef>
-              <a:spcAft>
-                <a:spcPct val="0"/>
-              </a:spcAft>
-              <a:buClrTx/>
-              <a:buSzTx/>
-              <a:buFontTx/>
-              <a:buNone/>
-              <a:tabLst/>
-            </a:pPr>
-            <a:r>
-              <a:rPr kumimoji="0" lang="uk-UA" sz="2000" b="0" i="0" u="none" strike="noStrike" cap="none" normalizeH="0" baseline="0" dirty="0" smtClean="0">
-                <a:ln>
-                  <a:noFill/>
-                </a:ln>
-                <a:solidFill>
-                  <a:schemeClr val="tx1"/>
-                </a:solidFill>
-                <a:effectLst/>
-                <a:latin typeface="Times New Roman" panose="02020603050405020304" pitchFamily="18" charset="0"/>
-                <a:ea typeface="Times New Roman" panose="02020603050405020304" pitchFamily="18" charset="0"/>
-                <a:cs typeface="Times New Roman" panose="02020603050405020304" pitchFamily="18" charset="0"/>
-              </a:rPr>
-              <a:t>розв’язувати вузли діагоналями, які проходять наступним чином:</a:t>
-            </a:r>
-            <a:endParaRPr kumimoji="0" lang="uk-UA" sz="2000" b="0" i="0" u="none" strike="noStrike" cap="none" normalizeH="0" baseline="0" dirty="0" smtClean="0">
+              <a:t>Для підвищення рівня паралелізму в алгоритмі, пропонується наступна схема роботи з вузлами сітки</a:t>
+            </a:r>
+            <a:endParaRPr kumimoji="0" lang="uk-UA" b="0" i="0" u="none" strike="noStrike" cap="none" normalizeH="0" baseline="0" dirty="0" smtClean="0">
               <a:ln>
                 <a:noFill/>
               </a:ln>
@@ -7298,7 +6181,21 @@
                 <a:latin typeface="Times New Roman" panose="02020603050405020304" pitchFamily="18" charset="0"/>
                 <a:cs typeface="Times New Roman" panose="02020603050405020304" pitchFamily="18" charset="0"/>
               </a:rPr>
-              <a:t>Метод верхніх релаксацій</a:t>
+              <a:t>Метод </a:t>
+            </a:r>
+            <a:r>
+              <a:rPr lang="uk-UA" sz="2400" b="1" dirty="0" smtClean="0">
+                <a:effectLst>
+                  <a:outerShdw blurRad="38100" dist="38100" dir="2700000" algn="tl">
+                    <a:srgbClr val="000000">
+                      <a:alpha val="43137"/>
+                    </a:srgbClr>
+                  </a:outerShdw>
+                </a:effectLst>
+                <a:latin typeface="Times New Roman" panose="02020603050405020304" pitchFamily="18" charset="0"/>
+                <a:cs typeface="Times New Roman" panose="02020603050405020304" pitchFamily="18" charset="0"/>
+              </a:rPr>
+              <a:t>верхньої релаксації</a:t>
             </a:r>
             <a:endParaRPr lang="ru-RU" sz="2400" b="1" dirty="0">
               <a:effectLst>
@@ -8069,7 +6966,7 @@
         </p:nvSpPr>
         <p:spPr bwMode="auto">
           <a:xfrm>
-            <a:off x="2109055" y="2240884"/>
+            <a:off x="1042802" y="2318066"/>
             <a:ext cx="9766422" cy="707886"/>
           </a:xfrm>
           <a:prstGeom prst="rect">
@@ -8118,77 +7015,21 @@
           </a:bodyPr>
           <a:lstStyle/>
           <a:p>
-            <a:pPr marL="0" marR="0" lvl="0" indent="449263" algn="l" defTabSz="914400" rtl="0" eaLnBrk="0" fontAlgn="base" latinLnBrk="0" hangingPunct="0">
-              <a:lnSpc>
-                <a:spcPct val="100000"/>
-              </a:lnSpc>
+            <a:pPr lvl="0" indent="449263" eaLnBrk="0" fontAlgn="base" hangingPunct="0">
               <a:spcBef>
                 <a:spcPct val="0"/>
               </a:spcBef>
               <a:spcAft>
                 <a:spcPct val="0"/>
               </a:spcAft>
-              <a:buClrTx/>
-              <a:buSzTx/>
-              <a:buFontTx/>
-              <a:buNone/>
-              <a:tabLst/>
             </a:pPr>
             <a:r>
-              <a:rPr lang="uk-UA" sz="2000" dirty="0">
+              <a:rPr lang="uk-UA" sz="2000" dirty="0" smtClean="0">
                 <a:latin typeface="Times New Roman" panose="02020603050405020304" pitchFamily="18" charset="0"/>
                 <a:ea typeface="Times New Roman" panose="02020603050405020304" pitchFamily="18" charset="0"/>
                 <a:cs typeface="Times New Roman" panose="02020603050405020304" pitchFamily="18" charset="0"/>
               </a:rPr>
-              <a:t>О</a:t>
-            </a:r>
-            <a:r>
-              <a:rPr kumimoji="0" lang="uk-UA" sz="2000" b="0" i="0" u="none" strike="noStrike" cap="none" normalizeH="0" baseline="0" dirty="0" smtClean="0">
-                <a:ln>
-                  <a:noFill/>
-                </a:ln>
-                <a:solidFill>
-                  <a:schemeClr val="tx1"/>
-                </a:solidFill>
-                <a:effectLst/>
-                <a:latin typeface="Times New Roman" panose="02020603050405020304" pitchFamily="18" charset="0"/>
-                <a:ea typeface="Times New Roman" panose="02020603050405020304" pitchFamily="18" charset="0"/>
-                <a:cs typeface="Times New Roman" panose="02020603050405020304" pitchFamily="18" charset="0"/>
-              </a:rPr>
-              <a:t>тримаємо хвильовий ефект, що надає нам дуже гарну оптимізацію. </a:t>
-            </a:r>
-          </a:p>
-          <a:p>
-            <a:pPr marL="0" marR="0" lvl="0" indent="449263" algn="l" defTabSz="914400" rtl="0" eaLnBrk="0" fontAlgn="base" latinLnBrk="0" hangingPunct="0">
-              <a:lnSpc>
-                <a:spcPct val="100000"/>
-              </a:lnSpc>
-              <a:spcBef>
-                <a:spcPct val="0"/>
-              </a:spcBef>
-              <a:spcAft>
-                <a:spcPct val="0"/>
-              </a:spcAft>
-              <a:buClrTx/>
-              <a:buSzTx/>
-              <a:buFontTx/>
-              <a:buNone/>
-              <a:tabLst/>
-            </a:pPr>
-            <a:r>
-              <a:rPr kumimoji="0" lang="uk-UA" sz="2000" b="0" i="0" u="none" strike="noStrike" cap="none" normalizeH="0" baseline="0" dirty="0" smtClean="0">
-                <a:ln>
-                  <a:noFill/>
-                </a:ln>
-                <a:solidFill>
-                  <a:schemeClr val="tx1"/>
-                </a:solidFill>
-                <a:effectLst/>
-                <a:latin typeface="Times New Roman" panose="02020603050405020304" pitchFamily="18" charset="0"/>
-                <a:ea typeface="Times New Roman" panose="02020603050405020304" pitchFamily="18" charset="0"/>
-                <a:cs typeface="Times New Roman" panose="02020603050405020304" pitchFamily="18" charset="0"/>
-              </a:rPr>
-              <a:t>Хвилі такого процесу будуть виглядати наступним чином:</a:t>
+              <a:t>Результатом застосування запропонованої схеми роботи з вузлами є хвильовий ефект. Хвилі такого  процесу мають наступний вигляд.</a:t>
             </a:r>
             <a:endParaRPr kumimoji="0" lang="uk-UA" sz="2800" b="0" i="0" u="none" strike="noStrike" cap="none" normalizeH="0" baseline="0" dirty="0" smtClean="0">
               <a:ln>
@@ -8204,253 +7045,6 @@
           </a:p>
         </p:txBody>
       </p:sp>
-      <mc:AlternateContent xmlns:mc="http://schemas.openxmlformats.org/markup-compatibility/2006" xmlns:a14="http://schemas.microsoft.com/office/drawing/2010/main">
-        <mc:Choice Requires="a14">
-          <p:sp>
-            <p:nvSpPr>
-              <p:cNvPr id="10" name="Прямоугольник 9"/>
-              <p:cNvSpPr/>
-              <p:nvPr/>
-            </p:nvSpPr>
-            <p:spPr>
-              <a:xfrm>
-                <a:off x="3816226" y="5873259"/>
-                <a:ext cx="1212319" cy="659411"/>
-              </a:xfrm>
-              <a:prstGeom prst="rect">
-                <a:avLst/>
-              </a:prstGeom>
-            </p:spPr>
-            <p:txBody>
-              <a:bodyPr wrap="none">
-                <a:spAutoFit/>
-              </a:bodyPr>
-              <a:lstStyle/>
-              <a:p>
-                <a:pPr/>
-                <a14:m>
-                  <m:oMathPara xmlns:m="http://schemas.openxmlformats.org/officeDocument/2006/math">
-                    <m:oMathParaPr>
-                      <m:jc m:val="centerGroup"/>
-                    </m:oMathParaPr>
-                    <m:oMath xmlns:m="http://schemas.openxmlformats.org/officeDocument/2006/math">
-                      <m:sSub>
-                        <m:sSubPr>
-                          <m:ctrlPr>
-                            <a:rPr lang="ru-RU" i="1" smtClean="0">
-                              <a:latin typeface="Cambria Math" panose="02040503050406030204" pitchFamily="18" charset="0"/>
-                            </a:rPr>
-                          </m:ctrlPr>
-                        </m:sSubPr>
-                        <m:e>
-                          <m:r>
-                            <a:rPr lang="ru-RU" i="1">
-                              <a:latin typeface="Cambria Math" panose="02040503050406030204" pitchFamily="18" charset="0"/>
-                            </a:rPr>
-                            <m:t>𝑇</m:t>
-                          </m:r>
-                        </m:e>
-                        <m:sub>
-                          <m:r>
-                            <a:rPr lang="ru-RU" i="1">
-                              <a:latin typeface="Cambria Math" panose="02040503050406030204" pitchFamily="18" charset="0"/>
-                            </a:rPr>
-                            <m:t>𝑝</m:t>
-                          </m:r>
-                        </m:sub>
-                      </m:sSub>
-                      <m:r>
-                        <a:rPr lang="ru-RU" i="0">
-                          <a:latin typeface="Cambria Math" panose="02040503050406030204" pitchFamily="18" charset="0"/>
-                        </a:rPr>
-                        <m:t>=</m:t>
-                      </m:r>
-                      <m:f>
-                        <m:fPr>
-                          <m:ctrlPr>
-                            <a:rPr lang="ru-RU" i="1">
-                              <a:latin typeface="Cambria Math" panose="02040503050406030204" pitchFamily="18" charset="0"/>
-                            </a:rPr>
-                          </m:ctrlPr>
-                        </m:fPr>
-                        <m:num>
-                          <m:r>
-                            <a:rPr lang="ru-RU" i="1">
-                              <a:latin typeface="Cambria Math" panose="02040503050406030204" pitchFamily="18" charset="0"/>
-                            </a:rPr>
-                            <m:t>𝑀𝑄𝑡</m:t>
-                          </m:r>
-                        </m:num>
-                        <m:den>
-                          <m:r>
-                            <a:rPr lang="ru-RU" i="1">
-                              <a:latin typeface="Cambria Math" panose="02040503050406030204" pitchFamily="18" charset="0"/>
-                            </a:rPr>
-                            <m:t>𝑝</m:t>
-                          </m:r>
-                        </m:den>
-                      </m:f>
-                    </m:oMath>
-                  </m:oMathPara>
-                </a14:m>
-                <a:endParaRPr lang="ru-RU" dirty="0"/>
-              </a:p>
-            </p:txBody>
-          </p:sp>
-        </mc:Choice>
-        <mc:Fallback xmlns="">
-          <p:sp>
-            <p:nvSpPr>
-              <p:cNvPr id="10" name="Прямоугольник 9"/>
-              <p:cNvSpPr>
-                <a:spLocks noRot="1" noChangeAspect="1" noMove="1" noResize="1" noEditPoints="1" noAdjustHandles="1" noChangeArrowheads="1" noChangeShapeType="1" noTextEdit="1"/>
-              </p:cNvSpPr>
-              <p:nvPr/>
-            </p:nvSpPr>
-            <p:spPr>
-              <a:xfrm>
-                <a:off x="3816226" y="5873259"/>
-                <a:ext cx="1212319" cy="659411"/>
-              </a:xfrm>
-              <a:prstGeom prst="rect">
-                <a:avLst/>
-              </a:prstGeom>
-              <a:blipFill rotWithShape="0">
-                <a:blip r:embed="rId4"/>
-                <a:stretch>
-                  <a:fillRect/>
-                </a:stretch>
-              </a:blipFill>
-            </p:spPr>
-            <p:txBody>
-              <a:bodyPr/>
-              <a:lstStyle/>
-              <a:p>
-                <a:r>
-                  <a:rPr lang="ru-RU">
-                    <a:noFill/>
-                  </a:rPr>
-                  <a:t> </a:t>
-                </a:r>
-              </a:p>
-            </p:txBody>
-          </p:sp>
-        </mc:Fallback>
-      </mc:AlternateContent>
-      <mc:AlternateContent xmlns:mc="http://schemas.openxmlformats.org/markup-compatibility/2006" xmlns:a14="http://schemas.microsoft.com/office/drawing/2010/main">
-        <mc:Choice Requires="a14">
-          <p:sp>
-            <p:nvSpPr>
-              <p:cNvPr id="11" name="Прямоугольник 10"/>
-              <p:cNvSpPr/>
-              <p:nvPr/>
-            </p:nvSpPr>
-            <p:spPr>
-              <a:xfrm>
-                <a:off x="7560510" y="5955322"/>
-                <a:ext cx="2146198" cy="369332"/>
-              </a:xfrm>
-              <a:prstGeom prst="rect">
-                <a:avLst/>
-              </a:prstGeom>
-            </p:spPr>
-            <p:txBody>
-              <a:bodyPr wrap="square">
-                <a:spAutoFit/>
-              </a:bodyPr>
-              <a:lstStyle/>
-              <a:p>
-                <a:pPr/>
-                <a14:m>
-                  <m:oMathPara xmlns:m="http://schemas.openxmlformats.org/officeDocument/2006/math">
-                    <m:oMathParaPr>
-                      <m:jc m:val="centerGroup"/>
-                    </m:oMathParaPr>
-                    <m:oMath xmlns:m="http://schemas.openxmlformats.org/officeDocument/2006/math">
-                      <m:sSub>
-                        <m:sSubPr>
-                          <m:ctrlPr>
-                            <a:rPr lang="ru-RU" i="1" smtClean="0">
-                              <a:latin typeface="Cambria Math" panose="02040503050406030204" pitchFamily="18" charset="0"/>
-                            </a:rPr>
-                          </m:ctrlPr>
-                        </m:sSubPr>
-                        <m:e>
-                          <m:r>
-                            <a:rPr lang="ru-RU" i="1">
-                              <a:latin typeface="Cambria Math" panose="02040503050406030204" pitchFamily="18" charset="0"/>
-                            </a:rPr>
-                            <m:t>𝐾</m:t>
-                          </m:r>
-                        </m:e>
-                        <m:sub>
-                          <m:r>
-                            <a:rPr lang="ru-RU" i="1">
-                              <a:latin typeface="Cambria Math" panose="02040503050406030204" pitchFamily="18" charset="0"/>
-                            </a:rPr>
-                            <m:t>𝑒</m:t>
-                          </m:r>
-                        </m:sub>
-                      </m:sSub>
-                      <m:r>
-                        <a:rPr lang="ru-RU" i="0">
-                          <a:latin typeface="Cambria Math" panose="02040503050406030204" pitchFamily="18" charset="0"/>
-                        </a:rPr>
-                        <m:t>=</m:t>
-                      </m:r>
-                      <m:r>
-                        <a:rPr lang="ru-RU" i="1">
-                          <a:latin typeface="Cambria Math" panose="02040503050406030204" pitchFamily="18" charset="0"/>
-                        </a:rPr>
-                        <m:t>𝑄</m:t>
-                      </m:r>
-                    </m:oMath>
-                  </m:oMathPara>
-                </a14:m>
-                <a:endParaRPr lang="ru-RU" dirty="0"/>
-              </a:p>
-            </p:txBody>
-          </p:sp>
-        </mc:Choice>
-        <mc:Fallback xmlns="">
-          <p:sp>
-            <p:nvSpPr>
-              <p:cNvPr id="11" name="Прямоугольник 10"/>
-              <p:cNvSpPr>
-                <a:spLocks noRot="1" noChangeAspect="1" noMove="1" noResize="1" noEditPoints="1" noAdjustHandles="1" noChangeArrowheads="1" noChangeShapeType="1" noTextEdit="1"/>
-              </p:cNvSpPr>
-              <p:nvPr/>
-            </p:nvSpPr>
-            <p:spPr>
-              <a:xfrm>
-                <a:off x="7560510" y="5955322"/>
-                <a:ext cx="2146198" cy="369332"/>
-              </a:xfrm>
-              <a:prstGeom prst="rect">
-                <a:avLst/>
-              </a:prstGeom>
-              <a:blipFill rotWithShape="0">
-                <a:blip r:embed="rId5"/>
-                <a:stretch>
-                  <a:fillRect b="-8197"/>
-                </a:stretch>
-              </a:blipFill>
-            </p:spPr>
-            <p:txBody>
-              <a:bodyPr/>
-              <a:lstStyle/>
-              <a:p>
-                <a:r>
-                  <a:rPr lang="ru-RU">
-                    <a:noFill/>
-                  </a:rPr>
-                  <a:t> </a:t>
-                </a:r>
-              </a:p>
-            </p:txBody>
-          </p:sp>
-        </mc:Fallback>
-      </mc:AlternateContent>
     </p:spTree>
     <p:extLst>
       <p:ext uri="{BB962C8B-B14F-4D97-AF65-F5344CB8AC3E}">
@@ -8736,38 +7330,167 @@
       </p:sp>
       <p:graphicFrame>
         <p:nvGraphicFramePr>
-          <p:cNvPr id="6" name="Таблица 5"/>
+          <p:cNvPr id="7" name="Таблица 6"/>
           <p:cNvGraphicFramePr>
             <a:graphicFrameLocks noGrp="1"/>
           </p:cNvGraphicFramePr>
           <p:nvPr>
             <p:extLst>
               <p:ext uri="{D42A27DB-BD31-4B8C-83A1-F6EECF244321}">
-                <p14:modId xmlns:p14="http://schemas.microsoft.com/office/powerpoint/2010/main" val="804993140"/>
+                <p14:modId xmlns:p14="http://schemas.microsoft.com/office/powerpoint/2010/main" val="3854588509"/>
               </p:ext>
             </p:extLst>
           </p:nvPr>
         </p:nvGraphicFramePr>
         <p:xfrm>
-          <a:off x="1652955" y="2286151"/>
-          <a:ext cx="8546125" cy="2847792"/>
+          <a:off x="2004643" y="2235303"/>
+          <a:ext cx="7033847" cy="1633464"/>
         </p:xfrm>
         <a:graphic>
           <a:graphicData uri="http://schemas.openxmlformats.org/drawingml/2006/table">
             <a:tbl>
               <a:tblPr firstRow="1" firstCol="1" bandRow="1">
-                <a:tableStyleId>{D7AC3CCA-C797-4891-BE02-D94E43425B78}</a:tableStyleId>
+                <a:tableStyleId>{9D7B26C5-4107-4FEC-AEDC-1716B250A1EF}</a:tableStyleId>
               </a:tblPr>
               <a:tblGrid>
-                <a:gridCol w="1220875"/>
-                <a:gridCol w="1361286"/>
-                <a:gridCol w="1080464"/>
-                <a:gridCol w="1220875"/>
-                <a:gridCol w="1220875"/>
-                <a:gridCol w="1220875"/>
-                <a:gridCol w="1220875"/>
+                <a:gridCol w="1351455"/>
+                <a:gridCol w="1338094"/>
+                <a:gridCol w="1338094"/>
+                <a:gridCol w="1503102"/>
+                <a:gridCol w="1503102"/>
               </a:tblGrid>
-              <a:tr h="621172">
+              <a:tr h="353891">
+                <a:tc rowSpan="2">
+                  <a:txBody>
+                    <a:bodyPr/>
+                    <a:lstStyle/>
+                    <a:p>
+                      <a:pPr algn="just">
+                        <a:lnSpc>
+                          <a:spcPct val="150000"/>
+                        </a:lnSpc>
+                        <a:spcBef>
+                          <a:spcPts val="600"/>
+                        </a:spcBef>
+                        <a:spcAft>
+                          <a:spcPts val="0"/>
+                        </a:spcAft>
+                      </a:pPr>
+                      <a:r>
+                        <a:rPr lang="uk-UA" sz="1200" dirty="0">
+                          <a:effectLst/>
+                        </a:rPr>
+                        <a:t> </a:t>
+                      </a:r>
+                      <a:endParaRPr lang="ru-RU" sz="1400" dirty="0">
+                        <a:effectLst/>
+                        <a:latin typeface="Times New Roman" panose="02020603050405020304" pitchFamily="18" charset="0"/>
+                        <a:ea typeface="Times New Roman" panose="02020603050405020304" pitchFamily="18" charset="0"/>
+                      </a:endParaRPr>
+                    </a:p>
+                  </a:txBody>
+                  <a:tcPr marL="68580" marR="68580" marT="0" marB="0"/>
+                </a:tc>
+                <a:tc gridSpan="2">
+                  <a:txBody>
+                    <a:bodyPr/>
+                    <a:lstStyle/>
+                    <a:p>
+                      <a:pPr algn="ctr">
+                        <a:lnSpc>
+                          <a:spcPct val="150000"/>
+                        </a:lnSpc>
+                        <a:spcBef>
+                          <a:spcPts val="600"/>
+                        </a:spcBef>
+                        <a:spcAft>
+                          <a:spcPts val="0"/>
+                        </a:spcAft>
+                      </a:pPr>
+                      <a:r>
+                        <a:rPr lang="uk-UA" sz="1200">
+                          <a:effectLst/>
+                        </a:rPr>
+                        <a:t>Метод Річардсона</a:t>
+                      </a:r>
+                      <a:endParaRPr lang="ru-RU" sz="1400">
+                        <a:effectLst/>
+                        <a:latin typeface="Times New Roman" panose="02020603050405020304" pitchFamily="18" charset="0"/>
+                        <a:ea typeface="Times New Roman" panose="02020603050405020304" pitchFamily="18" charset="0"/>
+                      </a:endParaRPr>
+                    </a:p>
+                  </a:txBody>
+                  <a:tcPr marL="68580" marR="68580" marT="0" marB="0"/>
+                </a:tc>
+                <a:tc hMerge="1">
+                  <a:txBody>
+                    <a:bodyPr/>
+                    <a:lstStyle/>
+                    <a:p>
+                      <a:endParaRPr lang="ru-RU"/>
+                    </a:p>
+                  </a:txBody>
+                  <a:tcPr/>
+                </a:tc>
+                <a:tc gridSpan="2">
+                  <a:txBody>
+                    <a:bodyPr/>
+                    <a:lstStyle/>
+                    <a:p>
+                      <a:pPr algn="ctr">
+                        <a:lnSpc>
+                          <a:spcPct val="150000"/>
+                        </a:lnSpc>
+                        <a:spcBef>
+                          <a:spcPts val="600"/>
+                        </a:spcBef>
+                        <a:spcAft>
+                          <a:spcPts val="0"/>
+                        </a:spcAft>
+                      </a:pPr>
+                      <a:r>
+                        <a:rPr lang="en-US" sz="1200">
+                          <a:effectLst/>
+                        </a:rPr>
+                        <a:t>M</a:t>
+                      </a:r>
+                      <a:r>
+                        <a:rPr lang="uk-UA" sz="1200">
+                          <a:effectLst/>
+                        </a:rPr>
+                        <a:t>етод верхньої релаксації</a:t>
+                      </a:r>
+                      <a:endParaRPr lang="ru-RU" sz="1400">
+                        <a:effectLst/>
+                        <a:latin typeface="Times New Roman" panose="02020603050405020304" pitchFamily="18" charset="0"/>
+                        <a:ea typeface="Times New Roman" panose="02020603050405020304" pitchFamily="18" charset="0"/>
+                      </a:endParaRPr>
+                    </a:p>
+                  </a:txBody>
+                  <a:tcPr marL="68580" marR="68580" marT="0" marB="0"/>
+                </a:tc>
+                <a:tc hMerge="1">
+                  <a:txBody>
+                    <a:bodyPr/>
+                    <a:lstStyle/>
+                    <a:p>
+                      <a:endParaRPr lang="ru-RU"/>
+                    </a:p>
+                  </a:txBody>
+                  <a:tcPr/>
+                </a:tc>
+              </a:tr>
+              <a:tr h="353891">
+                <a:tc vMerge="1">
+                  <a:txBody>
+                    <a:bodyPr/>
+                    <a:lstStyle/>
+                    <a:p>
+                      <a:endParaRPr lang="ru-RU"/>
+                    </a:p>
+                  </a:txBody>
+                  <a:tcPr/>
+                </a:tc>
                 <a:tc>
                   <a:txBody>
                     <a:bodyPr/>
@@ -8777,17 +7500,26 @@
                         <a:lnSpc>
                           <a:spcPct val="150000"/>
                         </a:lnSpc>
+                        <a:spcBef>
+                          <a:spcPts val="600"/>
+                        </a:spcBef>
                         <a:spcAft>
                           <a:spcPts val="0"/>
                         </a:spcAft>
                       </a:pPr>
                       <a:r>
-                        <a:rPr lang="en-US" sz="1800" dirty="0">
+                        <a:rPr lang="uk-UA" sz="1200">
                           <a:effectLst/>
                         </a:rPr>
-                        <a:t>T</a:t>
+                        <a:t>1 </a:t>
                       </a:r>
-                      <a:endParaRPr lang="ru-RU" sz="1800" dirty="0">
+                      <a:r>
+                        <a:rPr lang="en-US" sz="1200">
+                          <a:effectLst/>
+                        </a:rPr>
+                        <a:t>CPU</a:t>
+                      </a:r>
+                      <a:endParaRPr lang="ru-RU" sz="1400">
                         <a:effectLst/>
                         <a:latin typeface="Times New Roman" panose="02020603050405020304" pitchFamily="18" charset="0"/>
                         <a:ea typeface="Times New Roman" panose="02020603050405020304" pitchFamily="18" charset="0"/>
@@ -8805,17 +7537,20 @@
                         <a:lnSpc>
                           <a:spcPct val="150000"/>
                         </a:lnSpc>
+                        <a:spcBef>
+                          <a:spcPts val="600"/>
+                        </a:spcBef>
                         <a:spcAft>
                           <a:spcPts val="0"/>
                         </a:spcAft>
                       </a:pPr>
                       <a:r>
-                        <a:rPr lang="uk-UA" sz="1800" dirty="0">
+                        <a:rPr lang="en-US" sz="1200">
                           <a:effectLst/>
                         </a:rPr>
-                        <a:t>Весь</a:t>
+                        <a:t>1 CPU + 1 GPU</a:t>
                       </a:r>
-                      <a:endParaRPr lang="ru-RU" sz="1800" dirty="0">
+                      <a:endParaRPr lang="ru-RU" sz="1400">
                         <a:effectLst/>
                         <a:latin typeface="Times New Roman" panose="02020603050405020304" pitchFamily="18" charset="0"/>
                         <a:ea typeface="Times New Roman" panose="02020603050405020304" pitchFamily="18" charset="0"/>
@@ -8833,17 +7568,20 @@
                         <a:lnSpc>
                           <a:spcPct val="150000"/>
                         </a:lnSpc>
+                        <a:spcBef>
+                          <a:spcPts val="600"/>
+                        </a:spcBef>
                         <a:spcAft>
                           <a:spcPts val="0"/>
                         </a:spcAft>
                       </a:pPr>
                       <a:r>
-                        <a:rPr lang="uk-UA" sz="1800" dirty="0">
+                        <a:rPr lang="en-US" sz="1200">
                           <a:effectLst/>
                         </a:rPr>
-                        <a:t>Головний</a:t>
+                        <a:t>1 CPU</a:t>
                       </a:r>
-                      <a:endParaRPr lang="ru-RU" sz="1800" dirty="0">
+                      <a:endParaRPr lang="ru-RU" sz="1400">
                         <a:effectLst/>
                         <a:latin typeface="Times New Roman" panose="02020603050405020304" pitchFamily="18" charset="0"/>
                         <a:ea typeface="Times New Roman" panose="02020603050405020304" pitchFamily="18" charset="0"/>
@@ -8861,17 +7599,53 @@
                         <a:lnSpc>
                           <a:spcPct val="150000"/>
                         </a:lnSpc>
+                        <a:spcBef>
+                          <a:spcPts val="600"/>
+                        </a:spcBef>
                         <a:spcAft>
                           <a:spcPts val="0"/>
                         </a:spcAft>
                       </a:pPr>
                       <a:r>
-                        <a:rPr lang="uk-UA" sz="1800">
+                        <a:rPr lang="en-US" sz="1200">
                           <a:effectLst/>
                         </a:rPr>
-                        <a:t>Весь</a:t>
+                        <a:t>1CPU + 1 GPU</a:t>
                       </a:r>
-                      <a:endParaRPr lang="ru-RU" sz="1800">
+                      <a:endParaRPr lang="ru-RU" sz="1400">
+                        <a:effectLst/>
+                        <a:latin typeface="Times New Roman" panose="02020603050405020304" pitchFamily="18" charset="0"/>
+                        <a:ea typeface="Times New Roman" panose="02020603050405020304" pitchFamily="18" charset="0"/>
+                      </a:endParaRPr>
+                    </a:p>
+                  </a:txBody>
+                  <a:tcPr marL="68580" marR="68580" marT="0" marB="0"/>
+                </a:tc>
+              </a:tr>
+              <a:tr h="433313">
+                <a:tc>
+                  <a:txBody>
+                    <a:bodyPr/>
+                    <a:lstStyle/>
+                    <a:p>
+                      <a:pPr algn="just">
+                        <a:lnSpc>
+                          <a:spcPct val="150000"/>
+                        </a:lnSpc>
+                        <a:spcBef>
+                          <a:spcPts val="600"/>
+                        </a:spcBef>
+                        <a:spcAft>
+                          <a:spcPts val="0"/>
+                        </a:spcAft>
+                      </a:pPr>
+                      <a:r>
+                        <a:rPr lang="uk-UA" sz="1200">
+                          <a:effectLst/>
+                        </a:rPr>
+                        <a:t>Головний цикл</a:t>
+                      </a:r>
+                      <a:endParaRPr lang="ru-RU" sz="1400">
                         <a:effectLst/>
                         <a:latin typeface="Times New Roman" panose="02020603050405020304" pitchFamily="18" charset="0"/>
                         <a:ea typeface="Times New Roman" panose="02020603050405020304" pitchFamily="18" charset="0"/>
@@ -8889,17 +7663,20 @@
                         <a:lnSpc>
                           <a:spcPct val="150000"/>
                         </a:lnSpc>
+                        <a:spcBef>
+                          <a:spcPts val="600"/>
+                        </a:spcBef>
                         <a:spcAft>
                           <a:spcPts val="0"/>
                         </a:spcAft>
                       </a:pPr>
                       <a:r>
-                        <a:rPr lang="uk-UA" sz="1800">
+                        <a:rPr lang="uk-UA" sz="1200">
                           <a:effectLst/>
                         </a:rPr>
-                        <a:t>Головний</a:t>
+                        <a:t>0,01355</a:t>
                       </a:r>
-                      <a:endParaRPr lang="ru-RU" sz="1800">
+                      <a:endParaRPr lang="ru-RU" sz="1400">
                         <a:effectLst/>
                         <a:latin typeface="Times New Roman" panose="02020603050405020304" pitchFamily="18" charset="0"/>
                         <a:ea typeface="Times New Roman" panose="02020603050405020304" pitchFamily="18" charset="0"/>
@@ -8917,17 +7694,20 @@
                         <a:lnSpc>
                           <a:spcPct val="150000"/>
                         </a:lnSpc>
+                        <a:spcBef>
+                          <a:spcPts val="600"/>
+                        </a:spcBef>
                         <a:spcAft>
                           <a:spcPts val="0"/>
                         </a:spcAft>
                       </a:pPr>
                       <a:r>
-                        <a:rPr lang="uk-UA" sz="1800">
+                        <a:rPr lang="uk-UA" sz="1200">
                           <a:effectLst/>
                         </a:rPr>
-                        <a:t>Весь</a:t>
+                        <a:t>0,00049</a:t>
                       </a:r>
-                      <a:endParaRPr lang="ru-RU" sz="1800">
+                      <a:endParaRPr lang="ru-RU" sz="1400">
                         <a:effectLst/>
                         <a:latin typeface="Times New Roman" panose="02020603050405020304" pitchFamily="18" charset="0"/>
                         <a:ea typeface="Times New Roman" panose="02020603050405020304" pitchFamily="18" charset="0"/>
@@ -8945,47 +7725,20 @@
                         <a:lnSpc>
                           <a:spcPct val="150000"/>
                         </a:lnSpc>
+                        <a:spcBef>
+                          <a:spcPts val="600"/>
+                        </a:spcBef>
                         <a:spcAft>
                           <a:spcPts val="0"/>
                         </a:spcAft>
                       </a:pPr>
                       <a:r>
-                        <a:rPr lang="uk-UA" sz="1800">
+                        <a:rPr lang="uk-UA" sz="1200">
                           <a:effectLst/>
                         </a:rPr>
-                        <a:t>Головний</a:t>
+                        <a:t>0,0172671</a:t>
                       </a:r>
-                      <a:endParaRPr lang="ru-RU" sz="1800">
-                        <a:effectLst/>
-                        <a:latin typeface="Times New Roman" panose="02020603050405020304" pitchFamily="18" charset="0"/>
-                        <a:ea typeface="Times New Roman" panose="02020603050405020304" pitchFamily="18" charset="0"/>
-                      </a:endParaRPr>
-                    </a:p>
-                  </a:txBody>
-                  <a:tcPr marL="68580" marR="68580" marT="0" marB="0"/>
-                </a:tc>
-              </a:tr>
-              <a:tr h="420673">
-                <a:tc>
-                  <a:txBody>
-                    <a:bodyPr/>
-                    <a:lstStyle/>
-                    <a:p>
-                      <a:pPr algn="ctr">
-                        <a:lnSpc>
-                          <a:spcPct val="150000"/>
-                        </a:lnSpc>
-                        <a:spcAft>
-                          <a:spcPts val="0"/>
-                        </a:spcAft>
-                      </a:pPr>
-                      <a:r>
-                        <a:rPr lang="uk-UA" sz="1800">
-                          <a:effectLst/>
-                        </a:rPr>
-                        <a:t>Кроків</a:t>
-                      </a:r>
-                      <a:endParaRPr lang="ru-RU" sz="1800">
+                      <a:endParaRPr lang="ru-RU" sz="1400">
                         <a:effectLst/>
                         <a:latin typeface="Times New Roman" panose="02020603050405020304" pitchFamily="18" charset="0"/>
                         <a:ea typeface="Times New Roman" panose="02020603050405020304" pitchFamily="18" charset="0"/>
@@ -9003,17 +7756,53 @@
                         <a:lnSpc>
                           <a:spcPct val="150000"/>
                         </a:lnSpc>
+                        <a:spcBef>
+                          <a:spcPts val="600"/>
+                        </a:spcBef>
                         <a:spcAft>
                           <a:spcPts val="0"/>
                         </a:spcAft>
                       </a:pPr>
                       <a:r>
-                        <a:rPr lang="uk-UA" sz="1800" dirty="0">
+                        <a:rPr lang="uk-UA" sz="1200">
                           <a:effectLst/>
                         </a:rPr>
-                        <a:t>5</a:t>
+                        <a:t>0,003865</a:t>
                       </a:r>
-                      <a:endParaRPr lang="ru-RU" sz="1800" dirty="0">
+                      <a:endParaRPr lang="ru-RU" sz="1400">
+                        <a:effectLst/>
+                        <a:latin typeface="Times New Roman" panose="02020603050405020304" pitchFamily="18" charset="0"/>
+                        <a:ea typeface="Times New Roman" panose="02020603050405020304" pitchFamily="18" charset="0"/>
+                      </a:endParaRPr>
+                    </a:p>
+                  </a:txBody>
+                  <a:tcPr marL="68580" marR="68580" marT="0" marB="0"/>
+                </a:tc>
+              </a:tr>
+              <a:tr h="492369">
+                <a:tc>
+                  <a:txBody>
+                    <a:bodyPr/>
+                    <a:lstStyle/>
+                    <a:p>
+                      <a:pPr algn="just">
+                        <a:lnSpc>
+                          <a:spcPct val="150000"/>
+                        </a:lnSpc>
+                        <a:spcBef>
+                          <a:spcPts val="600"/>
+                        </a:spcBef>
+                        <a:spcAft>
+                          <a:spcPts val="0"/>
+                        </a:spcAft>
+                      </a:pPr>
+                      <a:r>
+                        <a:rPr lang="uk-UA" sz="1200">
+                          <a:effectLst/>
+                        </a:rPr>
+                        <a:t>Загальний цикл</a:t>
+                      </a:r>
+                      <a:endParaRPr lang="ru-RU" sz="1400">
                         <a:effectLst/>
                         <a:latin typeface="Times New Roman" panose="02020603050405020304" pitchFamily="18" charset="0"/>
                         <a:ea typeface="Times New Roman" panose="02020603050405020304" pitchFamily="18" charset="0"/>
@@ -9031,17 +7820,20 @@
                         <a:lnSpc>
                           <a:spcPct val="150000"/>
                         </a:lnSpc>
+                        <a:spcBef>
+                          <a:spcPts val="600"/>
+                        </a:spcBef>
                         <a:spcAft>
                           <a:spcPts val="0"/>
                         </a:spcAft>
                       </a:pPr>
                       <a:r>
-                        <a:rPr lang="uk-UA" sz="1800" dirty="0">
+                        <a:rPr lang="uk-UA" sz="1200" dirty="0">
                           <a:effectLst/>
                         </a:rPr>
-                        <a:t>5</a:t>
+                        <a:t>0,032</a:t>
                       </a:r>
-                      <a:endParaRPr lang="ru-RU" sz="1800" dirty="0">
+                      <a:endParaRPr lang="ru-RU" sz="1400" dirty="0">
                         <a:effectLst/>
                         <a:latin typeface="Times New Roman" panose="02020603050405020304" pitchFamily="18" charset="0"/>
                         <a:ea typeface="Times New Roman" panose="02020603050405020304" pitchFamily="18" charset="0"/>
@@ -9059,17 +7851,20 @@
                         <a:lnSpc>
                           <a:spcPct val="150000"/>
                         </a:lnSpc>
+                        <a:spcBef>
+                          <a:spcPts val="600"/>
+                        </a:spcBef>
                         <a:spcAft>
                           <a:spcPts val="0"/>
                         </a:spcAft>
                       </a:pPr>
                       <a:r>
-                        <a:rPr lang="uk-UA" sz="1800">
+                        <a:rPr lang="uk-UA" sz="1200" dirty="0">
                           <a:effectLst/>
                         </a:rPr>
-                        <a:t>10</a:t>
+                        <a:t>2,82</a:t>
                       </a:r>
-                      <a:endParaRPr lang="ru-RU" sz="1800">
+                      <a:endParaRPr lang="ru-RU" sz="1400" dirty="0">
                         <a:effectLst/>
                         <a:latin typeface="Times New Roman" panose="02020603050405020304" pitchFamily="18" charset="0"/>
                         <a:ea typeface="Times New Roman" panose="02020603050405020304" pitchFamily="18" charset="0"/>
@@ -9087,17 +7882,20 @@
                         <a:lnSpc>
                           <a:spcPct val="150000"/>
                         </a:lnSpc>
+                        <a:spcBef>
+                          <a:spcPts val="600"/>
+                        </a:spcBef>
                         <a:spcAft>
                           <a:spcPts val="0"/>
                         </a:spcAft>
                       </a:pPr>
                       <a:r>
-                        <a:rPr lang="uk-UA" sz="1800">
+                        <a:rPr lang="uk-UA" sz="1200">
                           <a:effectLst/>
                         </a:rPr>
-                        <a:t>10</a:t>
+                        <a:t>0,0846629</a:t>
                       </a:r>
-                      <a:endParaRPr lang="ru-RU" sz="1800">
+                      <a:endParaRPr lang="ru-RU" sz="1400">
                         <a:effectLst/>
                         <a:latin typeface="Times New Roman" panose="02020603050405020304" pitchFamily="18" charset="0"/>
                         <a:ea typeface="Times New Roman" panose="02020603050405020304" pitchFamily="18" charset="0"/>
@@ -9115,17 +7913,225 @@
                         <a:lnSpc>
                           <a:spcPct val="150000"/>
                         </a:lnSpc>
+                        <a:spcBef>
+                          <a:spcPts val="600"/>
+                        </a:spcBef>
                         <a:spcAft>
                           <a:spcPts val="0"/>
                         </a:spcAft>
                       </a:pPr>
                       <a:r>
-                        <a:rPr lang="uk-UA" sz="1800">
+                        <a:rPr lang="uk-UA" sz="1200" dirty="0">
                           <a:effectLst/>
                         </a:rPr>
-                        <a:t>25</a:t>
+                        <a:t>0,632961</a:t>
                       </a:r>
-                      <a:endParaRPr lang="ru-RU" sz="1800">
+                      <a:endParaRPr lang="ru-RU" sz="1400" dirty="0">
+                        <a:effectLst/>
+                        <a:latin typeface="Times New Roman" panose="02020603050405020304" pitchFamily="18" charset="0"/>
+                        <a:ea typeface="Times New Roman" panose="02020603050405020304" pitchFamily="18" charset="0"/>
+                      </a:endParaRPr>
+                    </a:p>
+                  </a:txBody>
+                  <a:tcPr marL="68580" marR="68580" marT="0" marB="0"/>
+                </a:tc>
+              </a:tr>
+            </a:tbl>
+          </a:graphicData>
+        </a:graphic>
+      </p:graphicFrame>
+      <p:graphicFrame>
+        <p:nvGraphicFramePr>
+          <p:cNvPr id="8" name="Таблица 7"/>
+          <p:cNvGraphicFramePr>
+            <a:graphicFrameLocks noGrp="1"/>
+          </p:cNvGraphicFramePr>
+          <p:nvPr>
+            <p:extLst>
+              <p:ext uri="{D42A27DB-BD31-4B8C-83A1-F6EECF244321}">
+                <p14:modId xmlns:p14="http://schemas.microsoft.com/office/powerpoint/2010/main" val="3346084289"/>
+              </p:ext>
+            </p:extLst>
+          </p:nvPr>
+        </p:nvGraphicFramePr>
+        <p:xfrm>
+          <a:off x="2056811" y="4541728"/>
+          <a:ext cx="6981679" cy="1441553"/>
+        </p:xfrm>
+        <a:graphic>
+          <a:graphicData uri="http://schemas.openxmlformats.org/drawingml/2006/table">
+            <a:tbl>
+              <a:tblPr firstRow="1" firstCol="1" bandRow="1">
+                <a:tableStyleId>{616DA210-FB5B-4158-B5E0-FEB733F419BA}</a:tableStyleId>
+              </a:tblPr>
+              <a:tblGrid>
+                <a:gridCol w="1331293"/>
+                <a:gridCol w="1331293"/>
+                <a:gridCol w="1331293"/>
+                <a:gridCol w="1493900"/>
+                <a:gridCol w="1493900"/>
+              </a:tblGrid>
+              <a:tr h="350593">
+                <a:tc rowSpan="2">
+                  <a:txBody>
+                    <a:bodyPr/>
+                    <a:lstStyle/>
+                    <a:p>
+                      <a:pPr algn="just">
+                        <a:lnSpc>
+                          <a:spcPct val="150000"/>
+                        </a:lnSpc>
+                        <a:spcBef>
+                          <a:spcPts val="600"/>
+                        </a:spcBef>
+                        <a:spcAft>
+                          <a:spcPts val="0"/>
+                        </a:spcAft>
+                      </a:pPr>
+                      <a:r>
+                        <a:rPr lang="uk-UA" sz="1200" dirty="0">
+                          <a:effectLst/>
+                        </a:rPr>
+                        <a:t> </a:t>
+                      </a:r>
+                      <a:endParaRPr lang="ru-RU" sz="1400" dirty="0">
+                        <a:effectLst/>
+                        <a:latin typeface="Times New Roman" panose="02020603050405020304" pitchFamily="18" charset="0"/>
+                        <a:ea typeface="Times New Roman" panose="02020603050405020304" pitchFamily="18" charset="0"/>
+                      </a:endParaRPr>
+                    </a:p>
+                  </a:txBody>
+                  <a:tcPr marL="68580" marR="68580" marT="0" marB="0"/>
+                </a:tc>
+                <a:tc gridSpan="2">
+                  <a:txBody>
+                    <a:bodyPr/>
+                    <a:lstStyle/>
+                    <a:p>
+                      <a:pPr algn="ctr">
+                        <a:lnSpc>
+                          <a:spcPct val="150000"/>
+                        </a:lnSpc>
+                        <a:spcBef>
+                          <a:spcPts val="600"/>
+                        </a:spcBef>
+                        <a:spcAft>
+                          <a:spcPts val="0"/>
+                        </a:spcAft>
+                      </a:pPr>
+                      <a:r>
+                        <a:rPr lang="uk-UA" sz="1200">
+                          <a:effectLst/>
+                        </a:rPr>
+                        <a:t>Метод Річардсона</a:t>
+                      </a:r>
+                      <a:endParaRPr lang="ru-RU" sz="1400">
+                        <a:effectLst/>
+                        <a:latin typeface="Times New Roman" panose="02020603050405020304" pitchFamily="18" charset="0"/>
+                        <a:ea typeface="Times New Roman" panose="02020603050405020304" pitchFamily="18" charset="0"/>
+                      </a:endParaRPr>
+                    </a:p>
+                  </a:txBody>
+                  <a:tcPr marL="68580" marR="68580" marT="0" marB="0"/>
+                </a:tc>
+                <a:tc hMerge="1">
+                  <a:txBody>
+                    <a:bodyPr/>
+                    <a:lstStyle/>
+                    <a:p>
+                      <a:endParaRPr lang="ru-RU"/>
+                    </a:p>
+                  </a:txBody>
+                  <a:tcPr/>
+                </a:tc>
+                <a:tc gridSpan="2">
+                  <a:txBody>
+                    <a:bodyPr/>
+                    <a:lstStyle/>
+                    <a:p>
+                      <a:pPr algn="ctr">
+                        <a:lnSpc>
+                          <a:spcPct val="150000"/>
+                        </a:lnSpc>
+                        <a:spcBef>
+                          <a:spcPts val="600"/>
+                        </a:spcBef>
+                        <a:spcAft>
+                          <a:spcPts val="0"/>
+                        </a:spcAft>
+                      </a:pPr>
+                      <a:r>
+                        <a:rPr lang="en-US" sz="1200">
+                          <a:effectLst/>
+                        </a:rPr>
+                        <a:t>M</a:t>
+                      </a:r>
+                      <a:r>
+                        <a:rPr lang="uk-UA" sz="1200">
+                          <a:effectLst/>
+                        </a:rPr>
+                        <a:t>етод верхньої релаксації</a:t>
+                      </a:r>
+                      <a:endParaRPr lang="ru-RU" sz="1400">
+                        <a:effectLst/>
+                        <a:latin typeface="Times New Roman" panose="02020603050405020304" pitchFamily="18" charset="0"/>
+                        <a:ea typeface="Times New Roman" panose="02020603050405020304" pitchFamily="18" charset="0"/>
+                      </a:endParaRPr>
+                    </a:p>
+                  </a:txBody>
+                  <a:tcPr marL="68580" marR="68580" marT="0" marB="0"/>
+                </a:tc>
+                <a:tc hMerge="1">
+                  <a:txBody>
+                    <a:bodyPr/>
+                    <a:lstStyle/>
+                    <a:p>
+                      <a:endParaRPr lang="ru-RU"/>
+                    </a:p>
+                  </a:txBody>
+                  <a:tcPr/>
+                </a:tc>
+              </a:tr>
+              <a:tr h="350593">
+                <a:tc vMerge="1">
+                  <a:txBody>
+                    <a:bodyPr/>
+                    <a:lstStyle/>
+                    <a:p>
+                      <a:endParaRPr lang="ru-RU"/>
+                    </a:p>
+                  </a:txBody>
+                  <a:tcPr/>
+                </a:tc>
+                <a:tc>
+                  <a:txBody>
+                    <a:bodyPr/>
+                    <a:lstStyle/>
+                    <a:p>
+                      <a:pPr algn="ctr">
+                        <a:lnSpc>
+                          <a:spcPct val="150000"/>
+                        </a:lnSpc>
+                        <a:spcBef>
+                          <a:spcPts val="600"/>
+                        </a:spcBef>
+                        <a:spcAft>
+                          <a:spcPts val="0"/>
+                        </a:spcAft>
+                      </a:pPr>
+                      <a:r>
+                        <a:rPr lang="uk-UA" sz="1200" dirty="0">
+                          <a:effectLst/>
+                        </a:rPr>
+                        <a:t>1 </a:t>
+                      </a:r>
+                      <a:r>
+                        <a:rPr lang="en-US" sz="1200" dirty="0">
+                          <a:effectLst/>
+                        </a:rPr>
+                        <a:t>CPU</a:t>
+                      </a:r>
+                      <a:endParaRPr lang="ru-RU" sz="1400" dirty="0">
                         <a:effectLst/>
                         <a:latin typeface="Times New Roman" panose="02020603050405020304" pitchFamily="18" charset="0"/>
                         <a:ea typeface="Times New Roman" panose="02020603050405020304" pitchFamily="18" charset="0"/>
@@ -9143,47 +8149,20 @@
                         <a:lnSpc>
                           <a:spcPct val="150000"/>
                         </a:lnSpc>
+                        <a:spcBef>
+                          <a:spcPts val="600"/>
+                        </a:spcBef>
                         <a:spcAft>
                           <a:spcPts val="0"/>
                         </a:spcAft>
                       </a:pPr>
                       <a:r>
-                        <a:rPr lang="uk-UA" sz="1800">
+                        <a:rPr lang="en-US" sz="1200">
                           <a:effectLst/>
                         </a:rPr>
-                        <a:t>25</a:t>
+                        <a:t>1 CPU + 1 GPU</a:t>
                       </a:r>
-                      <a:endParaRPr lang="ru-RU" sz="1800">
-                        <a:effectLst/>
-                        <a:latin typeface="Times New Roman" panose="02020603050405020304" pitchFamily="18" charset="0"/>
-                        <a:ea typeface="Times New Roman" panose="02020603050405020304" pitchFamily="18" charset="0"/>
-                      </a:endParaRPr>
-                    </a:p>
-                  </a:txBody>
-                  <a:tcPr marL="68580" marR="68580" marT="0" marB="0"/>
-                </a:tc>
-              </a:tr>
-              <a:tr h="420673">
-                <a:tc>
-                  <a:txBody>
-                    <a:bodyPr/>
-                    <a:lstStyle/>
-                    <a:p>
-                      <a:pPr algn="ctr">
-                        <a:lnSpc>
-                          <a:spcPct val="150000"/>
-                        </a:lnSpc>
-                        <a:spcAft>
-                          <a:spcPts val="0"/>
-                        </a:spcAft>
-                      </a:pPr>
-                      <a:r>
-                        <a:rPr lang="uk-UA" sz="1800">
-                          <a:effectLst/>
-                        </a:rPr>
-                        <a:t>Р. о.</a:t>
-                      </a:r>
-                      <a:endParaRPr lang="ru-RU" sz="1800">
+                      <a:endParaRPr lang="ru-RU" sz="1400">
                         <a:effectLst/>
                         <a:latin typeface="Times New Roman" panose="02020603050405020304" pitchFamily="18" charset="0"/>
                         <a:ea typeface="Times New Roman" panose="02020603050405020304" pitchFamily="18" charset="0"/>
@@ -9201,17 +8180,20 @@
                         <a:lnSpc>
                           <a:spcPct val="150000"/>
                         </a:lnSpc>
+                        <a:spcBef>
+                          <a:spcPts val="600"/>
+                        </a:spcBef>
                         <a:spcAft>
                           <a:spcPts val="0"/>
                         </a:spcAft>
                       </a:pPr>
                       <a:r>
-                        <a:rPr lang="uk-UA" sz="1800">
+                        <a:rPr lang="en-US" sz="1200">
                           <a:effectLst/>
                         </a:rPr>
-                        <a:t>0,0024</a:t>
+                        <a:t>1 CPU</a:t>
                       </a:r>
-                      <a:endParaRPr lang="ru-RU" sz="1800">
+                      <a:endParaRPr lang="ru-RU" sz="1400">
                         <a:effectLst/>
                         <a:latin typeface="Times New Roman" panose="02020603050405020304" pitchFamily="18" charset="0"/>
                         <a:ea typeface="Times New Roman" panose="02020603050405020304" pitchFamily="18" charset="0"/>
@@ -9229,17 +8211,53 @@
                         <a:lnSpc>
                           <a:spcPct val="150000"/>
                         </a:lnSpc>
+                        <a:spcBef>
+                          <a:spcPts val="600"/>
+                        </a:spcBef>
                         <a:spcAft>
                           <a:spcPts val="0"/>
                         </a:spcAft>
                       </a:pPr>
                       <a:r>
-                        <a:rPr lang="uk-UA" sz="1800" dirty="0">
+                        <a:rPr lang="en-US" sz="1200">
                           <a:effectLst/>
                         </a:rPr>
-                        <a:t>0,0015</a:t>
+                        <a:t>1CPU + 1 GPU</a:t>
                       </a:r>
-                      <a:endParaRPr lang="ru-RU" sz="1800" dirty="0">
+                      <a:endParaRPr lang="ru-RU" sz="1400">
+                        <a:effectLst/>
+                        <a:latin typeface="Times New Roman" panose="02020603050405020304" pitchFamily="18" charset="0"/>
+                        <a:ea typeface="Times New Roman" panose="02020603050405020304" pitchFamily="18" charset="0"/>
+                      </a:endParaRPr>
+                    </a:p>
+                  </a:txBody>
+                  <a:tcPr marL="68580" marR="68580" marT="0" marB="0"/>
+                </a:tc>
+              </a:tr>
+              <a:tr h="360717">
+                <a:tc>
+                  <a:txBody>
+                    <a:bodyPr/>
+                    <a:lstStyle/>
+                    <a:p>
+                      <a:pPr algn="just">
+                        <a:lnSpc>
+                          <a:spcPct val="150000"/>
+                        </a:lnSpc>
+                        <a:spcBef>
+                          <a:spcPts val="600"/>
+                        </a:spcBef>
+                        <a:spcAft>
+                          <a:spcPts val="0"/>
+                        </a:spcAft>
+                      </a:pPr>
+                      <a:r>
+                        <a:rPr lang="uk-UA" sz="1200">
+                          <a:effectLst/>
+                        </a:rPr>
+                        <a:t>Головний цикл</a:t>
+                      </a:r>
+                      <a:endParaRPr lang="ru-RU" sz="1400">
                         <a:effectLst/>
                         <a:latin typeface="Times New Roman" panose="02020603050405020304" pitchFamily="18" charset="0"/>
                         <a:ea typeface="Times New Roman" panose="02020603050405020304" pitchFamily="18" charset="0"/>
@@ -9257,17 +8275,20 @@
                         <a:lnSpc>
                           <a:spcPct val="150000"/>
                         </a:lnSpc>
+                        <a:spcBef>
+                          <a:spcPts val="600"/>
+                        </a:spcBef>
                         <a:spcAft>
                           <a:spcPts val="0"/>
                         </a:spcAft>
                       </a:pPr>
                       <a:r>
-                        <a:rPr lang="uk-UA" sz="1800" dirty="0">
+                        <a:rPr lang="uk-UA" sz="1200" dirty="0">
                           <a:effectLst/>
                         </a:rPr>
-                        <a:t>0,032</a:t>
+                        <a:t>0,734045</a:t>
                       </a:r>
-                      <a:endParaRPr lang="ru-RU" sz="1800" dirty="0">
+                      <a:endParaRPr lang="ru-RU" sz="1400" dirty="0">
                         <a:effectLst/>
                         <a:latin typeface="Times New Roman" panose="02020603050405020304" pitchFamily="18" charset="0"/>
                         <a:ea typeface="Times New Roman" panose="02020603050405020304" pitchFamily="18" charset="0"/>
@@ -9285,17 +8306,20 @@
                         <a:lnSpc>
                           <a:spcPct val="150000"/>
                         </a:lnSpc>
+                        <a:spcBef>
+                          <a:spcPts val="600"/>
+                        </a:spcBef>
                         <a:spcAft>
                           <a:spcPts val="0"/>
                         </a:spcAft>
                       </a:pPr>
                       <a:r>
-                        <a:rPr lang="uk-UA" sz="1800" dirty="0">
+                        <a:rPr lang="uk-UA" sz="1200" dirty="0">
                           <a:effectLst/>
                         </a:rPr>
-                        <a:t>0,01355</a:t>
+                        <a:t>0,001432</a:t>
                       </a:r>
-                      <a:endParaRPr lang="ru-RU" sz="1800" dirty="0">
+                      <a:endParaRPr lang="ru-RU" sz="1400" dirty="0">
                         <a:effectLst/>
                         <a:latin typeface="Times New Roman" panose="02020603050405020304" pitchFamily="18" charset="0"/>
                         <a:ea typeface="Times New Roman" panose="02020603050405020304" pitchFamily="18" charset="0"/>
@@ -9313,17 +8337,20 @@
                         <a:lnSpc>
                           <a:spcPct val="150000"/>
                         </a:lnSpc>
+                        <a:spcBef>
+                          <a:spcPts val="600"/>
+                        </a:spcBef>
                         <a:spcAft>
                           <a:spcPts val="0"/>
                         </a:spcAft>
                       </a:pPr>
                       <a:r>
-                        <a:rPr lang="uk-UA" sz="1800">
+                        <a:rPr lang="uk-UA" sz="1200" dirty="0">
                           <a:effectLst/>
                         </a:rPr>
-                        <a:t>6,6208</a:t>
+                        <a:t>0,87493</a:t>
                       </a:r>
-                      <a:endParaRPr lang="ru-RU" sz="1800">
+                      <a:endParaRPr lang="ru-RU" sz="1400" dirty="0">
                         <a:effectLst/>
                         <a:latin typeface="Times New Roman" panose="02020603050405020304" pitchFamily="18" charset="0"/>
                         <a:ea typeface="Times New Roman" panose="02020603050405020304" pitchFamily="18" charset="0"/>
@@ -9341,17 +8368,20 @@
                         <a:lnSpc>
                           <a:spcPct val="150000"/>
                         </a:lnSpc>
+                        <a:spcBef>
+                          <a:spcPts val="600"/>
+                        </a:spcBef>
                         <a:spcAft>
                           <a:spcPts val="0"/>
                         </a:spcAft>
                       </a:pPr>
                       <a:r>
-                        <a:rPr lang="uk-UA" sz="1800" dirty="0">
+                        <a:rPr lang="uk-UA" sz="1200" dirty="0">
                           <a:effectLst/>
                         </a:rPr>
-                        <a:t>0,734045</a:t>
+                        <a:t>0,0133061</a:t>
                       </a:r>
-                      <a:endParaRPr lang="ru-RU" sz="1800" dirty="0">
+                      <a:endParaRPr lang="ru-RU" sz="1400" dirty="0">
                         <a:effectLst/>
                         <a:latin typeface="Times New Roman" panose="02020603050405020304" pitchFamily="18" charset="0"/>
                         <a:ea typeface="Times New Roman" panose="02020603050405020304" pitchFamily="18" charset="0"/>
@@ -9361,27 +8391,30 @@
                   <a:tcPr marL="68580" marR="68580" marT="0" marB="0"/>
                 </a:tc>
               </a:tr>
-              <a:tr h="420673">
+              <a:tr h="379650">
                 <a:tc>
                   <a:txBody>
                     <a:bodyPr/>
                     <a:lstStyle/>
                     <a:p>
-                      <a:pPr algn="ctr">
+                      <a:pPr algn="just">
                         <a:lnSpc>
                           <a:spcPct val="150000"/>
                         </a:lnSpc>
+                        <a:spcBef>
+                          <a:spcPts val="600"/>
+                        </a:spcBef>
                         <a:spcAft>
                           <a:spcPts val="0"/>
                         </a:spcAft>
                       </a:pPr>
                       <a:r>
-                        <a:rPr lang="uk-UA" sz="1800">
+                        <a:rPr lang="uk-UA" sz="1200">
                           <a:effectLst/>
                         </a:rPr>
-                        <a:t>Р. б.</a:t>
+                        <a:t>Загальний цикл</a:t>
                       </a:r>
-                      <a:endParaRPr lang="ru-RU" sz="1800">
+                      <a:endParaRPr lang="ru-RU" sz="1400">
                         <a:effectLst/>
                         <a:latin typeface="Times New Roman" panose="02020603050405020304" pitchFamily="18" charset="0"/>
                         <a:ea typeface="Times New Roman" panose="02020603050405020304" pitchFamily="18" charset="0"/>
@@ -9399,17 +8432,20 @@
                         <a:lnSpc>
                           <a:spcPct val="150000"/>
                         </a:lnSpc>
+                        <a:spcBef>
+                          <a:spcPts val="600"/>
+                        </a:spcBef>
                         <a:spcAft>
                           <a:spcPts val="0"/>
                         </a:spcAft>
                       </a:pPr>
                       <a:r>
-                        <a:rPr lang="uk-UA" sz="1800">
+                        <a:rPr lang="uk-UA" sz="1200">
                           <a:effectLst/>
                         </a:rPr>
-                        <a:t>2,68285</a:t>
+                        <a:t>6,6208</a:t>
                       </a:r>
-                      <a:endParaRPr lang="ru-RU" sz="1800">
+                      <a:endParaRPr lang="ru-RU" sz="1400">
                         <a:effectLst/>
                         <a:latin typeface="Times New Roman" panose="02020603050405020304" pitchFamily="18" charset="0"/>
                         <a:ea typeface="Times New Roman" panose="02020603050405020304" pitchFamily="18" charset="0"/>
@@ -9427,17 +8463,20 @@
                         <a:lnSpc>
                           <a:spcPct val="150000"/>
                         </a:lnSpc>
+                        <a:spcBef>
+                          <a:spcPts val="600"/>
+                        </a:spcBef>
                         <a:spcAft>
                           <a:spcPts val="0"/>
                         </a:spcAft>
                       </a:pPr>
                       <a:r>
-                        <a:rPr lang="uk-UA" sz="1800" dirty="0">
+                        <a:rPr lang="uk-UA" sz="1200">
                           <a:effectLst/>
                         </a:rPr>
-                        <a:t>0,00022</a:t>
+                        <a:t>8,8451</a:t>
                       </a:r>
-                      <a:endParaRPr lang="ru-RU" sz="1800" dirty="0">
+                      <a:endParaRPr lang="ru-RU" sz="1400">
                         <a:effectLst/>
                         <a:latin typeface="Times New Roman" panose="02020603050405020304" pitchFamily="18" charset="0"/>
                         <a:ea typeface="Times New Roman" panose="02020603050405020304" pitchFamily="18" charset="0"/>
@@ -9455,17 +8494,20 @@
                         <a:lnSpc>
                           <a:spcPct val="150000"/>
                         </a:lnSpc>
+                        <a:spcBef>
+                          <a:spcPts val="600"/>
+                        </a:spcBef>
                         <a:spcAft>
                           <a:spcPts val="0"/>
                         </a:spcAft>
                       </a:pPr>
                       <a:r>
-                        <a:rPr lang="uk-UA" sz="1800" dirty="0">
+                        <a:rPr lang="uk-UA" sz="1200">
                           <a:effectLst/>
                         </a:rPr>
-                        <a:t>2,82</a:t>
+                        <a:t>33,807</a:t>
                       </a:r>
-                      <a:endParaRPr lang="ru-RU" sz="1800" dirty="0">
+                      <a:endParaRPr lang="ru-RU" sz="1400">
                         <a:effectLst/>
                         <a:latin typeface="Times New Roman" panose="02020603050405020304" pitchFamily="18" charset="0"/>
                         <a:ea typeface="Times New Roman" panose="02020603050405020304" pitchFamily="18" charset="0"/>
@@ -9483,469 +8525,20 @@
                         <a:lnSpc>
                           <a:spcPct val="150000"/>
                         </a:lnSpc>
+                        <a:spcBef>
+                          <a:spcPts val="600"/>
+                        </a:spcBef>
                         <a:spcAft>
                           <a:spcPts val="0"/>
                         </a:spcAft>
                       </a:pPr>
                       <a:r>
-                        <a:rPr lang="uk-UA" sz="1800" dirty="0">
+                        <a:rPr lang="uk-UA" sz="1200" dirty="0">
                           <a:effectLst/>
                         </a:rPr>
-                        <a:t>0,00049</a:t>
+                        <a:t>33,6342</a:t>
                       </a:r>
-                      <a:endParaRPr lang="ru-RU" sz="1800" dirty="0">
-                        <a:effectLst/>
-                        <a:latin typeface="Times New Roman" panose="02020603050405020304" pitchFamily="18" charset="0"/>
-                        <a:ea typeface="Times New Roman" panose="02020603050405020304" pitchFamily="18" charset="0"/>
-                      </a:endParaRPr>
-                    </a:p>
-                  </a:txBody>
-                  <a:tcPr marL="68580" marR="68580" marT="0" marB="0"/>
-                </a:tc>
-                <a:tc>
-                  <a:txBody>
-                    <a:bodyPr/>
-                    <a:lstStyle/>
-                    <a:p>
-                      <a:pPr algn="ctr">
-                        <a:lnSpc>
-                          <a:spcPct val="150000"/>
-                        </a:lnSpc>
-                        <a:spcAft>
-                          <a:spcPts val="0"/>
-                        </a:spcAft>
-                      </a:pPr>
-                      <a:r>
-                        <a:rPr lang="uk-UA" sz="1800">
-                          <a:effectLst/>
-                        </a:rPr>
-                        <a:t>8,8451</a:t>
-                      </a:r>
-                      <a:endParaRPr lang="ru-RU" sz="1800">
-                        <a:effectLst/>
-                        <a:latin typeface="Times New Roman" panose="02020603050405020304" pitchFamily="18" charset="0"/>
-                        <a:ea typeface="Times New Roman" panose="02020603050405020304" pitchFamily="18" charset="0"/>
-                      </a:endParaRPr>
-                    </a:p>
-                  </a:txBody>
-                  <a:tcPr marL="68580" marR="68580" marT="0" marB="0"/>
-                </a:tc>
-                <a:tc>
-                  <a:txBody>
-                    <a:bodyPr/>
-                    <a:lstStyle/>
-                    <a:p>
-                      <a:pPr algn="ctr">
-                        <a:lnSpc>
-                          <a:spcPct val="150000"/>
-                        </a:lnSpc>
-                        <a:spcAft>
-                          <a:spcPts val="0"/>
-                        </a:spcAft>
-                      </a:pPr>
-                      <a:r>
-                        <a:rPr lang="uk-UA" sz="1800" dirty="0">
-                          <a:effectLst/>
-                        </a:rPr>
-                        <a:t>0,001432</a:t>
-                      </a:r>
-                      <a:endParaRPr lang="ru-RU" sz="1800" dirty="0">
-                        <a:effectLst/>
-                        <a:latin typeface="Times New Roman" panose="02020603050405020304" pitchFamily="18" charset="0"/>
-                        <a:ea typeface="Times New Roman" panose="02020603050405020304" pitchFamily="18" charset="0"/>
-                      </a:endParaRPr>
-                    </a:p>
-                  </a:txBody>
-                  <a:tcPr marL="68580" marR="68580" marT="0" marB="0"/>
-                </a:tc>
-              </a:tr>
-              <a:tr h="420673">
-                <a:tc>
-                  <a:txBody>
-                    <a:bodyPr/>
-                    <a:lstStyle/>
-                    <a:p>
-                      <a:pPr algn="ctr">
-                        <a:lnSpc>
-                          <a:spcPct val="150000"/>
-                        </a:lnSpc>
-                        <a:spcAft>
-                          <a:spcPts val="0"/>
-                        </a:spcAft>
-                      </a:pPr>
-                      <a:r>
-                        <a:rPr lang="uk-UA" sz="1800">
-                          <a:effectLst/>
-                        </a:rPr>
-                        <a:t>ВР. о.</a:t>
-                      </a:r>
-                      <a:endParaRPr lang="ru-RU" sz="1800">
-                        <a:effectLst/>
-                        <a:latin typeface="Times New Roman" panose="02020603050405020304" pitchFamily="18" charset="0"/>
-                        <a:ea typeface="Times New Roman" panose="02020603050405020304" pitchFamily="18" charset="0"/>
-                      </a:endParaRPr>
-                    </a:p>
-                  </a:txBody>
-                  <a:tcPr marL="68580" marR="68580" marT="0" marB="0"/>
-                </a:tc>
-                <a:tc>
-                  <a:txBody>
-                    <a:bodyPr/>
-                    <a:lstStyle/>
-                    <a:p>
-                      <a:pPr algn="ctr">
-                        <a:lnSpc>
-                          <a:spcPct val="150000"/>
-                        </a:lnSpc>
-                        <a:spcAft>
-                          <a:spcPts val="0"/>
-                        </a:spcAft>
-                      </a:pPr>
-                      <a:r>
-                        <a:rPr lang="uk-UA" sz="1800">
-                          <a:effectLst/>
-                        </a:rPr>
-                        <a:t>0,00371</a:t>
-                      </a:r>
-                      <a:endParaRPr lang="ru-RU" sz="1800">
-                        <a:effectLst/>
-                        <a:latin typeface="Times New Roman" panose="02020603050405020304" pitchFamily="18" charset="0"/>
-                        <a:ea typeface="Times New Roman" panose="02020603050405020304" pitchFamily="18" charset="0"/>
-                      </a:endParaRPr>
-                    </a:p>
-                  </a:txBody>
-                  <a:tcPr marL="68580" marR="68580" marT="0" marB="0"/>
-                </a:tc>
-                <a:tc>
-                  <a:txBody>
-                    <a:bodyPr/>
-                    <a:lstStyle/>
-                    <a:p>
-                      <a:pPr algn="ctr">
-                        <a:lnSpc>
-                          <a:spcPct val="150000"/>
-                        </a:lnSpc>
-                        <a:spcAft>
-                          <a:spcPts val="0"/>
-                        </a:spcAft>
-                      </a:pPr>
-                      <a:r>
-                        <a:rPr lang="uk-UA" sz="1800" dirty="0">
-                          <a:effectLst/>
-                        </a:rPr>
-                        <a:t>0,002825</a:t>
-                      </a:r>
-                      <a:endParaRPr lang="ru-RU" sz="1800" dirty="0">
-                        <a:effectLst/>
-                        <a:latin typeface="Times New Roman" panose="02020603050405020304" pitchFamily="18" charset="0"/>
-                        <a:ea typeface="Times New Roman" panose="02020603050405020304" pitchFamily="18" charset="0"/>
-                      </a:endParaRPr>
-                    </a:p>
-                  </a:txBody>
-                  <a:tcPr marL="68580" marR="68580" marT="0" marB="0"/>
-                </a:tc>
-                <a:tc>
-                  <a:txBody>
-                    <a:bodyPr/>
-                    <a:lstStyle/>
-                    <a:p>
-                      <a:pPr algn="ctr">
-                        <a:lnSpc>
-                          <a:spcPct val="150000"/>
-                        </a:lnSpc>
-                        <a:spcAft>
-                          <a:spcPts val="0"/>
-                        </a:spcAft>
-                      </a:pPr>
-                      <a:r>
-                        <a:rPr lang="uk-UA" sz="1800" dirty="0">
-                          <a:effectLst/>
-                        </a:rPr>
-                        <a:t>0,0848</a:t>
-                      </a:r>
-                      <a:endParaRPr lang="ru-RU" sz="1800" dirty="0">
-                        <a:effectLst/>
-                        <a:latin typeface="Times New Roman" panose="02020603050405020304" pitchFamily="18" charset="0"/>
-                        <a:ea typeface="Times New Roman" panose="02020603050405020304" pitchFamily="18" charset="0"/>
-                      </a:endParaRPr>
-                    </a:p>
-                  </a:txBody>
-                  <a:tcPr marL="68580" marR="68580" marT="0" marB="0"/>
-                </a:tc>
-                <a:tc>
-                  <a:txBody>
-                    <a:bodyPr/>
-                    <a:lstStyle/>
-                    <a:p>
-                      <a:pPr algn="ctr">
-                        <a:lnSpc>
-                          <a:spcPct val="150000"/>
-                        </a:lnSpc>
-                        <a:spcAft>
-                          <a:spcPts val="0"/>
-                        </a:spcAft>
-                      </a:pPr>
-                      <a:r>
-                        <a:rPr lang="uk-UA" sz="1800">
-                          <a:effectLst/>
-                        </a:rPr>
-                        <a:t>0,01747</a:t>
-                      </a:r>
-                      <a:endParaRPr lang="ru-RU" sz="1800">
-                        <a:effectLst/>
-                        <a:latin typeface="Times New Roman" panose="02020603050405020304" pitchFamily="18" charset="0"/>
-                        <a:ea typeface="Times New Roman" panose="02020603050405020304" pitchFamily="18" charset="0"/>
-                      </a:endParaRPr>
-                    </a:p>
-                  </a:txBody>
-                  <a:tcPr marL="68580" marR="68580" marT="0" marB="0"/>
-                </a:tc>
-                <a:tc>
-                  <a:txBody>
-                    <a:bodyPr/>
-                    <a:lstStyle/>
-                    <a:p>
-                      <a:pPr algn="ctr">
-                        <a:lnSpc>
-                          <a:spcPct val="150000"/>
-                        </a:lnSpc>
-                        <a:spcAft>
-                          <a:spcPts val="0"/>
-                        </a:spcAft>
-                      </a:pPr>
-                      <a:r>
-                        <a:rPr lang="uk-UA" sz="1800" dirty="0">
-                          <a:effectLst/>
-                        </a:rPr>
-                        <a:t>33,426</a:t>
-                      </a:r>
-                      <a:endParaRPr lang="ru-RU" sz="1800" dirty="0">
-                        <a:effectLst/>
-                        <a:latin typeface="Times New Roman" panose="02020603050405020304" pitchFamily="18" charset="0"/>
-                        <a:ea typeface="Times New Roman" panose="02020603050405020304" pitchFamily="18" charset="0"/>
-                      </a:endParaRPr>
-                    </a:p>
-                  </a:txBody>
-                  <a:tcPr marL="68580" marR="68580" marT="0" marB="0"/>
-                </a:tc>
-                <a:tc>
-                  <a:txBody>
-                    <a:bodyPr/>
-                    <a:lstStyle/>
-                    <a:p>
-                      <a:pPr algn="ctr">
-                        <a:lnSpc>
-                          <a:spcPct val="150000"/>
-                        </a:lnSpc>
-                        <a:spcAft>
-                          <a:spcPts val="0"/>
-                        </a:spcAft>
-                      </a:pPr>
-                      <a:r>
-                        <a:rPr lang="uk-UA" sz="1800">
-                          <a:effectLst/>
-                        </a:rPr>
-                        <a:t>0,255193</a:t>
-                      </a:r>
-                      <a:endParaRPr lang="ru-RU" sz="1800">
-                        <a:effectLst/>
-                        <a:latin typeface="Times New Roman" panose="02020603050405020304" pitchFamily="18" charset="0"/>
-                        <a:ea typeface="Times New Roman" panose="02020603050405020304" pitchFamily="18" charset="0"/>
-                      </a:endParaRPr>
-                    </a:p>
-                  </a:txBody>
-                  <a:tcPr marL="68580" marR="68580" marT="0" marB="0"/>
-                </a:tc>
-              </a:tr>
-              <a:tr h="543928">
-                <a:tc>
-                  <a:txBody>
-                    <a:bodyPr/>
-                    <a:lstStyle/>
-                    <a:p>
-                      <a:pPr algn="ctr">
-                        <a:lnSpc>
-                          <a:spcPct val="150000"/>
-                        </a:lnSpc>
-                        <a:spcAft>
-                          <a:spcPts val="0"/>
-                        </a:spcAft>
-                      </a:pPr>
-                      <a:r>
-                        <a:rPr lang="uk-UA" sz="1800">
-                          <a:effectLst/>
-                        </a:rPr>
-                        <a:t>ВР. б.</a:t>
-                      </a:r>
-                      <a:endParaRPr lang="ru-RU" sz="1800">
-                        <a:effectLst/>
-                        <a:latin typeface="Times New Roman" panose="02020603050405020304" pitchFamily="18" charset="0"/>
-                        <a:ea typeface="Times New Roman" panose="02020603050405020304" pitchFamily="18" charset="0"/>
-                      </a:endParaRPr>
-                    </a:p>
-                  </a:txBody>
-                  <a:tcPr marL="68580" marR="68580" marT="0" marB="0"/>
-                </a:tc>
-                <a:tc>
-                  <a:txBody>
-                    <a:bodyPr/>
-                    <a:lstStyle/>
-                    <a:p>
-                      <a:pPr algn="ctr">
-                        <a:lnSpc>
-                          <a:spcPct val="150000"/>
-                        </a:lnSpc>
-                        <a:spcAft>
-                          <a:spcPts val="0"/>
-                        </a:spcAft>
-                      </a:pPr>
-                      <a:r>
-                        <a:rPr lang="uk-UA" sz="1800">
-                          <a:effectLst/>
-                        </a:rPr>
-                        <a:t>2,62</a:t>
-                      </a:r>
-                      <a:endParaRPr lang="ru-RU" sz="1800">
-                        <a:effectLst/>
-                        <a:latin typeface="Times New Roman" panose="02020603050405020304" pitchFamily="18" charset="0"/>
-                        <a:ea typeface="Times New Roman" panose="02020603050405020304" pitchFamily="18" charset="0"/>
-                      </a:endParaRPr>
-                    </a:p>
-                  </a:txBody>
-                  <a:tcPr marL="68580" marR="68580" marT="0" marB="0"/>
-                </a:tc>
-                <a:tc>
-                  <a:txBody>
-                    <a:bodyPr/>
-                    <a:lstStyle/>
-                    <a:p>
-                      <a:pPr algn="ctr">
-                        <a:lnSpc>
-                          <a:spcPct val="150000"/>
-                        </a:lnSpc>
-                        <a:spcAft>
-                          <a:spcPts val="0"/>
-                        </a:spcAft>
-                      </a:pPr>
-                      <a:r>
-                        <a:rPr lang="uk-UA" sz="1800" dirty="0">
-                          <a:effectLst/>
-                        </a:rPr>
-                        <a:t>0,004013</a:t>
-                      </a:r>
-                      <a:endParaRPr lang="ru-RU" sz="1800" dirty="0">
-                        <a:effectLst/>
-                        <a:latin typeface="Times New Roman" panose="02020603050405020304" pitchFamily="18" charset="0"/>
-                        <a:ea typeface="Times New Roman" panose="02020603050405020304" pitchFamily="18" charset="0"/>
-                      </a:endParaRPr>
-                    </a:p>
-                  </a:txBody>
-                  <a:tcPr marL="68580" marR="68580" marT="0" marB="0"/>
-                </a:tc>
-                <a:tc>
-                  <a:txBody>
-                    <a:bodyPr/>
-                    <a:lstStyle/>
-                    <a:p>
-                      <a:pPr algn="ctr">
-                        <a:lnSpc>
-                          <a:spcPct val="150000"/>
-                        </a:lnSpc>
-                        <a:spcAft>
-                          <a:spcPts val="0"/>
-                        </a:spcAft>
-                      </a:pPr>
-                      <a:r>
-                        <a:rPr lang="uk-UA" sz="1800" dirty="0">
-                          <a:effectLst/>
-                        </a:rPr>
-                        <a:t>2,7037</a:t>
-                      </a:r>
-                      <a:endParaRPr lang="ru-RU" sz="1800" dirty="0">
-                        <a:effectLst/>
-                        <a:latin typeface="Times New Roman" panose="02020603050405020304" pitchFamily="18" charset="0"/>
-                        <a:ea typeface="Times New Roman" panose="02020603050405020304" pitchFamily="18" charset="0"/>
-                      </a:endParaRPr>
-                    </a:p>
-                  </a:txBody>
-                  <a:tcPr marL="68580" marR="68580" marT="0" marB="0"/>
-                </a:tc>
-                <a:tc>
-                  <a:txBody>
-                    <a:bodyPr/>
-                    <a:lstStyle/>
-                    <a:p>
-                      <a:pPr algn="ctr">
-                        <a:lnSpc>
-                          <a:spcPct val="150000"/>
-                        </a:lnSpc>
-                        <a:spcAft>
-                          <a:spcPts val="0"/>
-                        </a:spcAft>
-                      </a:pPr>
-                      <a:r>
-                        <a:rPr lang="uk-UA" sz="1800" dirty="0">
-                          <a:effectLst/>
-                        </a:rPr>
-                        <a:t>0,0211276</a:t>
-                      </a:r>
-                      <a:endParaRPr lang="ru-RU" sz="1800" dirty="0">
-                        <a:effectLst/>
-                        <a:latin typeface="Times New Roman" panose="02020603050405020304" pitchFamily="18" charset="0"/>
-                        <a:ea typeface="Times New Roman" panose="02020603050405020304" pitchFamily="18" charset="0"/>
-                      </a:endParaRPr>
-                    </a:p>
-                  </a:txBody>
-                  <a:tcPr marL="68580" marR="68580" marT="0" marB="0"/>
-                </a:tc>
-                <a:tc>
-                  <a:txBody>
-                    <a:bodyPr/>
-                    <a:lstStyle/>
-                    <a:p>
-                      <a:pPr algn="ctr">
-                        <a:lnSpc>
-                          <a:spcPct val="150000"/>
-                        </a:lnSpc>
-                        <a:spcAft>
-                          <a:spcPts val="0"/>
-                        </a:spcAft>
-                      </a:pPr>
-                      <a:r>
-                        <a:rPr lang="uk-UA" sz="1800" dirty="0">
-                          <a:effectLst/>
-                        </a:rPr>
-                        <a:t>37,4154</a:t>
-                      </a:r>
-                      <a:endParaRPr lang="ru-RU" sz="1800" dirty="0">
-                        <a:effectLst/>
-                        <a:latin typeface="Times New Roman" panose="02020603050405020304" pitchFamily="18" charset="0"/>
-                        <a:ea typeface="Times New Roman" panose="02020603050405020304" pitchFamily="18" charset="0"/>
-                      </a:endParaRPr>
-                    </a:p>
-                  </a:txBody>
-                  <a:tcPr marL="68580" marR="68580" marT="0" marB="0"/>
-                </a:tc>
-                <a:tc>
-                  <a:txBody>
-                    <a:bodyPr/>
-                    <a:lstStyle/>
-                    <a:p>
-                      <a:pPr algn="ctr">
-                        <a:lnSpc>
-                          <a:spcPct val="150000"/>
-                        </a:lnSpc>
-                        <a:spcAft>
-                          <a:spcPts val="0"/>
-                        </a:spcAft>
-                      </a:pPr>
-                      <a:r>
-                        <a:rPr lang="uk-UA" sz="1800" dirty="0">
-                          <a:effectLst/>
-                        </a:rPr>
-                        <a:t>0,87655</a:t>
-                      </a:r>
-                      <a:endParaRPr lang="ru-RU" sz="1800" dirty="0">
+                      <a:endParaRPr lang="ru-RU" sz="1400" dirty="0">
                         <a:effectLst/>
                         <a:latin typeface="Times New Roman" panose="02020603050405020304" pitchFamily="18" charset="0"/>
                         <a:ea typeface="Times New Roman" panose="02020603050405020304" pitchFamily="18" charset="0"/>
@@ -9959,6 +8552,68 @@
           </a:graphicData>
         </a:graphic>
       </p:graphicFrame>
+      <p:sp>
+        <p:nvSpPr>
+          <p:cNvPr id="9" name="TextBox 8"/>
+          <p:cNvSpPr txBox="1"/>
+          <p:nvPr/>
+        </p:nvSpPr>
+        <p:spPr>
+          <a:xfrm>
+            <a:off x="4642338" y="3974123"/>
+            <a:ext cx="1699846" cy="369332"/>
+          </a:xfrm>
+          <a:prstGeom prst="rect">
+            <a:avLst/>
+          </a:prstGeom>
+          <a:noFill/>
+        </p:spPr>
+        <p:txBody>
+          <a:bodyPr wrap="square" rtlCol="0">
+            <a:spAutoFit/>
+          </a:bodyPr>
+          <a:lstStyle/>
+          <a:p>
+            <a:pPr algn="ctr"/>
+            <a:r>
+              <a:rPr lang="uk-UA" dirty="0" smtClean="0"/>
+              <a:t>10 кроків</a:t>
+            </a:r>
+            <a:endParaRPr lang="ru-RU" dirty="0"/>
+          </a:p>
+        </p:txBody>
+      </p:sp>
+      <p:sp>
+        <p:nvSpPr>
+          <p:cNvPr id="10" name="TextBox 9"/>
+          <p:cNvSpPr txBox="1"/>
+          <p:nvPr/>
+        </p:nvSpPr>
+        <p:spPr>
+          <a:xfrm>
+            <a:off x="4642338" y="6321069"/>
+            <a:ext cx="1699846" cy="369332"/>
+          </a:xfrm>
+          <a:prstGeom prst="rect">
+            <a:avLst/>
+          </a:prstGeom>
+          <a:noFill/>
+        </p:spPr>
+        <p:txBody>
+          <a:bodyPr wrap="square" rtlCol="0">
+            <a:spAutoFit/>
+          </a:bodyPr>
+          <a:lstStyle/>
+          <a:p>
+            <a:pPr algn="ctr"/>
+            <a:r>
+              <a:rPr lang="uk-UA" dirty="0" smtClean="0"/>
+              <a:t>25 кроків</a:t>
+            </a:r>
+            <a:endParaRPr lang="ru-RU" dirty="0"/>
+          </a:p>
+        </p:txBody>
+      </p:sp>
     </p:spTree>
     <p:extLst>
       <p:ext uri="{BB962C8B-B14F-4D97-AF65-F5344CB8AC3E}">
@@ -9996,117 +8651,6 @@
           <a:chExt cx="0" cy="0"/>
         </a:xfrm>
       </p:grpSpPr>
-      <p:graphicFrame>
-        <p:nvGraphicFramePr>
-          <p:cNvPr id="2" name="Диаграмма 1"/>
-          <p:cNvGraphicFramePr/>
-          <p:nvPr/>
-        </p:nvGraphicFramePr>
-        <p:xfrm>
-          <a:off x="1806917" y="1859150"/>
-          <a:ext cx="8209280" cy="3753860"/>
-        </p:xfrm>
-        <a:graphic>
-          <a:graphicData uri="http://schemas.openxmlformats.org/drawingml/2006/chart">
-            <c:chart xmlns:c="http://schemas.openxmlformats.org/drawingml/2006/chart" xmlns:r="http://schemas.openxmlformats.org/officeDocument/2006/relationships" r:id="rId2"/>
-          </a:graphicData>
-        </a:graphic>
-      </p:graphicFrame>
-      <p:sp>
-        <p:nvSpPr>
-          <p:cNvPr id="3" name="Заголовок 2"/>
-          <p:cNvSpPr>
-            <a:spLocks noGrp="1"/>
-          </p:cNvSpPr>
-          <p:nvPr>
-            <p:ph type="title"/>
-          </p:nvPr>
-        </p:nvSpPr>
-        <p:spPr/>
-        <p:txBody>
-          <a:bodyPr>
-            <a:normAutofit/>
-          </a:bodyPr>
-          <a:lstStyle/>
-          <a:p>
-            <a:pPr algn="ctr"/>
-            <a:r>
-              <a:rPr lang="ru-RU" sz="2400" b="1" dirty="0" err="1" smtClean="0">
-                <a:latin typeface="Times New Roman" panose="02020603050405020304" pitchFamily="18" charset="0"/>
-                <a:cs typeface="Times New Roman" panose="02020603050405020304" pitchFamily="18" charset="0"/>
-              </a:rPr>
-              <a:t>Часи</a:t>
-            </a:r>
-            <a:r>
-              <a:rPr lang="ru-RU" sz="2400" b="1" dirty="0" smtClean="0">
-                <a:latin typeface="Times New Roman" panose="02020603050405020304" pitchFamily="18" charset="0"/>
-                <a:cs typeface="Times New Roman" panose="02020603050405020304" pitchFamily="18" charset="0"/>
-              </a:rPr>
-              <a:t> </a:t>
-            </a:r>
-            <a:r>
-              <a:rPr lang="ru-RU" sz="2400" b="1" dirty="0" err="1" smtClean="0">
-                <a:latin typeface="Times New Roman" panose="02020603050405020304" pitchFamily="18" charset="0"/>
-                <a:cs typeface="Times New Roman" panose="02020603050405020304" pitchFamily="18" charset="0"/>
-              </a:rPr>
-              <a:t>виконання</a:t>
-            </a:r>
-            <a:r>
-              <a:rPr lang="ru-RU" sz="2400" b="1" dirty="0" smtClean="0">
-                <a:latin typeface="Times New Roman" panose="02020603050405020304" pitchFamily="18" charset="0"/>
-                <a:cs typeface="Times New Roman" panose="02020603050405020304" pitchFamily="18" charset="0"/>
-              </a:rPr>
-              <a:t> методу Р</a:t>
-            </a:r>
-            <a:r>
-              <a:rPr lang="uk-UA" sz="2400" b="1" dirty="0" smtClean="0">
-                <a:latin typeface="Times New Roman" panose="02020603050405020304" pitchFamily="18" charset="0"/>
-                <a:cs typeface="Times New Roman" panose="02020603050405020304" pitchFamily="18" charset="0"/>
-              </a:rPr>
-              <a:t>і</a:t>
-            </a:r>
-            <a:r>
-              <a:rPr lang="ru-RU" sz="2400" b="1" dirty="0" err="1" smtClean="0">
-                <a:latin typeface="Times New Roman" panose="02020603050405020304" pitchFamily="18" charset="0"/>
-                <a:cs typeface="Times New Roman" panose="02020603050405020304" pitchFamily="18" charset="0"/>
-              </a:rPr>
-              <a:t>чардсона</a:t>
-            </a:r>
-            <a:r>
-              <a:rPr lang="ru-RU" sz="2400" b="1" dirty="0" smtClean="0">
-                <a:latin typeface="Times New Roman" panose="02020603050405020304" pitchFamily="18" charset="0"/>
-                <a:cs typeface="Times New Roman" panose="02020603050405020304" pitchFamily="18" charset="0"/>
-              </a:rPr>
-              <a:t> на </a:t>
-            </a:r>
-            <a:r>
-              <a:rPr lang="ru-RU" sz="2400" b="1" dirty="0" err="1" smtClean="0">
-                <a:latin typeface="Times New Roman" panose="02020603050405020304" pitchFamily="18" charset="0"/>
-                <a:cs typeface="Times New Roman" panose="02020603050405020304" pitchFamily="18" charset="0"/>
-              </a:rPr>
-              <a:t>різних</a:t>
-            </a:r>
-            <a:r>
-              <a:rPr lang="ru-RU" sz="2400" b="1" dirty="0" smtClean="0">
-                <a:latin typeface="Times New Roman" panose="02020603050405020304" pitchFamily="18" charset="0"/>
-                <a:cs typeface="Times New Roman" panose="02020603050405020304" pitchFamily="18" charset="0"/>
-              </a:rPr>
-              <a:t> </a:t>
-            </a:r>
-            <a:r>
-              <a:rPr lang="ru-RU" sz="2400" b="1" dirty="0" err="1" smtClean="0">
-                <a:latin typeface="Times New Roman" panose="02020603050405020304" pitchFamily="18" charset="0"/>
-                <a:cs typeface="Times New Roman" panose="02020603050405020304" pitchFamily="18" charset="0"/>
-              </a:rPr>
-              <a:t>архітектурах</a:t>
-            </a:r>
-            <a:endParaRPr lang="ru-RU" sz="2400" b="1" dirty="0">
-              <a:latin typeface="Times New Roman" panose="02020603050405020304" pitchFamily="18" charset="0"/>
-              <a:cs typeface="Times New Roman" panose="02020603050405020304" pitchFamily="18" charset="0"/>
-            </a:endParaRPr>
-          </a:p>
-        </p:txBody>
-      </p:sp>
       <p:pic>
         <p:nvPicPr>
           <p:cNvPr id="4" name="Рисунок 3"/>
@@ -10141,384 +8685,202 @@
           </a:effectLst>
         </p:spPr>
       </p:pic>
-    </p:spTree>
-  </p:cSld>
-  <p:clrMapOvr>
-    <a:masterClrMapping/>
-  </p:clrMapOvr>
-</p:sld>
-</file>
-
-<file path=ppt/slides/slide16.xml><?xml version="1.0" encoding="utf-8"?>
-<p:sld xmlns:a="http://schemas.openxmlformats.org/drawingml/2006/main" xmlns:r="http://schemas.openxmlformats.org/officeDocument/2006/relationships" xmlns:p="http://schemas.openxmlformats.org/presentationml/2006/main">
-  <p:cSld>
-    <p:spTree>
-      <p:nvGrpSpPr>
-        <p:cNvPr id="1" name=""/>
-        <p:cNvGrpSpPr/>
-        <p:nvPr/>
-      </p:nvGrpSpPr>
-      <p:grpSpPr>
-        <a:xfrm>
-          <a:off x="0" y="0"/>
-          <a:ext cx="0" cy="0"/>
-          <a:chOff x="0" y="0"/>
-          <a:chExt cx="0" cy="0"/>
-        </a:xfrm>
-      </p:grpSpPr>
+      <p:sp>
+        <p:nvSpPr>
+          <p:cNvPr id="5" name="Rectangle 2"/>
+          <p:cNvSpPr>
+            <a:spLocks noChangeArrowheads="1"/>
+          </p:cNvSpPr>
+          <p:nvPr/>
+        </p:nvSpPr>
+        <p:spPr bwMode="auto">
+          <a:xfrm>
+            <a:off x="1732975" y="1690688"/>
+            <a:ext cx="18302844" cy="0"/>
+          </a:xfrm>
+          <a:prstGeom prst="rect">
+            <a:avLst/>
+          </a:prstGeom>
+          <a:noFill/>
+          <a:ln>
+            <a:noFill/>
+          </a:ln>
+          <a:effectLst/>
+          <a:extLst>
+            <a:ext uri="{909E8E84-426E-40DD-AFC4-6F175D3DCCD1}">
+              <a14:hiddenFill xmlns:a14="http://schemas.microsoft.com/office/drawing/2010/main">
+                <a:solidFill>
+                  <a:schemeClr val="accent1"/>
+                </a:solidFill>
+              </a14:hiddenFill>
+            </a:ext>
+            <a:ext uri="{91240B29-F687-4F45-9708-019B960494DF}">
+              <a14:hiddenLine xmlns:a14="http://schemas.microsoft.com/office/drawing/2010/main" w="9525">
+                <a:solidFill>
+                  <a:schemeClr val="tx1"/>
+                </a:solidFill>
+                <a:miter lim="800000"/>
+                <a:headEnd/>
+                <a:tailEnd/>
+              </a14:hiddenLine>
+            </a:ext>
+            <a:ext uri="{AF507438-7753-43E0-B8FC-AC1667EBCBE1}">
+              <a14:hiddenEffects xmlns:a14="http://schemas.microsoft.com/office/drawing/2010/main">
+                <a:effectLst>
+                  <a:outerShdw dist="35921" dir="2700000" algn="ctr" rotWithShape="0">
+                    <a:schemeClr val="bg2"/>
+                  </a:outerShdw>
+                </a:effectLst>
+              </a14:hiddenEffects>
+            </a:ext>
+          </a:extLst>
+        </p:spPr>
+        <p:txBody>
+          <a:bodyPr vert="horz" wrap="square" lIns="91440" tIns="45720" rIns="91440" bIns="45720" numCol="1" anchor="ctr" anchorCtr="0" compatLnSpc="1">
+            <a:prstTxWarp prst="textNoShape">
+              <a:avLst/>
+            </a:prstTxWarp>
+            <a:spAutoFit/>
+          </a:bodyPr>
+          <a:lstStyle/>
+          <a:p>
+            <a:endParaRPr lang="ru-RU"/>
+          </a:p>
+        </p:txBody>
+      </p:sp>
+      <p:sp>
+        <p:nvSpPr>
+          <p:cNvPr id="7" name="Rectangle 5"/>
+          <p:cNvSpPr>
+            <a:spLocks noChangeArrowheads="1"/>
+          </p:cNvSpPr>
+          <p:nvPr/>
+        </p:nvSpPr>
+        <p:spPr bwMode="auto">
+          <a:xfrm>
+            <a:off x="1488830" y="1690689"/>
+            <a:ext cx="16754305" cy="0"/>
+          </a:xfrm>
+          <a:prstGeom prst="rect">
+            <a:avLst/>
+          </a:prstGeom>
+          <a:noFill/>
+          <a:ln>
+            <a:noFill/>
+          </a:ln>
+          <a:effectLst/>
+          <a:extLst>
+            <a:ext uri="{909E8E84-426E-40DD-AFC4-6F175D3DCCD1}">
+              <a14:hiddenFill xmlns:a14="http://schemas.microsoft.com/office/drawing/2010/main">
+                <a:solidFill>
+                  <a:schemeClr val="accent1"/>
+                </a:solidFill>
+              </a14:hiddenFill>
+            </a:ext>
+            <a:ext uri="{91240B29-F687-4F45-9708-019B960494DF}">
+              <a14:hiddenLine xmlns:a14="http://schemas.microsoft.com/office/drawing/2010/main" w="9525">
+                <a:solidFill>
+                  <a:schemeClr val="tx1"/>
+                </a:solidFill>
+                <a:miter lim="800000"/>
+                <a:headEnd/>
+                <a:tailEnd/>
+              </a14:hiddenLine>
+            </a:ext>
+            <a:ext uri="{AF507438-7753-43E0-B8FC-AC1667EBCBE1}">
+              <a14:hiddenEffects xmlns:a14="http://schemas.microsoft.com/office/drawing/2010/main">
+                <a:effectLst>
+                  <a:outerShdw dist="35921" dir="2700000" algn="ctr" rotWithShape="0">
+                    <a:schemeClr val="bg2"/>
+                  </a:outerShdw>
+                </a:effectLst>
+              </a14:hiddenEffects>
+            </a:ext>
+          </a:extLst>
+        </p:spPr>
+        <p:txBody>
+          <a:bodyPr vert="horz" wrap="square" lIns="91440" tIns="45720" rIns="91440" bIns="45720" numCol="1" anchor="ctr" anchorCtr="0" compatLnSpc="1">
+            <a:prstTxWarp prst="textNoShape">
+              <a:avLst/>
+            </a:prstTxWarp>
+            <a:spAutoFit/>
+          </a:bodyPr>
+          <a:lstStyle/>
+          <a:p>
+            <a:endParaRPr lang="ru-RU"/>
+          </a:p>
+        </p:txBody>
+      </p:sp>
       <p:graphicFrame>
         <p:nvGraphicFramePr>
-          <p:cNvPr id="2" name="Диаграмма 1"/>
-          <p:cNvGraphicFramePr/>
-          <p:nvPr/>
+          <p:cNvPr id="8" name="Объект 7"/>
+          <p:cNvGraphicFramePr>
+            <a:graphicFrameLocks/>
+          </p:cNvGraphicFramePr>
+          <p:nvPr>
+            <p:extLst>
+              <p:ext uri="{D42A27DB-BD31-4B8C-83A1-F6EECF244321}">
+                <p14:modId xmlns:p14="http://schemas.microsoft.com/office/powerpoint/2010/main" val="1861054130"/>
+              </p:ext>
+            </p:extLst>
+          </p:nvPr>
         </p:nvGraphicFramePr>
         <p:xfrm>
-          <a:off x="1891322" y="1816947"/>
-          <a:ext cx="8209280" cy="3753860"/>
+          <a:off x="1488830" y="1690688"/>
+          <a:ext cx="8743005" cy="3516923"/>
         </p:xfrm>
         <a:graphic>
-          <a:graphicData uri="http://schemas.openxmlformats.org/drawingml/2006/chart">
-            <c:chart xmlns:c="http://schemas.openxmlformats.org/drawingml/2006/chart" xmlns:r="http://schemas.openxmlformats.org/officeDocument/2006/relationships" r:id="rId2"/>
+          <a:graphicData uri="http://schemas.openxmlformats.org/presentationml/2006/ole">
+            <mc:AlternateContent xmlns:mc="http://schemas.openxmlformats.org/markup-compatibility/2006">
+              <mc:Choice xmlns:v="urn:schemas-microsoft-com:vml" Requires="v">
+                <p:oleObj spid="_x0000_s3078" name="Диаграмма" r:id="rId4" imgW="5067210" imgH="2038502" progId="Excel.Chart.8">
+                  <p:embed/>
+                </p:oleObj>
+              </mc:Choice>
+              <mc:Fallback>
+                <p:oleObj name="Диаграмма" r:id="rId4" imgW="5067210" imgH="2038502" progId="Excel.Chart.8">
+                  <p:embed/>
+                  <p:pic>
+                    <p:nvPicPr>
+                      <p:cNvPr id="0" name="Object 4"/>
+                      <p:cNvPicPr>
+                        <a:picLocks noChangeArrowheads="1"/>
+                      </p:cNvPicPr>
+                      <p:nvPr/>
+                    </p:nvPicPr>
+                    <p:blipFill>
+                      <a:blip r:embed="rId5">
+                        <a:extLst>
+                          <a:ext uri="{28A0092B-C50C-407E-A947-70E740481C1C}">
+                            <a14:useLocalDpi xmlns:a14="http://schemas.microsoft.com/office/drawing/2010/main" val="0"/>
+                          </a:ext>
+                        </a:extLst>
+                      </a:blip>
+                      <a:srcRect/>
+                      <a:stretch>
+                        <a:fillRect/>
+                      </a:stretch>
+                    </p:blipFill>
+                    <p:spPr bwMode="auto">
+                      <a:xfrm>
+                        <a:off x="1488830" y="1690688"/>
+                        <a:ext cx="8743005" cy="3516923"/>
+                      </a:xfrm>
+                      <a:prstGeom prst="rect">
+                        <a:avLst/>
+                      </a:prstGeom>
+                      <a:noFill/>
+                    </p:spPr>
+                  </p:pic>
+                </p:oleObj>
+              </mc:Fallback>
+            </mc:AlternateContent>
           </a:graphicData>
         </a:graphic>
       </p:graphicFrame>
       <p:sp>
         <p:nvSpPr>
-          <p:cNvPr id="3" name="Заголовок 2"/>
-          <p:cNvSpPr>
-            <a:spLocks noGrp="1"/>
-          </p:cNvSpPr>
-          <p:nvPr>
-            <p:ph type="title"/>
-          </p:nvPr>
-        </p:nvSpPr>
-        <p:spPr/>
-        <p:txBody>
-          <a:bodyPr>
-            <a:normAutofit/>
-          </a:bodyPr>
-          <a:lstStyle/>
-          <a:p>
-            <a:pPr algn="ctr"/>
-            <a:r>
-              <a:rPr lang="uk-UA" sz="2400" b="1" dirty="0" smtClean="0">
-                <a:latin typeface="Times New Roman" panose="02020603050405020304" pitchFamily="18" charset="0"/>
-                <a:cs typeface="Times New Roman" panose="02020603050405020304" pitchFamily="18" charset="0"/>
-              </a:rPr>
-              <a:t>Прискорення отримані для методу </a:t>
-            </a:r>
-            <a:r>
-              <a:rPr lang="uk-UA" sz="2400" b="1" dirty="0" err="1" smtClean="0">
-                <a:latin typeface="Times New Roman" panose="02020603050405020304" pitchFamily="18" charset="0"/>
-                <a:cs typeface="Times New Roman" panose="02020603050405020304" pitchFamily="18" charset="0"/>
-              </a:rPr>
-              <a:t>Річардсона</a:t>
-            </a:r>
-            <a:endParaRPr lang="ru-RU" sz="2400" b="1" dirty="0">
-              <a:latin typeface="Times New Roman" panose="02020603050405020304" pitchFamily="18" charset="0"/>
-              <a:cs typeface="Times New Roman" panose="02020603050405020304" pitchFamily="18" charset="0"/>
-            </a:endParaRPr>
-          </a:p>
-        </p:txBody>
-      </p:sp>
-      <p:pic>
-        <p:nvPicPr>
-          <p:cNvPr id="4" name="Рисунок 3"/>
-          <p:cNvPicPr/>
-          <p:nvPr/>
-        </p:nvPicPr>
-        <p:blipFill>
-          <a:blip r:embed="rId3" cstate="print">
-            <a:extLst>
-              <a:ext uri="{28A0092B-C50C-407E-A947-70E740481C1C}">
-                <a14:useLocalDpi xmlns:a14="http://schemas.microsoft.com/office/drawing/2010/main" val="0"/>
-              </a:ext>
-            </a:extLst>
-          </a:blip>
-          <a:stretch>
-            <a:fillRect/>
-          </a:stretch>
-        </p:blipFill>
-        <p:spPr>
-          <a:xfrm rot="10800000">
-            <a:off x="6072553" y="3868767"/>
-            <a:ext cx="6119447" cy="3985541"/>
-          </a:xfrm>
-          <a:prstGeom prst="rect">
-            <a:avLst/>
-          </a:prstGeom>
-          <a:ln>
-            <a:noFill/>
-          </a:ln>
-          <a:effectLst>
-            <a:softEdge rad="112500"/>
-          </a:effectLst>
-        </p:spPr>
-      </p:pic>
-    </p:spTree>
-  </p:cSld>
-  <p:clrMapOvr>
-    <a:masterClrMapping/>
-  </p:clrMapOvr>
-</p:sld>
-</file>
-
-<file path=ppt/slides/slide17.xml><?xml version="1.0" encoding="utf-8"?>
-<p:sld xmlns:a="http://schemas.openxmlformats.org/drawingml/2006/main" xmlns:r="http://schemas.openxmlformats.org/officeDocument/2006/relationships" xmlns:p="http://schemas.openxmlformats.org/presentationml/2006/main">
-  <p:cSld>
-    <p:spTree>
-      <p:nvGrpSpPr>
-        <p:cNvPr id="1" name=""/>
-        <p:cNvGrpSpPr/>
-        <p:nvPr/>
-      </p:nvGrpSpPr>
-      <p:grpSpPr>
-        <a:xfrm>
-          <a:off x="0" y="0"/>
-          <a:ext cx="0" cy="0"/>
-          <a:chOff x="0" y="0"/>
-          <a:chExt cx="0" cy="0"/>
-        </a:xfrm>
-      </p:grpSpPr>
-      <p:graphicFrame>
-        <p:nvGraphicFramePr>
-          <p:cNvPr id="2" name="Диаграмма 1"/>
-          <p:cNvGraphicFramePr/>
-          <p:nvPr>
-            <p:extLst>
-              <p:ext uri="{D42A27DB-BD31-4B8C-83A1-F6EECF244321}">
-                <p14:modId xmlns:p14="http://schemas.microsoft.com/office/powerpoint/2010/main" val="3265241327"/>
-              </p:ext>
-            </p:extLst>
-          </p:nvPr>
-        </p:nvGraphicFramePr>
-        <p:xfrm>
-          <a:off x="1230924" y="1197331"/>
-          <a:ext cx="8432042" cy="3860922"/>
-        </p:xfrm>
-        <a:graphic>
-          <a:graphicData uri="http://schemas.openxmlformats.org/drawingml/2006/chart">
-            <c:chart xmlns:c="http://schemas.openxmlformats.org/drawingml/2006/chart" xmlns:r="http://schemas.openxmlformats.org/officeDocument/2006/relationships" r:id="rId2"/>
-          </a:graphicData>
-        </a:graphic>
-      </p:graphicFrame>
-      <p:sp>
-        <p:nvSpPr>
-          <p:cNvPr id="3" name="Прямоугольник 2"/>
-          <p:cNvSpPr/>
-          <p:nvPr/>
-        </p:nvSpPr>
-        <p:spPr>
-          <a:xfrm>
-            <a:off x="1137138" y="90825"/>
-            <a:ext cx="9527995" cy="461665"/>
-          </a:xfrm>
-          <a:prstGeom prst="rect">
-            <a:avLst/>
-          </a:prstGeom>
-        </p:spPr>
-        <p:txBody>
-          <a:bodyPr wrap="square">
-            <a:spAutoFit/>
-          </a:bodyPr>
-          <a:lstStyle/>
-          <a:p>
-            <a:pPr algn="ctr"/>
-            <a:r>
-              <a:rPr lang="ru-RU" sz="2400" b="1" dirty="0" err="1">
-                <a:latin typeface="Times New Roman" panose="02020603050405020304" pitchFamily="18" charset="0"/>
-                <a:cs typeface="Times New Roman" panose="02020603050405020304" pitchFamily="18" charset="0"/>
-              </a:rPr>
-              <a:t>Часи</a:t>
-            </a:r>
-            <a:r>
-              <a:rPr lang="ru-RU" sz="2400" b="1" dirty="0">
-                <a:latin typeface="Times New Roman" panose="02020603050405020304" pitchFamily="18" charset="0"/>
-                <a:cs typeface="Times New Roman" panose="02020603050405020304" pitchFamily="18" charset="0"/>
-              </a:rPr>
-              <a:t> </a:t>
-            </a:r>
-            <a:r>
-              <a:rPr lang="ru-RU" sz="2400" b="1" dirty="0" err="1">
-                <a:latin typeface="Times New Roman" panose="02020603050405020304" pitchFamily="18" charset="0"/>
-                <a:cs typeface="Times New Roman" panose="02020603050405020304" pitchFamily="18" charset="0"/>
-              </a:rPr>
-              <a:t>виконання</a:t>
-            </a:r>
-            <a:r>
-              <a:rPr lang="ru-RU" sz="2400" b="1" dirty="0">
-                <a:latin typeface="Times New Roman" panose="02020603050405020304" pitchFamily="18" charset="0"/>
-                <a:cs typeface="Times New Roman" panose="02020603050405020304" pitchFamily="18" charset="0"/>
-              </a:rPr>
-              <a:t> методу Р</a:t>
-            </a:r>
-            <a:r>
-              <a:rPr lang="uk-UA" sz="2400" b="1" dirty="0">
-                <a:latin typeface="Times New Roman" panose="02020603050405020304" pitchFamily="18" charset="0"/>
-                <a:cs typeface="Times New Roman" panose="02020603050405020304" pitchFamily="18" charset="0"/>
-              </a:rPr>
-              <a:t>і</a:t>
-            </a:r>
-            <a:r>
-              <a:rPr lang="ru-RU" sz="2400" b="1" dirty="0" err="1">
-                <a:latin typeface="Times New Roman" panose="02020603050405020304" pitchFamily="18" charset="0"/>
-                <a:cs typeface="Times New Roman" panose="02020603050405020304" pitchFamily="18" charset="0"/>
-              </a:rPr>
-              <a:t>чардсона</a:t>
-            </a:r>
-            <a:r>
-              <a:rPr lang="ru-RU" sz="2400" b="1" dirty="0">
-                <a:latin typeface="Times New Roman" panose="02020603050405020304" pitchFamily="18" charset="0"/>
-                <a:cs typeface="Times New Roman" panose="02020603050405020304" pitchFamily="18" charset="0"/>
-              </a:rPr>
-              <a:t> на </a:t>
-            </a:r>
-            <a:r>
-              <a:rPr lang="ru-RU" sz="2400" b="1" dirty="0" err="1">
-                <a:latin typeface="Times New Roman" panose="02020603050405020304" pitchFamily="18" charset="0"/>
-                <a:cs typeface="Times New Roman" panose="02020603050405020304" pitchFamily="18" charset="0"/>
-              </a:rPr>
-              <a:t>різних</a:t>
-            </a:r>
-            <a:r>
-              <a:rPr lang="ru-RU" sz="2400" b="1" dirty="0">
-                <a:latin typeface="Times New Roman" panose="02020603050405020304" pitchFamily="18" charset="0"/>
-                <a:cs typeface="Times New Roman" panose="02020603050405020304" pitchFamily="18" charset="0"/>
-              </a:rPr>
-              <a:t> </a:t>
-            </a:r>
-            <a:r>
-              <a:rPr lang="ru-RU" sz="2400" b="1" dirty="0" err="1">
-                <a:latin typeface="Times New Roman" panose="02020603050405020304" pitchFamily="18" charset="0"/>
-                <a:cs typeface="Times New Roman" panose="02020603050405020304" pitchFamily="18" charset="0"/>
-              </a:rPr>
-              <a:t>архітектурах</a:t>
-            </a:r>
-            <a:endParaRPr lang="ru-RU" sz="2400" b="1" dirty="0">
-              <a:latin typeface="Times New Roman" panose="02020603050405020304" pitchFamily="18" charset="0"/>
-              <a:cs typeface="Times New Roman" panose="02020603050405020304" pitchFamily="18" charset="0"/>
-            </a:endParaRPr>
-          </a:p>
-        </p:txBody>
-      </p:sp>
-      <p:pic>
-        <p:nvPicPr>
-          <p:cNvPr id="4" name="Рисунок 3"/>
-          <p:cNvPicPr/>
-          <p:nvPr/>
-        </p:nvPicPr>
-        <p:blipFill>
-          <a:blip r:embed="rId3" cstate="print">
-            <a:extLst>
-              <a:ext uri="{28A0092B-C50C-407E-A947-70E740481C1C}">
-                <a14:useLocalDpi xmlns:a14="http://schemas.microsoft.com/office/drawing/2010/main" val="0"/>
-              </a:ext>
-            </a:extLst>
-          </a:blip>
-          <a:stretch>
-            <a:fillRect/>
-          </a:stretch>
-        </p:blipFill>
-        <p:spPr>
-          <a:xfrm>
-            <a:off x="0" y="3880489"/>
-            <a:ext cx="6119447" cy="3985541"/>
-          </a:xfrm>
-          <a:prstGeom prst="rect">
-            <a:avLst/>
-          </a:prstGeom>
-          <a:ln>
-            <a:noFill/>
-          </a:ln>
-          <a:effectLst>
-            <a:softEdge rad="112500"/>
-          </a:effectLst>
-        </p:spPr>
-      </p:pic>
-    </p:spTree>
-  </p:cSld>
-  <p:clrMapOvr>
-    <a:masterClrMapping/>
-  </p:clrMapOvr>
-</p:sld>
-</file>
-
-<file path=ppt/slides/slide18.xml><?xml version="1.0" encoding="utf-8"?>
-<p:sld xmlns:a="http://schemas.openxmlformats.org/drawingml/2006/main" xmlns:r="http://schemas.openxmlformats.org/officeDocument/2006/relationships" xmlns:p="http://schemas.openxmlformats.org/presentationml/2006/main">
-  <p:cSld>
-    <p:spTree>
-      <p:nvGrpSpPr>
-        <p:cNvPr id="1" name=""/>
-        <p:cNvGrpSpPr/>
-        <p:nvPr/>
-      </p:nvGrpSpPr>
-      <p:grpSpPr>
-        <a:xfrm>
-          <a:off x="0" y="0"/>
-          <a:ext cx="0" cy="0"/>
-          <a:chOff x="0" y="0"/>
-          <a:chExt cx="0" cy="0"/>
-        </a:xfrm>
-      </p:grpSpPr>
-      <p:pic>
-        <p:nvPicPr>
-          <p:cNvPr id="2" name="Рисунок 1"/>
-          <p:cNvPicPr/>
-          <p:nvPr/>
-        </p:nvPicPr>
-        <p:blipFill>
-          <a:blip r:embed="rId2" cstate="print">
-            <a:extLst>
-              <a:ext uri="{28A0092B-C50C-407E-A947-70E740481C1C}">
-                <a14:useLocalDpi xmlns:a14="http://schemas.microsoft.com/office/drawing/2010/main" val="0"/>
-              </a:ext>
-            </a:extLst>
-          </a:blip>
-          <a:stretch>
-            <a:fillRect/>
-          </a:stretch>
-        </p:blipFill>
-        <p:spPr>
-          <a:xfrm rot="10800000">
-            <a:off x="6072553" y="3868767"/>
-            <a:ext cx="6119447" cy="3985541"/>
-          </a:xfrm>
-          <a:prstGeom prst="rect">
-            <a:avLst/>
-          </a:prstGeom>
-          <a:ln>
-            <a:noFill/>
-          </a:ln>
-          <a:effectLst>
-            <a:softEdge rad="112500"/>
-          </a:effectLst>
-        </p:spPr>
-      </p:pic>
-      <p:graphicFrame>
-        <p:nvGraphicFramePr>
-          <p:cNvPr id="3" name="Диаграмма 2"/>
-          <p:cNvGraphicFramePr/>
-          <p:nvPr>
-            <p:extLst>
-              <p:ext uri="{D42A27DB-BD31-4B8C-83A1-F6EECF244321}">
-                <p14:modId xmlns:p14="http://schemas.microsoft.com/office/powerpoint/2010/main" val="1357647339"/>
-              </p:ext>
-            </p:extLst>
-          </p:nvPr>
-        </p:nvGraphicFramePr>
-        <p:xfrm>
-          <a:off x="2391448" y="1804866"/>
-          <a:ext cx="7362208" cy="3365012"/>
-        </p:xfrm>
-        <a:graphic>
-          <a:graphicData uri="http://schemas.openxmlformats.org/drawingml/2006/chart">
-            <c:chart xmlns:c="http://schemas.openxmlformats.org/drawingml/2006/chart" xmlns:r="http://schemas.openxmlformats.org/officeDocument/2006/relationships" r:id="rId3"/>
-          </a:graphicData>
-        </a:graphic>
-      </p:graphicFrame>
-      <p:sp>
-        <p:nvSpPr>
-          <p:cNvPr id="4" name="Заголовок 2"/>
+          <p:cNvPr id="9" name="Заголовок 2"/>
           <p:cNvSpPr txBox="1">
             <a:spLocks/>
           </p:cNvSpPr>
@@ -10559,11 +8921,74 @@
           <a:p>
             <a:pPr algn="ctr"/>
             <a:r>
-              <a:rPr lang="uk-UA" sz="2400" b="1" dirty="0" smtClean="0">
-                <a:latin typeface="Times New Roman" panose="02020603050405020304" pitchFamily="18" charset="0"/>
-                <a:cs typeface="Times New Roman" panose="02020603050405020304" pitchFamily="18" charset="0"/>
-              </a:rPr>
-              <a:t>Прискорення отримані для методу Релаксацій</a:t>
+              <a:rPr lang="ru-RU" sz="2400" b="1" dirty="0" err="1">
+                <a:latin typeface="Times New Roman" panose="02020603050405020304" pitchFamily="18" charset="0"/>
+                <a:cs typeface="Times New Roman" panose="02020603050405020304" pitchFamily="18" charset="0"/>
+              </a:rPr>
+              <a:t>Часи</a:t>
+            </a:r>
+            <a:r>
+              <a:rPr lang="ru-RU" sz="2400" b="1" dirty="0">
+                <a:latin typeface="Times New Roman" panose="02020603050405020304" pitchFamily="18" charset="0"/>
+                <a:cs typeface="Times New Roman" panose="02020603050405020304" pitchFamily="18" charset="0"/>
+              </a:rPr>
+              <a:t> </a:t>
+            </a:r>
+            <a:r>
+              <a:rPr lang="ru-RU" sz="2400" b="1" dirty="0" err="1">
+                <a:latin typeface="Times New Roman" panose="02020603050405020304" pitchFamily="18" charset="0"/>
+                <a:cs typeface="Times New Roman" panose="02020603050405020304" pitchFamily="18" charset="0"/>
+              </a:rPr>
+              <a:t>виконання</a:t>
+            </a:r>
+            <a:r>
+              <a:rPr lang="ru-RU" sz="2400" b="1" dirty="0">
+                <a:latin typeface="Times New Roman" panose="02020603050405020304" pitchFamily="18" charset="0"/>
+                <a:cs typeface="Times New Roman" panose="02020603050405020304" pitchFamily="18" charset="0"/>
+              </a:rPr>
+              <a:t> методу Р</a:t>
+            </a:r>
+            <a:r>
+              <a:rPr lang="uk-UA" sz="2400" b="1" dirty="0">
+                <a:latin typeface="Times New Roman" panose="02020603050405020304" pitchFamily="18" charset="0"/>
+                <a:cs typeface="Times New Roman" panose="02020603050405020304" pitchFamily="18" charset="0"/>
+              </a:rPr>
+              <a:t>і</a:t>
+            </a:r>
+            <a:r>
+              <a:rPr lang="ru-RU" sz="2400" b="1" dirty="0" err="1">
+                <a:latin typeface="Times New Roman" panose="02020603050405020304" pitchFamily="18" charset="0"/>
+                <a:cs typeface="Times New Roman" panose="02020603050405020304" pitchFamily="18" charset="0"/>
+              </a:rPr>
+              <a:t>чардсона</a:t>
+            </a:r>
+            <a:r>
+              <a:rPr lang="ru-RU" sz="2400" b="1" dirty="0">
+                <a:latin typeface="Times New Roman" panose="02020603050405020304" pitchFamily="18" charset="0"/>
+                <a:cs typeface="Times New Roman" panose="02020603050405020304" pitchFamily="18" charset="0"/>
+              </a:rPr>
+              <a:t> на </a:t>
+            </a:r>
+            <a:r>
+              <a:rPr lang="ru-RU" sz="2400" b="1" dirty="0" err="1">
+                <a:latin typeface="Times New Roman" panose="02020603050405020304" pitchFamily="18" charset="0"/>
+                <a:cs typeface="Times New Roman" panose="02020603050405020304" pitchFamily="18" charset="0"/>
+              </a:rPr>
+              <a:t>різних</a:t>
+            </a:r>
+            <a:r>
+              <a:rPr lang="ru-RU" sz="2400" b="1" dirty="0">
+                <a:latin typeface="Times New Roman" panose="02020603050405020304" pitchFamily="18" charset="0"/>
+                <a:cs typeface="Times New Roman" panose="02020603050405020304" pitchFamily="18" charset="0"/>
+              </a:rPr>
+              <a:t> </a:t>
+            </a:r>
+            <a:r>
+              <a:rPr lang="ru-RU" sz="2400" b="1" dirty="0" err="1">
+                <a:latin typeface="Times New Roman" panose="02020603050405020304" pitchFamily="18" charset="0"/>
+                <a:cs typeface="Times New Roman" panose="02020603050405020304" pitchFamily="18" charset="0"/>
+              </a:rPr>
+              <a:t>архітектурах</a:t>
             </a:r>
             <a:endParaRPr lang="ru-RU" sz="2400" b="1" dirty="0">
               <a:latin typeface="Times New Roman" panose="02020603050405020304" pitchFamily="18" charset="0"/>
@@ -10580,7 +9005,385 @@
 </p:sld>
 </file>
 
-<file path=ppt/slides/slide19.xml><?xml version="1.0" encoding="utf-8"?>
+<file path=ppt/slides/slide16.xml><?xml version="1.0" encoding="utf-8"?>
+<p:sld xmlns:a="http://schemas.openxmlformats.org/drawingml/2006/main" xmlns:r="http://schemas.openxmlformats.org/officeDocument/2006/relationships" xmlns:p="http://schemas.openxmlformats.org/presentationml/2006/main">
+  <p:cSld>
+    <p:spTree>
+      <p:nvGrpSpPr>
+        <p:cNvPr id="1" name=""/>
+        <p:cNvGrpSpPr/>
+        <p:nvPr/>
+      </p:nvGrpSpPr>
+      <p:grpSpPr>
+        <a:xfrm>
+          <a:off x="0" y="0"/>
+          <a:ext cx="0" cy="0"/>
+          <a:chOff x="0" y="0"/>
+          <a:chExt cx="0" cy="0"/>
+        </a:xfrm>
+      </p:grpSpPr>
+      <p:pic>
+        <p:nvPicPr>
+          <p:cNvPr id="4" name="Рисунок 3"/>
+          <p:cNvPicPr/>
+          <p:nvPr/>
+        </p:nvPicPr>
+        <p:blipFill>
+          <a:blip r:embed="rId3" cstate="print">
+            <a:extLst>
+              <a:ext uri="{28A0092B-C50C-407E-A947-70E740481C1C}">
+                <a14:useLocalDpi xmlns:a14="http://schemas.microsoft.com/office/drawing/2010/main" val="0"/>
+              </a:ext>
+            </a:extLst>
+          </a:blip>
+          <a:stretch>
+            <a:fillRect/>
+          </a:stretch>
+        </p:blipFill>
+        <p:spPr>
+          <a:xfrm rot="10800000">
+            <a:off x="6072553" y="3798427"/>
+            <a:ext cx="6119447" cy="3985541"/>
+          </a:xfrm>
+          <a:prstGeom prst="rect">
+            <a:avLst/>
+          </a:prstGeom>
+          <a:ln>
+            <a:noFill/>
+          </a:ln>
+          <a:effectLst>
+            <a:softEdge rad="112500"/>
+          </a:effectLst>
+        </p:spPr>
+      </p:pic>
+      <p:sp>
+        <p:nvSpPr>
+          <p:cNvPr id="5" name="Rectangle 2"/>
+          <p:cNvSpPr>
+            <a:spLocks noChangeArrowheads="1"/>
+          </p:cNvSpPr>
+          <p:nvPr/>
+        </p:nvSpPr>
+        <p:spPr bwMode="auto">
+          <a:xfrm>
+            <a:off x="1594338" y="1441938"/>
+            <a:ext cx="19284684" cy="0"/>
+          </a:xfrm>
+          <a:prstGeom prst="rect">
+            <a:avLst/>
+          </a:prstGeom>
+          <a:noFill/>
+          <a:ln>
+            <a:noFill/>
+          </a:ln>
+          <a:effectLst/>
+          <a:extLst>
+            <a:ext uri="{909E8E84-426E-40DD-AFC4-6F175D3DCCD1}">
+              <a14:hiddenFill xmlns:a14="http://schemas.microsoft.com/office/drawing/2010/main">
+                <a:solidFill>
+                  <a:schemeClr val="accent1"/>
+                </a:solidFill>
+              </a14:hiddenFill>
+            </a:ext>
+            <a:ext uri="{91240B29-F687-4F45-9708-019B960494DF}">
+              <a14:hiddenLine xmlns:a14="http://schemas.microsoft.com/office/drawing/2010/main" w="9525">
+                <a:solidFill>
+                  <a:schemeClr val="tx1"/>
+                </a:solidFill>
+                <a:miter lim="800000"/>
+                <a:headEnd/>
+                <a:tailEnd/>
+              </a14:hiddenLine>
+            </a:ext>
+            <a:ext uri="{AF507438-7753-43E0-B8FC-AC1667EBCBE1}">
+              <a14:hiddenEffects xmlns:a14="http://schemas.microsoft.com/office/drawing/2010/main">
+                <a:effectLst>
+                  <a:outerShdw dist="35921" dir="2700000" algn="ctr" rotWithShape="0">
+                    <a:schemeClr val="bg2"/>
+                  </a:outerShdw>
+                </a:effectLst>
+              </a14:hiddenEffects>
+            </a:ext>
+          </a:extLst>
+        </p:spPr>
+        <p:txBody>
+          <a:bodyPr vert="horz" wrap="square" lIns="91440" tIns="45720" rIns="91440" bIns="45720" numCol="1" anchor="ctr" anchorCtr="0" compatLnSpc="1">
+            <a:prstTxWarp prst="textNoShape">
+              <a:avLst/>
+            </a:prstTxWarp>
+            <a:spAutoFit/>
+          </a:bodyPr>
+          <a:lstStyle/>
+          <a:p>
+            <a:endParaRPr lang="ru-RU"/>
+          </a:p>
+        </p:txBody>
+      </p:sp>
+      <p:sp>
+        <p:nvSpPr>
+          <p:cNvPr id="9" name="Rectangle 8"/>
+          <p:cNvSpPr>
+            <a:spLocks noChangeArrowheads="1"/>
+          </p:cNvSpPr>
+          <p:nvPr/>
+        </p:nvSpPr>
+        <p:spPr bwMode="auto">
+          <a:xfrm>
+            <a:off x="1594339" y="1441938"/>
+            <a:ext cx="17092776" cy="0"/>
+          </a:xfrm>
+          <a:prstGeom prst="rect">
+            <a:avLst/>
+          </a:prstGeom>
+          <a:noFill/>
+          <a:ln>
+            <a:noFill/>
+          </a:ln>
+          <a:effectLst/>
+          <a:extLst>
+            <a:ext uri="{909E8E84-426E-40DD-AFC4-6F175D3DCCD1}">
+              <a14:hiddenFill xmlns:a14="http://schemas.microsoft.com/office/drawing/2010/main">
+                <a:solidFill>
+                  <a:schemeClr val="accent1"/>
+                </a:solidFill>
+              </a14:hiddenFill>
+            </a:ext>
+            <a:ext uri="{91240B29-F687-4F45-9708-019B960494DF}">
+              <a14:hiddenLine xmlns:a14="http://schemas.microsoft.com/office/drawing/2010/main" w="9525">
+                <a:solidFill>
+                  <a:schemeClr val="tx1"/>
+                </a:solidFill>
+                <a:miter lim="800000"/>
+                <a:headEnd/>
+                <a:tailEnd/>
+              </a14:hiddenLine>
+            </a:ext>
+            <a:ext uri="{AF507438-7753-43E0-B8FC-AC1667EBCBE1}">
+              <a14:hiddenEffects xmlns:a14="http://schemas.microsoft.com/office/drawing/2010/main">
+                <a:effectLst>
+                  <a:outerShdw dist="35921" dir="2700000" algn="ctr" rotWithShape="0">
+                    <a:schemeClr val="bg2"/>
+                  </a:outerShdw>
+                </a:effectLst>
+              </a14:hiddenEffects>
+            </a:ext>
+          </a:extLst>
+        </p:spPr>
+        <p:txBody>
+          <a:bodyPr vert="horz" wrap="square" lIns="91440" tIns="45720" rIns="91440" bIns="45720" numCol="1" anchor="ctr" anchorCtr="0" compatLnSpc="1">
+            <a:prstTxWarp prst="textNoShape">
+              <a:avLst/>
+            </a:prstTxWarp>
+            <a:spAutoFit/>
+          </a:bodyPr>
+          <a:lstStyle/>
+          <a:p>
+            <a:endParaRPr lang="ru-RU"/>
+          </a:p>
+        </p:txBody>
+      </p:sp>
+      <p:graphicFrame>
+        <p:nvGraphicFramePr>
+          <p:cNvPr id="10" name="Объект 9"/>
+          <p:cNvGraphicFramePr>
+            <a:graphicFrameLocks/>
+          </p:cNvGraphicFramePr>
+          <p:nvPr>
+            <p:extLst>
+              <p:ext uri="{D42A27DB-BD31-4B8C-83A1-F6EECF244321}">
+                <p14:modId xmlns:p14="http://schemas.microsoft.com/office/powerpoint/2010/main" val="471745728"/>
+              </p:ext>
+            </p:extLst>
+          </p:nvPr>
+        </p:nvGraphicFramePr>
+        <p:xfrm>
+          <a:off x="1594338" y="1441938"/>
+          <a:ext cx="7557385" cy="3622431"/>
+        </p:xfrm>
+        <a:graphic>
+          <a:graphicData uri="http://schemas.openxmlformats.org/presentationml/2006/ole">
+            <mc:AlternateContent xmlns:mc="http://schemas.openxmlformats.org/markup-compatibility/2006">
+              <mc:Choice xmlns:v="urn:schemas-microsoft-com:vml" Requires="v">
+                <p:oleObj spid="_x0000_s5129" name="Диаграмма" r:id="rId4" imgW="5057887" imgH="2438400" progId="Excel.Chart.8">
+                  <p:embed/>
+                </p:oleObj>
+              </mc:Choice>
+              <mc:Fallback>
+                <p:oleObj name="Диаграмма" r:id="rId4" imgW="5057887" imgH="2438400" progId="Excel.Chart.8">
+                  <p:embed/>
+                  <p:pic>
+                    <p:nvPicPr>
+                      <p:cNvPr id="0" name="Object 7"/>
+                      <p:cNvPicPr>
+                        <a:picLocks noChangeArrowheads="1"/>
+                      </p:cNvPicPr>
+                      <p:nvPr/>
+                    </p:nvPicPr>
+                    <p:blipFill>
+                      <a:blip r:embed="rId5">
+                        <a:extLst>
+                          <a:ext uri="{28A0092B-C50C-407E-A947-70E740481C1C}">
+                            <a14:useLocalDpi xmlns:a14="http://schemas.microsoft.com/office/drawing/2010/main" val="0"/>
+                          </a:ext>
+                        </a:extLst>
+                      </a:blip>
+                      <a:srcRect/>
+                      <a:stretch>
+                        <a:fillRect/>
+                      </a:stretch>
+                    </p:blipFill>
+                    <p:spPr bwMode="auto">
+                      <a:xfrm>
+                        <a:off x="1594338" y="1441938"/>
+                        <a:ext cx="7557385" cy="3622431"/>
+                      </a:xfrm>
+                      <a:prstGeom prst="rect">
+                        <a:avLst/>
+                      </a:prstGeom>
+                      <a:noFill/>
+                    </p:spPr>
+                  </p:pic>
+                </p:oleObj>
+              </mc:Fallback>
+            </mc:AlternateContent>
+          </a:graphicData>
+        </a:graphic>
+      </p:graphicFrame>
+      <p:sp>
+        <p:nvSpPr>
+          <p:cNvPr id="11" name="Заголовок 2"/>
+          <p:cNvSpPr txBox="1">
+            <a:spLocks/>
+          </p:cNvSpPr>
+          <p:nvPr/>
+        </p:nvSpPr>
+        <p:spPr>
+          <a:xfrm>
+            <a:off x="838200" y="365125"/>
+            <a:ext cx="10515600" cy="1325563"/>
+          </a:xfrm>
+          <a:prstGeom prst="rect">
+            <a:avLst/>
+          </a:prstGeom>
+        </p:spPr>
+        <p:txBody>
+          <a:bodyPr>
+            <a:normAutofit/>
+          </a:bodyPr>
+          <a:lstStyle>
+            <a:lvl1pPr algn="l" defTabSz="914400" rtl="0" eaLnBrk="1" latinLnBrk="0" hangingPunct="1">
+              <a:lnSpc>
+                <a:spcPct val="90000"/>
+              </a:lnSpc>
+              <a:spcBef>
+                <a:spcPct val="0"/>
+              </a:spcBef>
+              <a:buNone/>
+              <a:defRPr sz="4400" kern="1200">
+                <a:solidFill>
+                  <a:schemeClr val="tx1"/>
+                </a:solidFill>
+                <a:latin typeface="+mj-lt"/>
+                <a:ea typeface="+mj-ea"/>
+                <a:cs typeface="+mj-cs"/>
+              </a:defRPr>
+            </a:lvl1pPr>
+          </a:lstStyle>
+          <a:p>
+            <a:pPr algn="ctr"/>
+            <a:r>
+              <a:rPr lang="ru-RU" sz="2400" b="1" dirty="0" err="1">
+                <a:latin typeface="Times New Roman" panose="02020603050405020304" pitchFamily="18" charset="0"/>
+                <a:cs typeface="Times New Roman" panose="02020603050405020304" pitchFamily="18" charset="0"/>
+              </a:rPr>
+              <a:t>Часи</a:t>
+            </a:r>
+            <a:r>
+              <a:rPr lang="ru-RU" sz="2400" b="1" dirty="0">
+                <a:latin typeface="Times New Roman" panose="02020603050405020304" pitchFamily="18" charset="0"/>
+                <a:cs typeface="Times New Roman" panose="02020603050405020304" pitchFamily="18" charset="0"/>
+              </a:rPr>
+              <a:t> </a:t>
+            </a:r>
+            <a:r>
+              <a:rPr lang="ru-RU" sz="2400" b="1" dirty="0" err="1">
+                <a:latin typeface="Times New Roman" panose="02020603050405020304" pitchFamily="18" charset="0"/>
+                <a:cs typeface="Times New Roman" panose="02020603050405020304" pitchFamily="18" charset="0"/>
+              </a:rPr>
+              <a:t>виконання</a:t>
+            </a:r>
+            <a:r>
+              <a:rPr lang="ru-RU" sz="2400" b="1" dirty="0">
+                <a:latin typeface="Times New Roman" panose="02020603050405020304" pitchFamily="18" charset="0"/>
+                <a:cs typeface="Times New Roman" panose="02020603050405020304" pitchFamily="18" charset="0"/>
+              </a:rPr>
+              <a:t> методу </a:t>
+            </a:r>
+            <a:r>
+              <a:rPr lang="ru-RU" sz="2400" b="1" dirty="0" err="1">
+                <a:latin typeface="Times New Roman" panose="02020603050405020304" pitchFamily="18" charset="0"/>
+                <a:cs typeface="Times New Roman" panose="02020603050405020304" pitchFamily="18" charset="0"/>
+              </a:rPr>
+              <a:t>верхньої</a:t>
+            </a:r>
+            <a:r>
+              <a:rPr lang="ru-RU" sz="2400" b="1" dirty="0">
+                <a:latin typeface="Times New Roman" panose="02020603050405020304" pitchFamily="18" charset="0"/>
+                <a:cs typeface="Times New Roman" panose="02020603050405020304" pitchFamily="18" charset="0"/>
+              </a:rPr>
+              <a:t> </a:t>
+            </a:r>
+            <a:r>
+              <a:rPr lang="ru-RU" sz="2400" b="1" dirty="0" err="1">
+                <a:latin typeface="Times New Roman" panose="02020603050405020304" pitchFamily="18" charset="0"/>
+                <a:cs typeface="Times New Roman" panose="02020603050405020304" pitchFamily="18" charset="0"/>
+              </a:rPr>
+              <a:t>релаксації</a:t>
+            </a:r>
+            <a:r>
+              <a:rPr lang="ru-RU" sz="2400" b="1" dirty="0">
+                <a:latin typeface="Times New Roman" panose="02020603050405020304" pitchFamily="18" charset="0"/>
+                <a:cs typeface="Times New Roman" panose="02020603050405020304" pitchFamily="18" charset="0"/>
+              </a:rPr>
+              <a:t> на </a:t>
+            </a:r>
+            <a:r>
+              <a:rPr lang="ru-RU" sz="2400" b="1" dirty="0" err="1">
+                <a:latin typeface="Times New Roman" panose="02020603050405020304" pitchFamily="18" charset="0"/>
+                <a:cs typeface="Times New Roman" panose="02020603050405020304" pitchFamily="18" charset="0"/>
+              </a:rPr>
+              <a:t>різних</a:t>
+            </a:r>
+            <a:r>
+              <a:rPr lang="ru-RU" sz="2400" b="1" dirty="0">
+                <a:latin typeface="Times New Roman" panose="02020603050405020304" pitchFamily="18" charset="0"/>
+                <a:cs typeface="Times New Roman" panose="02020603050405020304" pitchFamily="18" charset="0"/>
+              </a:rPr>
+              <a:t> </a:t>
+            </a:r>
+            <a:r>
+              <a:rPr lang="ru-RU" sz="2400" b="1" dirty="0" err="1">
+                <a:latin typeface="Times New Roman" panose="02020603050405020304" pitchFamily="18" charset="0"/>
+                <a:cs typeface="Times New Roman" panose="02020603050405020304" pitchFamily="18" charset="0"/>
+              </a:rPr>
+              <a:t>архітектурах</a:t>
+            </a:r>
+            <a:endParaRPr lang="ru-RU" sz="2400" b="1" dirty="0">
+              <a:latin typeface="Times New Roman" panose="02020603050405020304" pitchFamily="18" charset="0"/>
+              <a:cs typeface="Times New Roman" panose="02020603050405020304" pitchFamily="18" charset="0"/>
+            </a:endParaRPr>
+          </a:p>
+        </p:txBody>
+      </p:sp>
+    </p:spTree>
+  </p:cSld>
+  <p:clrMapOvr>
+    <a:masterClrMapping/>
+  </p:clrMapOvr>
+</p:sld>
+</file>
+
+<file path=ppt/slides/slide17.xml><?xml version="1.0" encoding="utf-8"?>
 <p:sld xmlns:a="http://schemas.openxmlformats.org/drawingml/2006/main" xmlns:r="http://schemas.openxmlformats.org/officeDocument/2006/relationships" xmlns:p="http://schemas.openxmlformats.org/presentationml/2006/main">
   <p:cSld>
     <p:spTree>
@@ -10717,6 +9520,395 @@
 </p:sld>
 </file>
 
+<file path=ppt/slides/slide18.xml><?xml version="1.0" encoding="utf-8"?>
+<p:sld xmlns:a="http://schemas.openxmlformats.org/drawingml/2006/main" xmlns:r="http://schemas.openxmlformats.org/officeDocument/2006/relationships" xmlns:p="http://schemas.openxmlformats.org/presentationml/2006/main">
+  <p:cSld>
+    <p:spTree>
+      <p:nvGrpSpPr>
+        <p:cNvPr id="1" name=""/>
+        <p:cNvGrpSpPr/>
+        <p:nvPr/>
+      </p:nvGrpSpPr>
+      <p:grpSpPr>
+        <a:xfrm>
+          <a:off x="0" y="0"/>
+          <a:ext cx="0" cy="0"/>
+          <a:chOff x="0" y="0"/>
+          <a:chExt cx="0" cy="0"/>
+        </a:xfrm>
+      </p:grpSpPr>
+      <p:pic>
+        <p:nvPicPr>
+          <p:cNvPr id="4" name="Рисунок 3"/>
+          <p:cNvPicPr/>
+          <p:nvPr/>
+        </p:nvPicPr>
+        <p:blipFill>
+          <a:blip r:embed="rId3" cstate="print">
+            <a:extLst>
+              <a:ext uri="{28A0092B-C50C-407E-A947-70E740481C1C}">
+                <a14:useLocalDpi xmlns:a14="http://schemas.microsoft.com/office/drawing/2010/main" val="0"/>
+              </a:ext>
+            </a:extLst>
+          </a:blip>
+          <a:stretch>
+            <a:fillRect/>
+          </a:stretch>
+        </p:blipFill>
+        <p:spPr>
+          <a:xfrm rot="10800000">
+            <a:off x="6072553" y="3868767"/>
+            <a:ext cx="6119447" cy="3985541"/>
+          </a:xfrm>
+          <a:prstGeom prst="rect">
+            <a:avLst/>
+          </a:prstGeom>
+          <a:ln>
+            <a:noFill/>
+          </a:ln>
+          <a:effectLst>
+            <a:softEdge rad="112500"/>
+          </a:effectLst>
+        </p:spPr>
+      </p:pic>
+      <p:sp>
+        <p:nvSpPr>
+          <p:cNvPr id="5" name="Rectangle 2"/>
+          <p:cNvSpPr>
+            <a:spLocks noChangeArrowheads="1"/>
+          </p:cNvSpPr>
+          <p:nvPr/>
+        </p:nvSpPr>
+        <p:spPr bwMode="auto">
+          <a:xfrm>
+            <a:off x="2835518" y="1690689"/>
+            <a:ext cx="23612318" cy="0"/>
+          </a:xfrm>
+          <a:prstGeom prst="rect">
+            <a:avLst/>
+          </a:prstGeom>
+          <a:noFill/>
+          <a:ln>
+            <a:noFill/>
+          </a:ln>
+          <a:effectLst/>
+          <a:extLst>
+            <a:ext uri="{909E8E84-426E-40DD-AFC4-6F175D3DCCD1}">
+              <a14:hiddenFill xmlns:a14="http://schemas.microsoft.com/office/drawing/2010/main">
+                <a:solidFill>
+                  <a:schemeClr val="accent1"/>
+                </a:solidFill>
+              </a14:hiddenFill>
+            </a:ext>
+            <a:ext uri="{91240B29-F687-4F45-9708-019B960494DF}">
+              <a14:hiddenLine xmlns:a14="http://schemas.microsoft.com/office/drawing/2010/main" w="9525">
+                <a:solidFill>
+                  <a:schemeClr val="tx1"/>
+                </a:solidFill>
+                <a:miter lim="800000"/>
+                <a:headEnd/>
+                <a:tailEnd/>
+              </a14:hiddenLine>
+            </a:ext>
+            <a:ext uri="{AF507438-7753-43E0-B8FC-AC1667EBCBE1}">
+              <a14:hiddenEffects xmlns:a14="http://schemas.microsoft.com/office/drawing/2010/main">
+                <a:effectLst>
+                  <a:outerShdw dist="35921" dir="2700000" algn="ctr" rotWithShape="0">
+                    <a:schemeClr val="bg2"/>
+                  </a:outerShdw>
+                </a:effectLst>
+              </a14:hiddenEffects>
+            </a:ext>
+          </a:extLst>
+        </p:spPr>
+        <p:txBody>
+          <a:bodyPr vert="horz" wrap="square" lIns="91440" tIns="45720" rIns="91440" bIns="45720" numCol="1" anchor="ctr" anchorCtr="0" compatLnSpc="1">
+            <a:prstTxWarp prst="textNoShape">
+              <a:avLst/>
+            </a:prstTxWarp>
+            <a:spAutoFit/>
+          </a:bodyPr>
+          <a:lstStyle/>
+          <a:p>
+            <a:endParaRPr lang="ru-RU"/>
+          </a:p>
+        </p:txBody>
+      </p:sp>
+      <p:graphicFrame>
+        <p:nvGraphicFramePr>
+          <p:cNvPr id="6" name="Объект 5"/>
+          <p:cNvGraphicFramePr>
+            <a:graphicFrameLocks/>
+          </p:cNvGraphicFramePr>
+          <p:nvPr>
+            <p:extLst>
+              <p:ext uri="{D42A27DB-BD31-4B8C-83A1-F6EECF244321}">
+                <p14:modId xmlns:p14="http://schemas.microsoft.com/office/powerpoint/2010/main" val="1441197753"/>
+              </p:ext>
+            </p:extLst>
+          </p:nvPr>
+        </p:nvGraphicFramePr>
+        <p:xfrm>
+          <a:off x="2835518" y="1690688"/>
+          <a:ext cx="6474068" cy="3460613"/>
+        </p:xfrm>
+        <a:graphic>
+          <a:graphicData uri="http://schemas.openxmlformats.org/presentationml/2006/ole">
+            <mc:AlternateContent xmlns:mc="http://schemas.openxmlformats.org/markup-compatibility/2006">
+              <mc:Choice xmlns:v="urn:schemas-microsoft-com:vml" Requires="v">
+                <p:oleObj spid="_x0000_s4100" name="Диаграмма" r:id="rId4" imgW="3176291" imgH="1694835" progId="Excel.Chart.8">
+                  <p:embed/>
+                </p:oleObj>
+              </mc:Choice>
+              <mc:Fallback>
+                <p:oleObj name="Диаграмма" r:id="rId4" imgW="3176291" imgH="1694835" progId="Excel.Chart.8">
+                  <p:embed/>
+                  <p:pic>
+                    <p:nvPicPr>
+                      <p:cNvPr id="0" name="Диаграмма 9"/>
+                      <p:cNvPicPr>
+                        <a:picLocks noChangeArrowheads="1"/>
+                      </p:cNvPicPr>
+                      <p:nvPr/>
+                    </p:nvPicPr>
+                    <p:blipFill>
+                      <a:blip r:embed="rId5">
+                        <a:extLst>
+                          <a:ext uri="{28A0092B-C50C-407E-A947-70E740481C1C}">
+                            <a14:useLocalDpi xmlns:a14="http://schemas.microsoft.com/office/drawing/2010/main" val="0"/>
+                          </a:ext>
+                        </a:extLst>
+                      </a:blip>
+                      <a:srcRect b="-37"/>
+                      <a:stretch>
+                        <a:fillRect/>
+                      </a:stretch>
+                    </p:blipFill>
+                    <p:spPr bwMode="auto">
+                      <a:xfrm>
+                        <a:off x="2835518" y="1690688"/>
+                        <a:ext cx="6474068" cy="3460613"/>
+                      </a:xfrm>
+                      <a:prstGeom prst="rect">
+                        <a:avLst/>
+                      </a:prstGeom>
+                      <a:noFill/>
+                    </p:spPr>
+                  </p:pic>
+                </p:oleObj>
+              </mc:Fallback>
+            </mc:AlternateContent>
+          </a:graphicData>
+        </a:graphic>
+      </p:graphicFrame>
+      <p:sp>
+        <p:nvSpPr>
+          <p:cNvPr id="7" name="Заголовок 2"/>
+          <p:cNvSpPr txBox="1">
+            <a:spLocks/>
+          </p:cNvSpPr>
+          <p:nvPr/>
+        </p:nvSpPr>
+        <p:spPr>
+          <a:xfrm>
+            <a:off x="990600" y="517525"/>
+            <a:ext cx="10515600" cy="1325563"/>
+          </a:xfrm>
+          <a:prstGeom prst="rect">
+            <a:avLst/>
+          </a:prstGeom>
+        </p:spPr>
+        <p:txBody>
+          <a:bodyPr>
+            <a:normAutofit/>
+          </a:bodyPr>
+          <a:lstStyle>
+            <a:lvl1pPr algn="l" defTabSz="914400" rtl="0" eaLnBrk="1" latinLnBrk="0" hangingPunct="1">
+              <a:lnSpc>
+                <a:spcPct val="90000"/>
+              </a:lnSpc>
+              <a:spcBef>
+                <a:spcPct val="0"/>
+              </a:spcBef>
+              <a:buNone/>
+              <a:defRPr sz="4400" kern="1200">
+                <a:solidFill>
+                  <a:schemeClr val="tx1"/>
+                </a:solidFill>
+                <a:latin typeface="+mj-lt"/>
+                <a:ea typeface="+mj-ea"/>
+                <a:cs typeface="+mj-cs"/>
+              </a:defRPr>
+            </a:lvl1pPr>
+          </a:lstStyle>
+          <a:p>
+            <a:pPr algn="ctr"/>
+            <a:r>
+              <a:rPr lang="uk-UA" sz="2400" b="1" dirty="0">
+                <a:latin typeface="Times New Roman" panose="02020603050405020304" pitchFamily="18" charset="0"/>
+                <a:cs typeface="Times New Roman" panose="02020603050405020304" pitchFamily="18" charset="0"/>
+              </a:rPr>
+              <a:t>Прискорення отримані для методу Річардсона</a:t>
+            </a:r>
+            <a:endParaRPr lang="ru-RU" sz="2400" b="1" dirty="0">
+              <a:latin typeface="Times New Roman" panose="02020603050405020304" pitchFamily="18" charset="0"/>
+              <a:cs typeface="Times New Roman" panose="02020603050405020304" pitchFamily="18" charset="0"/>
+            </a:endParaRPr>
+          </a:p>
+        </p:txBody>
+      </p:sp>
+    </p:spTree>
+  </p:cSld>
+  <p:clrMapOvr>
+    <a:masterClrMapping/>
+  </p:clrMapOvr>
+</p:sld>
+</file>
+
+<file path=ppt/slides/slide19.xml><?xml version="1.0" encoding="utf-8"?>
+<p:sld xmlns:a="http://schemas.openxmlformats.org/drawingml/2006/main" xmlns:r="http://schemas.openxmlformats.org/officeDocument/2006/relationships" xmlns:p="http://schemas.openxmlformats.org/presentationml/2006/main">
+  <p:cSld>
+    <p:spTree>
+      <p:nvGrpSpPr>
+        <p:cNvPr id="1" name=""/>
+        <p:cNvGrpSpPr/>
+        <p:nvPr/>
+      </p:nvGrpSpPr>
+      <p:grpSpPr>
+        <a:xfrm>
+          <a:off x="0" y="0"/>
+          <a:ext cx="0" cy="0"/>
+          <a:chOff x="0" y="0"/>
+          <a:chExt cx="0" cy="0"/>
+        </a:xfrm>
+      </p:grpSpPr>
+      <p:pic>
+        <p:nvPicPr>
+          <p:cNvPr id="2" name="Рисунок 1"/>
+          <p:cNvPicPr/>
+          <p:nvPr/>
+        </p:nvPicPr>
+        <p:blipFill>
+          <a:blip r:embed="rId2" cstate="print">
+            <a:extLst>
+              <a:ext uri="{28A0092B-C50C-407E-A947-70E740481C1C}">
+                <a14:useLocalDpi xmlns:a14="http://schemas.microsoft.com/office/drawing/2010/main" val="0"/>
+              </a:ext>
+            </a:extLst>
+          </a:blip>
+          <a:stretch>
+            <a:fillRect/>
+          </a:stretch>
+        </p:blipFill>
+        <p:spPr>
+          <a:xfrm>
+            <a:off x="0" y="3810152"/>
+            <a:ext cx="6119447" cy="3985541"/>
+          </a:xfrm>
+          <a:prstGeom prst="rect">
+            <a:avLst/>
+          </a:prstGeom>
+          <a:ln>
+            <a:noFill/>
+          </a:ln>
+          <a:effectLst>
+            <a:softEdge rad="112500"/>
+          </a:effectLst>
+        </p:spPr>
+      </p:pic>
+      <p:graphicFrame>
+        <p:nvGraphicFramePr>
+          <p:cNvPr id="3" name="Диаграмма 2"/>
+          <p:cNvGraphicFramePr/>
+          <p:nvPr>
+            <p:extLst>
+              <p:ext uri="{D42A27DB-BD31-4B8C-83A1-F6EECF244321}">
+                <p14:modId xmlns:p14="http://schemas.microsoft.com/office/powerpoint/2010/main" val="1357647339"/>
+              </p:ext>
+            </p:extLst>
+          </p:nvPr>
+        </p:nvGraphicFramePr>
+        <p:xfrm>
+          <a:off x="2391448" y="1804866"/>
+          <a:ext cx="7362208" cy="3365012"/>
+        </p:xfrm>
+        <a:graphic>
+          <a:graphicData uri="http://schemas.openxmlformats.org/drawingml/2006/chart">
+            <c:chart xmlns:c="http://schemas.openxmlformats.org/drawingml/2006/chart" xmlns:r="http://schemas.openxmlformats.org/officeDocument/2006/relationships" r:id="rId3"/>
+          </a:graphicData>
+        </a:graphic>
+      </p:graphicFrame>
+      <p:sp>
+        <p:nvSpPr>
+          <p:cNvPr id="5" name="Заголовок 2"/>
+          <p:cNvSpPr txBox="1">
+            <a:spLocks/>
+          </p:cNvSpPr>
+          <p:nvPr/>
+        </p:nvSpPr>
+        <p:spPr>
+          <a:xfrm>
+            <a:off x="990600" y="517525"/>
+            <a:ext cx="10515600" cy="1325563"/>
+          </a:xfrm>
+          <a:prstGeom prst="rect">
+            <a:avLst/>
+          </a:prstGeom>
+        </p:spPr>
+        <p:txBody>
+          <a:bodyPr>
+            <a:normAutofit/>
+          </a:bodyPr>
+          <a:lstStyle>
+            <a:lvl1pPr algn="l" defTabSz="914400" rtl="0" eaLnBrk="1" latinLnBrk="0" hangingPunct="1">
+              <a:lnSpc>
+                <a:spcPct val="90000"/>
+              </a:lnSpc>
+              <a:spcBef>
+                <a:spcPct val="0"/>
+              </a:spcBef>
+              <a:buNone/>
+              <a:defRPr sz="4400" kern="1200">
+                <a:solidFill>
+                  <a:schemeClr val="tx1"/>
+                </a:solidFill>
+                <a:latin typeface="+mj-lt"/>
+                <a:ea typeface="+mj-ea"/>
+                <a:cs typeface="+mj-cs"/>
+              </a:defRPr>
+            </a:lvl1pPr>
+          </a:lstStyle>
+          <a:p>
+            <a:pPr algn="ctr"/>
+            <a:r>
+              <a:rPr lang="uk-UA" sz="2400" b="1" dirty="0">
+                <a:latin typeface="Times New Roman" panose="02020603050405020304" pitchFamily="18" charset="0"/>
+                <a:cs typeface="Times New Roman" panose="02020603050405020304" pitchFamily="18" charset="0"/>
+              </a:rPr>
+              <a:t>Прискорення отримані для методу </a:t>
+            </a:r>
+            <a:r>
+              <a:rPr lang="uk-UA" sz="2400" b="1" dirty="0" smtClean="0">
+                <a:latin typeface="Times New Roman" panose="02020603050405020304" pitchFamily="18" charset="0"/>
+                <a:cs typeface="Times New Roman" panose="02020603050405020304" pitchFamily="18" charset="0"/>
+              </a:rPr>
+              <a:t>верхньої релаксації</a:t>
+            </a:r>
+            <a:endParaRPr lang="ru-RU" sz="2400" b="1" dirty="0">
+              <a:latin typeface="Times New Roman" panose="02020603050405020304" pitchFamily="18" charset="0"/>
+              <a:cs typeface="Times New Roman" panose="02020603050405020304" pitchFamily="18" charset="0"/>
+            </a:endParaRPr>
+          </a:p>
+        </p:txBody>
+      </p:sp>
+    </p:spTree>
+  </p:cSld>
+  <p:clrMapOvr>
+    <a:masterClrMapping/>
+  </p:clrMapOvr>
+</p:sld>
+</file>
+
 <file path=ppt/slides/slide2.xml><?xml version="1.0" encoding="utf-8"?>
 <p:sld xmlns:a="http://schemas.openxmlformats.org/drawingml/2006/main" xmlns:r="http://schemas.openxmlformats.org/officeDocument/2006/relationships" xmlns:p="http://schemas.openxmlformats.org/presentationml/2006/main">
   <p:cSld>
@@ -10797,7 +9989,6 @@
             </a:endParaRPr>
           </a:p>
           <a:p>
-            <a:pPr algn="just"/>
             <a:r>
               <a:rPr lang="uk-UA" sz="2800" b="1" dirty="0" smtClean="0">
                 <a:latin typeface="Times New Roman" panose="02020603050405020304" pitchFamily="18" charset="0"/>
@@ -10813,19 +10004,23 @@
               <a:t>: </a:t>
             </a:r>
             <a:r>
+              <a:rPr lang="uk-UA" sz="2400" dirty="0" smtClean="0">
+                <a:latin typeface="Times New Roman" panose="02020603050405020304" pitchFamily="18" charset="0"/>
+                <a:cs typeface="Times New Roman" panose="02020603050405020304" pitchFamily="18" charset="0"/>
+              </a:rPr>
+              <a:t>розробка </a:t>
+            </a:r>
+            <a:r>
               <a:rPr lang="uk-UA" sz="2400" dirty="0">
                 <a:latin typeface="Times New Roman" panose="02020603050405020304" pitchFamily="18" charset="0"/>
                 <a:cs typeface="Times New Roman" panose="02020603050405020304" pitchFamily="18" charset="0"/>
               </a:rPr>
-              <a:t>отримання результату оптимізації за допомогою паралельних обчислень та презентація методів паралельних алгоритмів для таких </a:t>
-            </a:r>
-            <a:r>
-              <a:rPr lang="uk-UA" sz="2400" dirty="0" smtClean="0">
-                <a:latin typeface="Times New Roman" panose="02020603050405020304" pitchFamily="18" charset="0"/>
-                <a:cs typeface="Times New Roman" panose="02020603050405020304" pitchFamily="18" charset="0"/>
-              </a:rPr>
-              <a:t>задач</a:t>
-            </a:r>
+              <a:t>та дослідження гібридних ітераційних алгоритмів для розв’язання різницевих рівнянь для еліптичних операторів.</a:t>
+            </a:r>
+            <a:endParaRPr lang="ru-RU" sz="2400" dirty="0">
+              <a:latin typeface="Times New Roman" panose="02020603050405020304" pitchFamily="18" charset="0"/>
+              <a:cs typeface="Times New Roman" panose="02020603050405020304" pitchFamily="18" charset="0"/>
+            </a:endParaRPr>
           </a:p>
           <a:p>
             <a:pPr algn="just"/>
@@ -11431,7 +10626,7 @@
         <p:spPr>
           <a:xfrm>
             <a:off x="316522" y="1699846"/>
-            <a:ext cx="10527323" cy="1384995"/>
+            <a:ext cx="10527323" cy="954107"/>
           </a:xfrm>
           <a:prstGeom prst="rect">
             <a:avLst/>
@@ -11449,23 +10644,37 @@
                 <a:latin typeface="Times New Roman" panose="02020603050405020304" pitchFamily="18" charset="0"/>
                 <a:cs typeface="Times New Roman" panose="02020603050405020304" pitchFamily="18" charset="0"/>
               </a:rPr>
-              <a:t>	Програмно-апаратні </a:t>
+              <a:t>	</a:t>
             </a:r>
             <a:r>
               <a:rPr lang="uk-UA" sz="2800" dirty="0">
                 <a:latin typeface="Times New Roman" panose="02020603050405020304" pitchFamily="18" charset="0"/>
                 <a:cs typeface="Times New Roman" panose="02020603050405020304" pitchFamily="18" charset="0"/>
               </a:rPr>
-              <a:t>архітектури графічних процесорів, за допомогою яких можливо використати повну потужність гібридного </a:t>
+              <a:t>Програмні </a:t>
             </a:r>
             <a:r>
               <a:rPr lang="uk-UA" sz="2800" dirty="0" smtClean="0">
                 <a:latin typeface="Times New Roman" panose="02020603050405020304" pitchFamily="18" charset="0"/>
                 <a:cs typeface="Times New Roman" panose="02020603050405020304" pitchFamily="18" charset="0"/>
               </a:rPr>
-              <a:t>комп’ютера:</a:t>
-            </a:r>
-            <a:endParaRPr lang="ru-RU" sz="2800" dirty="0">
+              <a:t>інтерфейси, які дозволяють максимально задіяти потужності гібридного </a:t>
+            </a:r>
+            <a:r>
+              <a:rPr lang="uk-UA" sz="2800" dirty="0" err="1" smtClean="0">
+                <a:latin typeface="Times New Roman" panose="02020603050405020304" pitchFamily="18" charset="0"/>
+                <a:cs typeface="Times New Roman" panose="02020603050405020304" pitchFamily="18" charset="0"/>
+              </a:rPr>
+              <a:t>компю’тера</a:t>
+            </a:r>
+            <a:r>
+              <a:rPr lang="uk-UA" sz="2800" dirty="0" smtClean="0">
+                <a:latin typeface="Times New Roman" panose="02020603050405020304" pitchFamily="18" charset="0"/>
+                <a:cs typeface="Times New Roman" panose="02020603050405020304" pitchFamily="18" charset="0"/>
+              </a:rPr>
+              <a:t>:</a:t>
+            </a:r>
+            <a:endParaRPr lang="uk-UA" sz="2800" dirty="0">
               <a:latin typeface="Times New Roman" panose="02020603050405020304" pitchFamily="18" charset="0"/>
               <a:cs typeface="Times New Roman" panose="02020603050405020304" pitchFamily="18" charset="0"/>
             </a:endParaRPr>
@@ -12030,7 +11239,7 @@
         <p:spPr>
           <a:xfrm>
             <a:off x="2060330" y="2527277"/>
-            <a:ext cx="7731366" cy="3416320"/>
+            <a:ext cx="7731366" cy="3046988"/>
           </a:xfrm>
           <a:prstGeom prst="rect">
             <a:avLst/>
@@ -12124,16 +11333,30 @@
                 <a:latin typeface="Times New Roman" panose="02020603050405020304" pitchFamily="18" charset="0"/>
                 <a:cs typeface="Times New Roman" panose="02020603050405020304" pitchFamily="18" charset="0"/>
               </a:rPr>
-              <a:t>CUDA C/C++</a:t>
-            </a:r>
-            <a:r>
-              <a:rPr lang="uk-UA" sz="2400" dirty="0">
-                <a:latin typeface="Times New Roman" panose="02020603050405020304" pitchFamily="18" charset="0"/>
-                <a:cs typeface="Times New Roman" panose="02020603050405020304" pitchFamily="18" charset="0"/>
-              </a:rPr>
-              <a:t> мова</a:t>
-            </a:r>
-            <a:endParaRPr lang="ru-RU" sz="2400" dirty="0">
+              <a:t>CUDA  - C/C++ </a:t>
+            </a:r>
+            <a:r>
+              <a:rPr lang="ru-RU" sz="2400" dirty="0" err="1">
+                <a:latin typeface="Times New Roman" panose="02020603050405020304" pitchFamily="18" charset="0"/>
+                <a:cs typeface="Times New Roman" panose="02020603050405020304" pitchFamily="18" charset="0"/>
+              </a:rPr>
+              <a:t>мова</a:t>
+            </a:r>
+            <a:r>
+              <a:rPr lang="ru-RU" sz="2400" dirty="0">
+                <a:latin typeface="Times New Roman" panose="02020603050405020304" pitchFamily="18" charset="0"/>
+                <a:cs typeface="Times New Roman" panose="02020603050405020304" pitchFamily="18" charset="0"/>
+              </a:rPr>
+              <a:t> </a:t>
+            </a:r>
+            <a:r>
+              <a:rPr lang="ru-RU" sz="2400" dirty="0" err="1" smtClean="0">
+                <a:latin typeface="Times New Roman" panose="02020603050405020304" pitchFamily="18" charset="0"/>
+                <a:cs typeface="Times New Roman" panose="02020603050405020304" pitchFamily="18" charset="0"/>
+              </a:rPr>
+              <a:t>програмування</a:t>
+            </a:r>
+            <a:endParaRPr lang="ru-RU" sz="2400" dirty="0" smtClean="0">
               <a:latin typeface="Times New Roman" panose="02020603050405020304" pitchFamily="18" charset="0"/>
               <a:cs typeface="Times New Roman" panose="02020603050405020304" pitchFamily="18" charset="0"/>
             </a:endParaRPr>
@@ -12148,36 +11371,26 @@
                 <a:latin typeface="Times New Roman" panose="02020603050405020304" pitchFamily="18" charset="0"/>
                 <a:cs typeface="Times New Roman" panose="02020603050405020304" pitchFamily="18" charset="0"/>
               </a:rPr>
-              <a:t>Заснований на стандартизованому </a:t>
+              <a:t>Заснована на стандартизованому </a:t>
             </a:r>
             <a:r>
               <a:rPr lang="en-US" sz="2400" dirty="0">
                 <a:latin typeface="Times New Roman" panose="02020603050405020304" pitchFamily="18" charset="0"/>
                 <a:cs typeface="Times New Roman" panose="02020603050405020304" pitchFamily="18" charset="0"/>
               </a:rPr>
-              <a:t>C</a:t>
-            </a:r>
-            <a:r>
-              <a:rPr lang="ru-RU" sz="2400" dirty="0">
-                <a:latin typeface="Times New Roman" panose="02020603050405020304" pitchFamily="18" charset="0"/>
-                <a:cs typeface="Times New Roman" panose="02020603050405020304" pitchFamily="18" charset="0"/>
-              </a:rPr>
-              <a:t>/</a:t>
-            </a:r>
-            <a:r>
-              <a:rPr lang="en-US" sz="2400" dirty="0">
-                <a:latin typeface="Times New Roman" panose="02020603050405020304" pitchFamily="18" charset="0"/>
-                <a:cs typeface="Times New Roman" panose="02020603050405020304" pitchFamily="18" charset="0"/>
-              </a:rPr>
-              <a:t>C</a:t>
-            </a:r>
-            <a:r>
-              <a:rPr lang="ru-RU" sz="2400" dirty="0">
+              <a:t>C/C</a:t>
+            </a:r>
+            <a:r>
+              <a:rPr lang="en-US" sz="2400" dirty="0" smtClean="0">
                 <a:latin typeface="Times New Roman" panose="02020603050405020304" pitchFamily="18" charset="0"/>
                 <a:cs typeface="Times New Roman" panose="02020603050405020304" pitchFamily="18" charset="0"/>
               </a:rPr>
               <a:t>++</a:t>
             </a:r>
+            <a:endParaRPr lang="ru-RU" sz="2400" dirty="0" smtClean="0">
+              <a:latin typeface="Times New Roman" panose="02020603050405020304" pitchFamily="18" charset="0"/>
+              <a:cs typeface="Times New Roman" panose="02020603050405020304" pitchFamily="18" charset="0"/>
+            </a:endParaRPr>
           </a:p>
           <a:p>
             <a:pPr marL="742950" lvl="1" indent="-285750">
@@ -12185,13 +11398,97 @@
               <a:buChar char="§"/>
             </a:pPr>
             <a:r>
-              <a:rPr lang="uk-UA" sz="2400" dirty="0">
-                <a:latin typeface="Times New Roman" panose="02020603050405020304" pitchFamily="18" charset="0"/>
-                <a:cs typeface="Times New Roman" panose="02020603050405020304" pitchFamily="18" charset="0"/>
-              </a:rPr>
-              <a:t>Малий набір доповнень для включення можливостей гетерогенного програмування</a:t>
-            </a:r>
-            <a:endParaRPr lang="ru-RU" sz="2400" dirty="0">
+              <a:rPr lang="ru-RU" sz="2400" dirty="0" err="1">
+                <a:latin typeface="Times New Roman" panose="02020603050405020304" pitchFamily="18" charset="0"/>
+                <a:cs typeface="Times New Roman" panose="02020603050405020304" pitchFamily="18" charset="0"/>
+              </a:rPr>
+              <a:t>Має</a:t>
+            </a:r>
+            <a:r>
+              <a:rPr lang="ru-RU" sz="2400" dirty="0">
+                <a:latin typeface="Times New Roman" panose="02020603050405020304" pitchFamily="18" charset="0"/>
+                <a:cs typeface="Times New Roman" panose="02020603050405020304" pitchFamily="18" charset="0"/>
+              </a:rPr>
+              <a:t> </a:t>
+            </a:r>
+            <a:r>
+              <a:rPr lang="ru-RU" sz="2400" dirty="0" err="1">
+                <a:latin typeface="Times New Roman" panose="02020603050405020304" pitchFamily="18" charset="0"/>
+                <a:cs typeface="Times New Roman" panose="02020603050405020304" pitchFamily="18" charset="0"/>
+              </a:rPr>
+              <a:t>малий</a:t>
+            </a:r>
+            <a:r>
+              <a:rPr lang="ru-RU" sz="2400" dirty="0">
+                <a:latin typeface="Times New Roman" panose="02020603050405020304" pitchFamily="18" charset="0"/>
+                <a:cs typeface="Times New Roman" panose="02020603050405020304" pitchFamily="18" charset="0"/>
+              </a:rPr>
+              <a:t> </a:t>
+            </a:r>
+            <a:r>
+              <a:rPr lang="ru-RU" sz="2400" dirty="0" err="1">
+                <a:latin typeface="Times New Roman" panose="02020603050405020304" pitchFamily="18" charset="0"/>
+                <a:cs typeface="Times New Roman" panose="02020603050405020304" pitchFamily="18" charset="0"/>
+              </a:rPr>
+              <a:t>набір</a:t>
+            </a:r>
+            <a:r>
+              <a:rPr lang="ru-RU" sz="2400" dirty="0">
+                <a:latin typeface="Times New Roman" panose="02020603050405020304" pitchFamily="18" charset="0"/>
+                <a:cs typeface="Times New Roman" panose="02020603050405020304" pitchFamily="18" charset="0"/>
+              </a:rPr>
+              <a:t> </a:t>
+            </a:r>
+            <a:r>
+              <a:rPr lang="ru-RU" sz="2400" dirty="0" err="1">
+                <a:latin typeface="Times New Roman" panose="02020603050405020304" pitchFamily="18" charset="0"/>
+                <a:cs typeface="Times New Roman" panose="02020603050405020304" pitchFamily="18" charset="0"/>
+              </a:rPr>
+              <a:t>доповнень</a:t>
+            </a:r>
+            <a:r>
+              <a:rPr lang="ru-RU" sz="2400" dirty="0">
+                <a:latin typeface="Times New Roman" panose="02020603050405020304" pitchFamily="18" charset="0"/>
+                <a:cs typeface="Times New Roman" panose="02020603050405020304" pitchFamily="18" charset="0"/>
+              </a:rPr>
+              <a:t> для </a:t>
+            </a:r>
+            <a:r>
+              <a:rPr lang="ru-RU" sz="2400" dirty="0" err="1">
+                <a:latin typeface="Times New Roman" panose="02020603050405020304" pitchFamily="18" charset="0"/>
+                <a:cs typeface="Times New Roman" panose="02020603050405020304" pitchFamily="18" charset="0"/>
+              </a:rPr>
+              <a:t>включення</a:t>
+            </a:r>
+            <a:r>
+              <a:rPr lang="ru-RU" sz="2400" dirty="0">
+                <a:latin typeface="Times New Roman" panose="02020603050405020304" pitchFamily="18" charset="0"/>
+                <a:cs typeface="Times New Roman" panose="02020603050405020304" pitchFamily="18" charset="0"/>
+              </a:rPr>
+              <a:t> </a:t>
+            </a:r>
+            <a:r>
+              <a:rPr lang="ru-RU" sz="2400" dirty="0" err="1">
+                <a:latin typeface="Times New Roman" panose="02020603050405020304" pitchFamily="18" charset="0"/>
+                <a:cs typeface="Times New Roman" panose="02020603050405020304" pitchFamily="18" charset="0"/>
+              </a:rPr>
+              <a:t>можливостей</a:t>
+            </a:r>
+            <a:r>
+              <a:rPr lang="ru-RU" sz="2400" dirty="0">
+                <a:latin typeface="Times New Roman" panose="02020603050405020304" pitchFamily="18" charset="0"/>
+                <a:cs typeface="Times New Roman" panose="02020603050405020304" pitchFamily="18" charset="0"/>
+              </a:rPr>
+              <a:t> гетерогенного </a:t>
+            </a:r>
+            <a:r>
+              <a:rPr lang="ru-RU" sz="2400" dirty="0" err="1" smtClean="0">
+                <a:latin typeface="Times New Roman" panose="02020603050405020304" pitchFamily="18" charset="0"/>
+                <a:cs typeface="Times New Roman" panose="02020603050405020304" pitchFamily="18" charset="0"/>
+              </a:rPr>
+              <a:t>програмування</a:t>
+            </a:r>
+            <a:endParaRPr lang="ru-RU" sz="2400" dirty="0" smtClean="0">
               <a:latin typeface="Times New Roman" panose="02020603050405020304" pitchFamily="18" charset="0"/>
               <a:cs typeface="Times New Roman" panose="02020603050405020304" pitchFamily="18" charset="0"/>
             </a:endParaRPr>
@@ -12202,36 +11499,61 @@
               <a:buChar char="§"/>
             </a:pPr>
             <a:r>
-              <a:rPr lang="uk-UA" sz="2400" dirty="0">
-                <a:latin typeface="Times New Roman" panose="02020603050405020304" pitchFamily="18" charset="0"/>
-                <a:cs typeface="Times New Roman" panose="02020603050405020304" pitchFamily="18" charset="0"/>
-              </a:rPr>
-              <a:t>Чітке </a:t>
-            </a:r>
-            <a:r>
-              <a:rPr lang="en-US" sz="2400" dirty="0">
-                <a:latin typeface="Times New Roman" panose="02020603050405020304" pitchFamily="18" charset="0"/>
-                <a:cs typeface="Times New Roman" panose="02020603050405020304" pitchFamily="18" charset="0"/>
-              </a:rPr>
-              <a:t>API </a:t>
-            </a:r>
-            <a:r>
-              <a:rPr lang="uk-UA" sz="2400" dirty="0">
-                <a:latin typeface="Times New Roman" panose="02020603050405020304" pitchFamily="18" charset="0"/>
-                <a:cs typeface="Times New Roman" panose="02020603050405020304" pitchFamily="18" charset="0"/>
-              </a:rPr>
-              <a:t>для управління пристроями, пам’яттю.</a:t>
-            </a:r>
-            <a:endParaRPr lang="ru-RU" sz="2400" dirty="0">
-              <a:latin typeface="Times New Roman" panose="02020603050405020304" pitchFamily="18" charset="0"/>
-              <a:cs typeface="Times New Roman" panose="02020603050405020304" pitchFamily="18" charset="0"/>
-            </a:endParaRPr>
-          </a:p>
-          <a:p>
-            <a:pPr marL="285750" indent="-285750">
-              <a:buFont typeface="Wingdings" panose="05000000000000000000" pitchFamily="2" charset="2"/>
-              <a:buChar char="§"/>
-            </a:pPr>
+              <a:rPr lang="ru-RU" sz="2400" dirty="0" err="1">
+                <a:latin typeface="Times New Roman" panose="02020603050405020304" pitchFamily="18" charset="0"/>
+                <a:cs typeface="Times New Roman" panose="02020603050405020304" pitchFamily="18" charset="0"/>
+              </a:rPr>
+              <a:t>Чітке</a:t>
+            </a:r>
+            <a:r>
+              <a:rPr lang="ru-RU" sz="2400" dirty="0">
+                <a:latin typeface="Times New Roman" panose="02020603050405020304" pitchFamily="18" charset="0"/>
+                <a:cs typeface="Times New Roman" panose="02020603050405020304" pitchFamily="18" charset="0"/>
+              </a:rPr>
+              <a:t> API для </a:t>
+            </a:r>
+            <a:r>
+              <a:rPr lang="ru-RU" sz="2400" dirty="0" err="1">
+                <a:latin typeface="Times New Roman" panose="02020603050405020304" pitchFamily="18" charset="0"/>
+                <a:cs typeface="Times New Roman" panose="02020603050405020304" pitchFamily="18" charset="0"/>
+              </a:rPr>
+              <a:t>управління</a:t>
+            </a:r>
+            <a:r>
+              <a:rPr lang="ru-RU" sz="2400" dirty="0">
+                <a:latin typeface="Times New Roman" panose="02020603050405020304" pitchFamily="18" charset="0"/>
+                <a:cs typeface="Times New Roman" panose="02020603050405020304" pitchFamily="18" charset="0"/>
+              </a:rPr>
+              <a:t> </a:t>
+            </a:r>
+            <a:r>
+              <a:rPr lang="ru-RU" sz="2400" dirty="0" err="1">
+                <a:latin typeface="Times New Roman" panose="02020603050405020304" pitchFamily="18" charset="0"/>
+                <a:cs typeface="Times New Roman" panose="02020603050405020304" pitchFamily="18" charset="0"/>
+              </a:rPr>
+              <a:t>пристроями</a:t>
+            </a:r>
+            <a:r>
+              <a:rPr lang="ru-RU" sz="2400" dirty="0">
+                <a:latin typeface="Times New Roman" panose="02020603050405020304" pitchFamily="18" charset="0"/>
+                <a:cs typeface="Times New Roman" panose="02020603050405020304" pitchFamily="18" charset="0"/>
+              </a:rPr>
+              <a:t>, </a:t>
+            </a:r>
+            <a:r>
+              <a:rPr lang="ru-RU" sz="2400" dirty="0" err="1">
+                <a:latin typeface="Times New Roman" panose="02020603050405020304" pitchFamily="18" charset="0"/>
+                <a:cs typeface="Times New Roman" panose="02020603050405020304" pitchFamily="18" charset="0"/>
+              </a:rPr>
+              <a:t>пам’яттю</a:t>
+            </a:r>
+            <a:r>
+              <a:rPr lang="ru-RU" sz="2400" dirty="0">
+                <a:latin typeface="Times New Roman" panose="02020603050405020304" pitchFamily="18" charset="0"/>
+                <a:cs typeface="Times New Roman" panose="02020603050405020304" pitchFamily="18" charset="0"/>
+              </a:rPr>
+              <a:t>.</a:t>
+            </a:r>
             <a:endParaRPr lang="ru-RU" sz="2400" dirty="0">
               <a:latin typeface="Times New Roman" panose="02020603050405020304" pitchFamily="18" charset="0"/>
               <a:cs typeface="Times New Roman" panose="02020603050405020304" pitchFamily="18" charset="0"/>
@@ -12840,8 +12162,8 @@
         </p:nvSpPr>
         <p:spPr>
           <a:xfrm>
-            <a:off x="2086708" y="1543664"/>
-            <a:ext cx="9143999" cy="830997"/>
+            <a:off x="2051539" y="1543664"/>
+            <a:ext cx="9143999" cy="461665"/>
           </a:xfrm>
           <a:prstGeom prst="rect">
             <a:avLst/>
@@ -12855,7 +12177,7 @@
           <a:lstStyle/>
           <a:p>
             <a:r>
-              <a:rPr lang="uk-UA" sz="2400" b="1" dirty="0">
+              <a:rPr lang="ru-RU" sz="2400" b="1" dirty="0" err="1">
                 <a:effectLst>
                   <a:outerShdw blurRad="38100" dist="38100" dir="2700000" algn="tl">
                     <a:srgbClr val="000000">
@@ -12866,21 +12188,120 @@
                 <a:latin typeface="Times New Roman" panose="02020603050405020304" pitchFamily="18" charset="0"/>
                 <a:cs typeface="Times New Roman" panose="02020603050405020304" pitchFamily="18" charset="0"/>
               </a:rPr>
-              <a:t>Основні властивості та метрики паралельних алгоритмів</a:t>
-            </a:r>
-            <a:endParaRPr lang="ru-RU" sz="2400" b="1" i="1" dirty="0">
-              <a:effectLst>
-                <a:outerShdw blurRad="38100" dist="38100" dir="2700000" algn="tl">
-                  <a:srgbClr val="000000">
-                    <a:alpha val="43137"/>
-                  </a:srgbClr>
-                </a:outerShdw>
-              </a:effectLst>
-              <a:latin typeface="Times New Roman" panose="02020603050405020304" pitchFamily="18" charset="0"/>
-              <a:cs typeface="Times New Roman" panose="02020603050405020304" pitchFamily="18" charset="0"/>
-            </a:endParaRPr>
-          </a:p>
-          <a:p>
+              <a:t>Основні</a:t>
+            </a:r>
+            <a:r>
+              <a:rPr lang="ru-RU" sz="2400" b="1" dirty="0">
+                <a:effectLst>
+                  <a:outerShdw blurRad="38100" dist="38100" dir="2700000" algn="tl">
+                    <a:srgbClr val="000000">
+                      <a:alpha val="43137"/>
+                    </a:srgbClr>
+                  </a:outerShdw>
+                </a:effectLst>
+                <a:latin typeface="Times New Roman" panose="02020603050405020304" pitchFamily="18" charset="0"/>
+                <a:cs typeface="Times New Roman" panose="02020603050405020304" pitchFamily="18" charset="0"/>
+              </a:rPr>
+              <a:t> </a:t>
+            </a:r>
+            <a:r>
+              <a:rPr lang="ru-RU" sz="2400" b="1" dirty="0" err="1">
+                <a:effectLst>
+                  <a:outerShdw blurRad="38100" dist="38100" dir="2700000" algn="tl">
+                    <a:srgbClr val="000000">
+                      <a:alpha val="43137"/>
+                    </a:srgbClr>
+                  </a:outerShdw>
+                </a:effectLst>
+                <a:latin typeface="Times New Roman" panose="02020603050405020304" pitchFamily="18" charset="0"/>
+                <a:cs typeface="Times New Roman" panose="02020603050405020304" pitchFamily="18" charset="0"/>
+              </a:rPr>
+              <a:t>властивості</a:t>
+            </a:r>
+            <a:r>
+              <a:rPr lang="ru-RU" sz="2400" b="1" dirty="0">
+                <a:effectLst>
+                  <a:outerShdw blurRad="38100" dist="38100" dir="2700000" algn="tl">
+                    <a:srgbClr val="000000">
+                      <a:alpha val="43137"/>
+                    </a:srgbClr>
+                  </a:outerShdw>
+                </a:effectLst>
+                <a:latin typeface="Times New Roman" panose="02020603050405020304" pitchFamily="18" charset="0"/>
+                <a:cs typeface="Times New Roman" panose="02020603050405020304" pitchFamily="18" charset="0"/>
+              </a:rPr>
+              <a:t> та </a:t>
+            </a:r>
+            <a:r>
+              <a:rPr lang="ru-RU" sz="2400" b="1" dirty="0" err="1">
+                <a:effectLst>
+                  <a:outerShdw blurRad="38100" dist="38100" dir="2700000" algn="tl">
+                    <a:srgbClr val="000000">
+                      <a:alpha val="43137"/>
+                    </a:srgbClr>
+                  </a:outerShdw>
+                </a:effectLst>
+                <a:latin typeface="Times New Roman" panose="02020603050405020304" pitchFamily="18" charset="0"/>
+                <a:cs typeface="Times New Roman" panose="02020603050405020304" pitchFamily="18" charset="0"/>
+              </a:rPr>
+              <a:t>оцінки</a:t>
+            </a:r>
+            <a:r>
+              <a:rPr lang="ru-RU" sz="2400" b="1" dirty="0">
+                <a:effectLst>
+                  <a:outerShdw blurRad="38100" dist="38100" dir="2700000" algn="tl">
+                    <a:srgbClr val="000000">
+                      <a:alpha val="43137"/>
+                    </a:srgbClr>
+                  </a:outerShdw>
+                </a:effectLst>
+                <a:latin typeface="Times New Roman" panose="02020603050405020304" pitchFamily="18" charset="0"/>
+                <a:cs typeface="Times New Roman" panose="02020603050405020304" pitchFamily="18" charset="0"/>
+              </a:rPr>
+              <a:t> </a:t>
+            </a:r>
+            <a:r>
+              <a:rPr lang="ru-RU" sz="2400" b="1" dirty="0" err="1">
+                <a:effectLst>
+                  <a:outerShdw blurRad="38100" dist="38100" dir="2700000" algn="tl">
+                    <a:srgbClr val="000000">
+                      <a:alpha val="43137"/>
+                    </a:srgbClr>
+                  </a:outerShdw>
+                </a:effectLst>
+                <a:latin typeface="Times New Roman" panose="02020603050405020304" pitchFamily="18" charset="0"/>
+                <a:cs typeface="Times New Roman" panose="02020603050405020304" pitchFamily="18" charset="0"/>
+              </a:rPr>
+              <a:t>паралельних</a:t>
+            </a:r>
+            <a:r>
+              <a:rPr lang="ru-RU" sz="2400" b="1" dirty="0">
+                <a:effectLst>
+                  <a:outerShdw blurRad="38100" dist="38100" dir="2700000" algn="tl">
+                    <a:srgbClr val="000000">
+                      <a:alpha val="43137"/>
+                    </a:srgbClr>
+                  </a:outerShdw>
+                </a:effectLst>
+                <a:latin typeface="Times New Roman" panose="02020603050405020304" pitchFamily="18" charset="0"/>
+                <a:cs typeface="Times New Roman" panose="02020603050405020304" pitchFamily="18" charset="0"/>
+              </a:rPr>
+              <a:t> </a:t>
+            </a:r>
+            <a:r>
+              <a:rPr lang="ru-RU" sz="2400" b="1" dirty="0" err="1">
+                <a:effectLst>
+                  <a:outerShdw blurRad="38100" dist="38100" dir="2700000" algn="tl">
+                    <a:srgbClr val="000000">
+                      <a:alpha val="43137"/>
+                    </a:srgbClr>
+                  </a:outerShdw>
+                </a:effectLst>
+                <a:latin typeface="Times New Roman" panose="02020603050405020304" pitchFamily="18" charset="0"/>
+                <a:cs typeface="Times New Roman" panose="02020603050405020304" pitchFamily="18" charset="0"/>
+              </a:rPr>
+              <a:t>алгоритмів</a:t>
+            </a:r>
             <a:endParaRPr lang="ru-RU" sz="2400" dirty="0">
               <a:effectLst>
                 <a:outerShdw blurRad="38100" dist="38100" dir="2700000" algn="tl">
@@ -14801,8 +14222,8 @@
         </p:nvSpPr>
         <p:spPr>
           <a:xfrm>
-            <a:off x="3528647" y="2005329"/>
-            <a:ext cx="6518031" cy="5016758"/>
+            <a:off x="2813539" y="2005329"/>
+            <a:ext cx="7233140" cy="4708981"/>
           </a:xfrm>
           <a:prstGeom prst="rect">
             <a:avLst/>
@@ -14820,24 +14241,25 @@
                 <a:latin typeface="Times New Roman" panose="02020603050405020304" pitchFamily="18" charset="0"/>
                 <a:cs typeface="Times New Roman" panose="02020603050405020304" pitchFamily="18" charset="0"/>
               </a:rPr>
-              <a:t>Умови </a:t>
-            </a:r>
-            <a:r>
-              <a:rPr lang="uk-UA" sz="2000" dirty="0">
-                <a:latin typeface="Times New Roman" panose="02020603050405020304" pitchFamily="18" charset="0"/>
-                <a:cs typeface="Times New Roman" panose="02020603050405020304" pitchFamily="18" charset="0"/>
-              </a:rPr>
-              <a:t>на обирання </a:t>
-            </a:r>
+              <a:t>Основні властивості, які враховувались при виборі методів:</a:t>
+            </a:r>
+            <a:endParaRPr lang="uk-UA" sz="2000" dirty="0" smtClean="0">
+              <a:latin typeface="Times New Roman" panose="02020603050405020304" pitchFamily="18" charset="0"/>
+              <a:cs typeface="Times New Roman" panose="02020603050405020304" pitchFamily="18" charset="0"/>
+            </a:endParaRPr>
+          </a:p>
+          <a:p>
+            <a:pPr marL="342900" lvl="0" indent="-342900">
+              <a:buFont typeface="Wingdings" panose="05000000000000000000" pitchFamily="2" charset="2"/>
+              <a:buChar char="§"/>
+            </a:pPr>
             <a:r>
               <a:rPr lang="uk-UA" sz="2000" dirty="0" smtClean="0">
                 <a:latin typeface="Times New Roman" panose="02020603050405020304" pitchFamily="18" charset="0"/>
                 <a:cs typeface="Times New Roman" panose="02020603050405020304" pitchFamily="18" charset="0"/>
               </a:rPr>
-              <a:t>методу:</a:t>
-            </a:r>
-          </a:p>
-          <a:p>
+              <a:t>Ітеративний</a:t>
+            </a:r>
             <a:endParaRPr lang="ru-RU" sz="2000" dirty="0">
               <a:latin typeface="Times New Roman" panose="02020603050405020304" pitchFamily="18" charset="0"/>
               <a:cs typeface="Times New Roman" panose="02020603050405020304" pitchFamily="18" charset="0"/>
@@ -14853,7 +14275,7 @@
                 <a:latin typeface="Times New Roman" panose="02020603050405020304" pitchFamily="18" charset="0"/>
                 <a:cs typeface="Times New Roman" panose="02020603050405020304" pitchFamily="18" charset="0"/>
               </a:rPr>
-              <a:t>Ітеративний</a:t>
+              <a:t>Можливість розпаралелювання</a:t>
             </a:r>
             <a:endParaRPr lang="ru-RU" sz="2000" dirty="0">
               <a:latin typeface="Times New Roman" panose="02020603050405020304" pitchFamily="18" charset="0"/>
@@ -14870,7 +14292,7 @@
                 <a:latin typeface="Times New Roman" panose="02020603050405020304" pitchFamily="18" charset="0"/>
                 <a:cs typeface="Times New Roman" panose="02020603050405020304" pitchFamily="18" charset="0"/>
               </a:rPr>
-              <a:t>Можливість розпаралелювання</a:t>
+              <a:t>Можливість пошуку наближеного розв’язку з деякою точністю</a:t>
             </a:r>
             <a:endParaRPr lang="ru-RU" sz="2000" dirty="0">
               <a:latin typeface="Times New Roman" panose="02020603050405020304" pitchFamily="18" charset="0"/>
@@ -14887,7 +14309,7 @@
                 <a:latin typeface="Times New Roman" panose="02020603050405020304" pitchFamily="18" charset="0"/>
                 <a:cs typeface="Times New Roman" panose="02020603050405020304" pitchFamily="18" charset="0"/>
               </a:rPr>
-              <a:t>Можливість пошуку наближеного розв’язку з деякою точністю</a:t>
+              <a:t>Збіжність методу</a:t>
             </a:r>
             <a:endParaRPr lang="ru-RU" sz="2000" dirty="0">
               <a:latin typeface="Times New Roman" panose="02020603050405020304" pitchFamily="18" charset="0"/>
@@ -14900,18 +14322,89 @@
               <a:buChar char="§"/>
             </a:pPr>
             <a:r>
-              <a:rPr lang="uk-UA" sz="2000" dirty="0">
-                <a:latin typeface="Times New Roman" panose="02020603050405020304" pitchFamily="18" charset="0"/>
-                <a:cs typeface="Times New Roman" panose="02020603050405020304" pitchFamily="18" charset="0"/>
-              </a:rPr>
-              <a:t>Збіжність методу</a:t>
-            </a:r>
+              <a:rPr lang="ru-RU" sz="2000" dirty="0" err="1">
+                <a:latin typeface="Times New Roman" panose="02020603050405020304" pitchFamily="18" charset="0"/>
+                <a:cs typeface="Times New Roman" panose="02020603050405020304" pitchFamily="18" charset="0"/>
+              </a:rPr>
+              <a:t>Можливість</a:t>
+            </a:r>
+            <a:r>
+              <a:rPr lang="ru-RU" sz="2000" dirty="0">
+                <a:latin typeface="Times New Roman" panose="02020603050405020304" pitchFamily="18" charset="0"/>
+                <a:cs typeface="Times New Roman" panose="02020603050405020304" pitchFamily="18" charset="0"/>
+              </a:rPr>
+              <a:t> </a:t>
+            </a:r>
+            <a:r>
+              <a:rPr lang="ru-RU" sz="2000" dirty="0" err="1">
+                <a:latin typeface="Times New Roman" panose="02020603050405020304" pitchFamily="18" charset="0"/>
+                <a:cs typeface="Times New Roman" panose="02020603050405020304" pitchFamily="18" charset="0"/>
+              </a:rPr>
+              <a:t>застосування</a:t>
+            </a:r>
+            <a:r>
+              <a:rPr lang="ru-RU" sz="2000" dirty="0">
+                <a:latin typeface="Times New Roman" panose="02020603050405020304" pitchFamily="18" charset="0"/>
+                <a:cs typeface="Times New Roman" panose="02020603050405020304" pitchFamily="18" charset="0"/>
+              </a:rPr>
+              <a:t> для </a:t>
+            </a:r>
+            <a:r>
+              <a:rPr lang="ru-RU" sz="2000" dirty="0" err="1">
+                <a:latin typeface="Times New Roman" panose="02020603050405020304" pitchFamily="18" charset="0"/>
+                <a:cs typeface="Times New Roman" panose="02020603050405020304" pitchFamily="18" charset="0"/>
+              </a:rPr>
+              <a:t>розріджених</a:t>
+            </a:r>
+            <a:r>
+              <a:rPr lang="ru-RU" sz="2000" dirty="0">
+                <a:latin typeface="Times New Roman" panose="02020603050405020304" pitchFamily="18" charset="0"/>
+                <a:cs typeface="Times New Roman" panose="02020603050405020304" pitchFamily="18" charset="0"/>
+              </a:rPr>
+              <a:t> </a:t>
+            </a:r>
+            <a:r>
+              <a:rPr lang="ru-RU" sz="2000" dirty="0" err="1" smtClean="0">
+                <a:latin typeface="Times New Roman" panose="02020603050405020304" pitchFamily="18" charset="0"/>
+                <a:cs typeface="Times New Roman" panose="02020603050405020304" pitchFamily="18" charset="0"/>
+              </a:rPr>
+              <a:t>матриць</a:t>
+            </a:r>
+            <a:endParaRPr lang="ru-RU" sz="2000" dirty="0" smtClean="0">
+              <a:latin typeface="Times New Roman" panose="02020603050405020304" pitchFamily="18" charset="0"/>
+              <a:cs typeface="Times New Roman" panose="02020603050405020304" pitchFamily="18" charset="0"/>
+            </a:endParaRPr>
+          </a:p>
+          <a:p>
+            <a:pPr lvl="0"/>
             <a:endParaRPr lang="ru-RU" sz="2000" dirty="0">
               <a:latin typeface="Times New Roman" panose="02020603050405020304" pitchFamily="18" charset="0"/>
               <a:cs typeface="Times New Roman" panose="02020603050405020304" pitchFamily="18" charset="0"/>
             </a:endParaRPr>
           </a:p>
           <a:p>
+            <a:r>
+              <a:rPr lang="uk-UA" sz="2000" dirty="0">
+                <a:latin typeface="Times New Roman" panose="02020603050405020304" pitchFamily="18" charset="0"/>
+                <a:cs typeface="Times New Roman" panose="02020603050405020304" pitchFamily="18" charset="0"/>
+              </a:rPr>
+              <a:t>Серед розглянутих, були наступні методи</a:t>
+            </a:r>
+            <a:r>
+              <a:rPr lang="uk-UA" sz="2000" dirty="0" smtClean="0">
+                <a:latin typeface="Times New Roman" panose="02020603050405020304" pitchFamily="18" charset="0"/>
+                <a:cs typeface="Times New Roman" panose="02020603050405020304" pitchFamily="18" charset="0"/>
+              </a:rPr>
+              <a:t>:</a:t>
+            </a:r>
+          </a:p>
+          <a:p>
+            <a:endParaRPr lang="ru-RU" sz="2000" dirty="0">
+              <a:latin typeface="Times New Roman" panose="02020603050405020304" pitchFamily="18" charset="0"/>
+              <a:cs typeface="Times New Roman" panose="02020603050405020304" pitchFamily="18" charset="0"/>
+            </a:endParaRPr>
+          </a:p>
+          <a:p>
             <a:pPr marL="342900" lvl="0" indent="-342900">
               <a:buFont typeface="Wingdings" panose="05000000000000000000" pitchFamily="2" charset="2"/>
               <a:buChar char="§"/>
@@ -14921,49 +14414,38 @@
                 <a:latin typeface="Times New Roman" panose="02020603050405020304" pitchFamily="18" charset="0"/>
                 <a:cs typeface="Times New Roman" panose="02020603050405020304" pitchFamily="18" charset="0"/>
               </a:rPr>
-              <a:t>Схильність до розріджених </a:t>
-            </a:r>
-            <a:r>
-              <a:rPr lang="uk-UA" sz="2000" dirty="0" smtClean="0">
-                <a:latin typeface="Times New Roman" panose="02020603050405020304" pitchFamily="18" charset="0"/>
-                <a:cs typeface="Times New Roman" panose="02020603050405020304" pitchFamily="18" charset="0"/>
-              </a:rPr>
-              <a:t>матриць</a:t>
-            </a:r>
+              <a:t>Метод Якобі</a:t>
+            </a:r>
+            <a:endParaRPr lang="ru-RU" sz="2000" dirty="0">
+              <a:latin typeface="Times New Roman" panose="02020603050405020304" pitchFamily="18" charset="0"/>
+              <a:cs typeface="Times New Roman" panose="02020603050405020304" pitchFamily="18" charset="0"/>
+            </a:endParaRPr>
           </a:p>
           <a:p>
             <a:pPr marL="342900" lvl="0" indent="-342900">
               <a:buFont typeface="Wingdings" panose="05000000000000000000" pitchFamily="2" charset="2"/>
               <a:buChar char="§"/>
             </a:pPr>
+            <a:r>
+              <a:rPr lang="uk-UA" sz="2000" dirty="0">
+                <a:latin typeface="Times New Roman" panose="02020603050405020304" pitchFamily="18" charset="0"/>
+                <a:cs typeface="Times New Roman" panose="02020603050405020304" pitchFamily="18" charset="0"/>
+              </a:rPr>
+              <a:t>Метод Гауса-</a:t>
+            </a:r>
+            <a:r>
+              <a:rPr lang="uk-UA" sz="2000" dirty="0" err="1">
+                <a:latin typeface="Times New Roman" panose="02020603050405020304" pitchFamily="18" charset="0"/>
+                <a:cs typeface="Times New Roman" panose="02020603050405020304" pitchFamily="18" charset="0"/>
+              </a:rPr>
+              <a:t>Зейделя</a:t>
+            </a:r>
             <a:endParaRPr lang="ru-RU" sz="2000" dirty="0">
               <a:latin typeface="Times New Roman" panose="02020603050405020304" pitchFamily="18" charset="0"/>
               <a:cs typeface="Times New Roman" panose="02020603050405020304" pitchFamily="18" charset="0"/>
             </a:endParaRPr>
           </a:p>
           <a:p>
-            <a:r>
-              <a:rPr lang="uk-UA" sz="2000" dirty="0">
-                <a:latin typeface="Times New Roman" panose="02020603050405020304" pitchFamily="18" charset="0"/>
-                <a:cs typeface="Times New Roman" panose="02020603050405020304" pitchFamily="18" charset="0"/>
-              </a:rPr>
-              <a:t>Серед розглянутих, були наступні методи</a:t>
-            </a:r>
-            <a:r>
-              <a:rPr lang="uk-UA" sz="2000" dirty="0" smtClean="0">
-                <a:latin typeface="Times New Roman" panose="02020603050405020304" pitchFamily="18" charset="0"/>
-                <a:cs typeface="Times New Roman" panose="02020603050405020304" pitchFamily="18" charset="0"/>
-              </a:rPr>
-              <a:t>:</a:t>
-            </a:r>
-          </a:p>
-          <a:p>
-            <a:endParaRPr lang="ru-RU" sz="2000" dirty="0">
-              <a:latin typeface="Times New Roman" panose="02020603050405020304" pitchFamily="18" charset="0"/>
-              <a:cs typeface="Times New Roman" panose="02020603050405020304" pitchFamily="18" charset="0"/>
-            </a:endParaRPr>
-          </a:p>
-          <a:p>
             <a:pPr marL="342900" lvl="0" indent="-342900">
               <a:buFont typeface="Wingdings" panose="05000000000000000000" pitchFamily="2" charset="2"/>
               <a:buChar char="§"/>
@@ -14973,48 +14455,14 @@
                 <a:latin typeface="Times New Roman" panose="02020603050405020304" pitchFamily="18" charset="0"/>
                 <a:cs typeface="Times New Roman" panose="02020603050405020304" pitchFamily="18" charset="0"/>
               </a:rPr>
-              <a:t>Метод Якобі</a:t>
-            </a:r>
-            <a:endParaRPr lang="ru-RU" sz="2000" dirty="0">
-              <a:latin typeface="Times New Roman" panose="02020603050405020304" pitchFamily="18" charset="0"/>
-              <a:cs typeface="Times New Roman" panose="02020603050405020304" pitchFamily="18" charset="0"/>
-            </a:endParaRPr>
-          </a:p>
-          <a:p>
-            <a:pPr marL="342900" lvl="0" indent="-342900">
-              <a:buFont typeface="Wingdings" panose="05000000000000000000" pitchFamily="2" charset="2"/>
-              <a:buChar char="§"/>
-            </a:pPr>
-            <a:r>
-              <a:rPr lang="uk-UA" sz="2000" dirty="0">
-                <a:latin typeface="Times New Roman" panose="02020603050405020304" pitchFamily="18" charset="0"/>
-                <a:cs typeface="Times New Roman" panose="02020603050405020304" pitchFamily="18" charset="0"/>
-              </a:rPr>
-              <a:t>Метод Гауса-</a:t>
-            </a:r>
-            <a:r>
-              <a:rPr lang="uk-UA" sz="2000" dirty="0" err="1">
-                <a:latin typeface="Times New Roman" panose="02020603050405020304" pitchFamily="18" charset="0"/>
-                <a:cs typeface="Times New Roman" panose="02020603050405020304" pitchFamily="18" charset="0"/>
-              </a:rPr>
-              <a:t>Зейделя</a:t>
-            </a:r>
-            <a:endParaRPr lang="ru-RU" sz="2000" dirty="0">
-              <a:latin typeface="Times New Roman" panose="02020603050405020304" pitchFamily="18" charset="0"/>
-              <a:cs typeface="Times New Roman" panose="02020603050405020304" pitchFamily="18" charset="0"/>
-            </a:endParaRPr>
-          </a:p>
-          <a:p>
-            <a:pPr marL="342900" lvl="0" indent="-342900">
-              <a:buFont typeface="Wingdings" panose="05000000000000000000" pitchFamily="2" charset="2"/>
-              <a:buChar char="§"/>
-            </a:pPr>
-            <a:r>
-              <a:rPr lang="uk-UA" sz="2000" dirty="0">
-                <a:latin typeface="Times New Roman" panose="02020603050405020304" pitchFamily="18" charset="0"/>
-                <a:cs typeface="Times New Roman" panose="02020603050405020304" pitchFamily="18" charset="0"/>
-              </a:rPr>
-              <a:t>Метод релаксацій</a:t>
+              <a:t>Метод </a:t>
+            </a:r>
+            <a:r>
+              <a:rPr lang="uk-UA" sz="2000" dirty="0" smtClean="0">
+                <a:latin typeface="Times New Roman" panose="02020603050405020304" pitchFamily="18" charset="0"/>
+                <a:cs typeface="Times New Roman" panose="02020603050405020304" pitchFamily="18" charset="0"/>
+              </a:rPr>
+              <a:t>верхньої релаксації</a:t>
             </a:r>
             <a:endParaRPr lang="ru-RU" sz="2000" dirty="0">
               <a:latin typeface="Times New Roman" panose="02020603050405020304" pitchFamily="18" charset="0"/>
